--- a/PRESENTACION02/TRABAJO FINAL/PPT PI1 EFINAL.pptx
+++ b/PRESENTACION02/TRABAJO FINAL/PPT PI1 EFINAL.pptx
@@ -5,7 +5,7 @@
     <p:sldMasterId id="2147483660" r:id="rId1"/>
   </p:sldMasterIdLst>
   <p:notesMasterIdLst>
-    <p:notesMasterId r:id="rId21"/>
+    <p:notesMasterId r:id="rId20"/>
   </p:notesMasterIdLst>
   <p:sldIdLst>
     <p:sldId id="256" r:id="rId2"/>
@@ -21,12 +21,11 @@
     <p:sldId id="408" r:id="rId12"/>
     <p:sldId id="405" r:id="rId13"/>
     <p:sldId id="409" r:id="rId14"/>
-    <p:sldId id="411" r:id="rId15"/>
-    <p:sldId id="410" r:id="rId16"/>
-    <p:sldId id="412" r:id="rId17"/>
-    <p:sldId id="413" r:id="rId18"/>
-    <p:sldId id="406" r:id="rId19"/>
-    <p:sldId id="379" r:id="rId20"/>
+    <p:sldId id="410" r:id="rId15"/>
+    <p:sldId id="412" r:id="rId16"/>
+    <p:sldId id="413" r:id="rId17"/>
+    <p:sldId id="406" r:id="rId18"/>
+    <p:sldId id="379" r:id="rId19"/>
   </p:sldIdLst>
   <p:sldSz cx="9144000" cy="6858000" type="screen4x3"/>
   <p:notesSz cx="6858000" cy="9144000"/>
@@ -260,7 +259,7 @@
             <a:pPr>
               <a:defRPr/>
             </a:pPr>
-            <a:fld id="{362657E4-7FA0-4732-B2A9-12A9CF3FBD2B}" type="datetimeFigureOut">
+            <a:fld id="{F79DEED6-8B9B-46FD-8B1E-55DCF969941B}" type="datetimeFigureOut">
               <a:rPr lang="es-PE"/>
               <a:pPr>
                 <a:defRPr/>
@@ -447,7 +446,7 @@
             <a:pPr>
               <a:defRPr/>
             </a:pPr>
-            <a:fld id="{9D92837A-502C-47FD-964E-F14EFD2FA50D}" type="slidenum">
+            <a:fld id="{231BBFA2-8195-4A79-B763-A09348A15B2B}" type="slidenum">
               <a:rPr lang="es-PE"/>
               <a:pPr>
                 <a:defRPr/>
@@ -2446,7 +2445,7 @@
             <a:pPr>
               <a:defRPr/>
             </a:pPr>
-            <a:fld id="{833FA8E0-9794-4AFF-8083-A3AFC63197E6}" type="datetimeFigureOut">
+            <a:fld id="{01280E19-C572-47BE-8EE2-D9995031110E}" type="datetimeFigureOut">
               <a:rPr lang="es-PE"/>
               <a:pPr>
                 <a:defRPr/>
@@ -2505,7 +2504,7 @@
             <a:pPr>
               <a:defRPr/>
             </a:pPr>
-            <a:fld id="{BA443AE8-13ED-409C-AE33-491D30BA513F}" type="slidenum">
+            <a:fld id="{588B35FB-AA3B-4D31-A7DA-662E137FB4EB}" type="slidenum">
               <a:rPr lang="es-PE"/>
               <a:pPr>
                 <a:defRPr/>
@@ -2654,7 +2653,7 @@
             <a:pPr>
               <a:defRPr/>
             </a:pPr>
-            <a:fld id="{F1B37033-60CB-41AB-87D1-AEF109211792}" type="datetimeFigureOut">
+            <a:fld id="{10F42A08-8EAF-4FC7-8DF8-2203E1DA45A2}" type="datetimeFigureOut">
               <a:rPr lang="es-PE"/>
               <a:pPr>
                 <a:defRPr/>
@@ -2713,7 +2712,7 @@
             <a:pPr>
               <a:defRPr/>
             </a:pPr>
-            <a:fld id="{04D521D5-DD35-4898-A86F-96A631E8F1CA}" type="slidenum">
+            <a:fld id="{72A339D7-4303-4A93-8556-05E5F13A92CC}" type="slidenum">
               <a:rPr lang="es-PE"/>
               <a:pPr>
                 <a:defRPr/>
@@ -4559,7 +4558,7 @@
             <a:pPr>
               <a:defRPr/>
             </a:pPr>
-            <a:fld id="{3D6E08F8-63B7-442B-8899-4720334194A8}" type="datetimeFigureOut">
+            <a:fld id="{7A15D923-6519-4238-89B6-CABD136D5FF7}" type="datetimeFigureOut">
               <a:rPr lang="es-PE"/>
               <a:pPr>
                 <a:defRPr/>
@@ -4618,7 +4617,7 @@
             <a:pPr>
               <a:defRPr/>
             </a:pPr>
-            <a:fld id="{F88E8D01-D329-44BF-8495-C9E955F4FB3E}" type="slidenum">
+            <a:fld id="{DAD54317-BFEC-4777-9C2B-D12010C4BE99}" type="slidenum">
               <a:rPr lang="es-PE"/>
               <a:pPr>
                 <a:defRPr/>
@@ -4676,7 +4675,7 @@
             <a:pPr>
               <a:defRPr/>
             </a:pPr>
-            <a:fld id="{279A8A29-F59C-4C84-A0D3-DCF18B02461A}" type="datetimeFigureOut">
+            <a:fld id="{7D932FDD-2F67-40A3-85E7-2F351B286530}" type="datetimeFigureOut">
               <a:rPr lang="es-PE"/>
               <a:pPr>
                 <a:defRPr/>
@@ -4735,7 +4734,7 @@
             <a:pPr>
               <a:defRPr/>
             </a:pPr>
-            <a:fld id="{F90FB4E6-C004-4005-95EE-B4C5B2069853}" type="slidenum">
+            <a:fld id="{CCCCB4CC-07A4-4AD2-85E5-CC51B24BF9CA}" type="slidenum">
               <a:rPr lang="es-PE"/>
               <a:pPr>
                 <a:defRPr/>
@@ -4868,7 +4867,7 @@
             <a:pPr>
               <a:defRPr/>
             </a:pPr>
-            <a:fld id="{44F75F56-E3B8-449D-A24E-6B04F65A359D}" type="datetimeFigureOut">
+            <a:fld id="{F0C88F26-D7CE-4337-8BBF-6FF43F420203}" type="datetimeFigureOut">
               <a:rPr lang="es-PE"/>
               <a:pPr>
                 <a:defRPr/>
@@ -4927,7 +4926,7 @@
             <a:pPr>
               <a:defRPr/>
             </a:pPr>
-            <a:fld id="{69D3F14D-D78A-4511-BE4B-DE9B28CB968C}" type="slidenum">
+            <a:fld id="{AC8AF603-FF34-42BB-B9D6-2B0CC2414470}" type="slidenum">
               <a:rPr lang="es-PE"/>
               <a:pPr>
                 <a:defRPr/>
@@ -6785,7 +6784,7 @@
             <a:pPr>
               <a:defRPr/>
             </a:pPr>
-            <a:fld id="{0C6E24A0-ABF2-4CA6-948D-89B18D3BBDB5}" type="datetimeFigureOut">
+            <a:fld id="{E4796471-B073-4D75-8B65-E656A2781F37}" type="datetimeFigureOut">
               <a:rPr lang="es-PE"/>
               <a:pPr>
                 <a:defRPr/>
@@ -6844,7 +6843,7 @@
             <a:pPr>
               <a:defRPr/>
             </a:pPr>
-            <a:fld id="{10DAFB00-6D09-40B9-920E-0FF6432038F5}" type="slidenum">
+            <a:fld id="{1E05719B-10AA-410B-941E-60311E4CF74D}" type="slidenum">
               <a:rPr lang="es-PE"/>
               <a:pPr>
                 <a:defRPr/>
@@ -7039,7 +7038,7 @@
             <a:pPr>
               <a:defRPr/>
             </a:pPr>
-            <a:fld id="{B841C66A-CD08-4B9B-B466-B7F459E52DD6}" type="datetimeFigureOut">
+            <a:fld id="{39664110-8882-4EF5-B720-D7CA36D7BE6C}" type="datetimeFigureOut">
               <a:rPr lang="es-PE"/>
               <a:pPr>
                 <a:defRPr/>
@@ -7098,7 +7097,7 @@
             <a:pPr>
               <a:defRPr/>
             </a:pPr>
-            <a:fld id="{C1C2DF78-ADBF-4C24-9E46-F0CC13FA00A5}" type="slidenum">
+            <a:fld id="{3FCE93EE-9052-4103-BB73-87643B662854}" type="slidenum">
               <a:rPr lang="es-PE"/>
               <a:pPr>
                 <a:defRPr/>
@@ -7493,7 +7492,7 @@
             <a:pPr>
               <a:defRPr/>
             </a:pPr>
-            <a:fld id="{33B065FD-FBA2-449D-86E1-341C0ED1D4E1}" type="datetimeFigureOut">
+            <a:fld id="{3814C117-8D77-4D4C-99F0-CB173BA1BC10}" type="datetimeFigureOut">
               <a:rPr lang="es-PE"/>
               <a:pPr>
                 <a:defRPr/>
@@ -7552,7 +7551,7 @@
             <a:pPr>
               <a:defRPr/>
             </a:pPr>
-            <a:fld id="{F961300C-60AA-4A6F-93D5-BF8062E64678}" type="slidenum">
+            <a:fld id="{8BD5C604-F725-4835-8721-346981C3D1FC}" type="slidenum">
               <a:rPr lang="es-PE"/>
               <a:pPr>
                 <a:defRPr/>
@@ -7633,7 +7632,7 @@
             <a:pPr>
               <a:defRPr/>
             </a:pPr>
-            <a:fld id="{3CBF8C8B-F42F-4DC2-BE84-5D63243D8A7C}" type="datetimeFigureOut">
+            <a:fld id="{AAD9DF72-B2BA-4FB1-AFAC-E52010A69A29}" type="datetimeFigureOut">
               <a:rPr lang="es-PE"/>
               <a:pPr>
                 <a:defRPr/>
@@ -7692,7 +7691,7 @@
             <a:pPr>
               <a:defRPr/>
             </a:pPr>
-            <a:fld id="{EF5D266D-688A-4AC8-92E0-D9C9DEEE3E14}" type="slidenum">
+            <a:fld id="{9D37872C-6202-4856-8465-699E869A88C4}" type="slidenum">
               <a:rPr lang="es-PE"/>
               <a:pPr>
                 <a:defRPr/>
@@ -9414,7 +9413,7 @@
             <a:pPr>
               <a:defRPr/>
             </a:pPr>
-            <a:fld id="{AF57D7C0-36C9-4423-9F7A-7958E029426F}" type="datetimeFigureOut">
+            <a:fld id="{831C9A6B-E25B-45EF-9809-B89B8FE320A1}" type="datetimeFigureOut">
               <a:rPr lang="es-PE"/>
               <a:pPr>
                 <a:defRPr/>
@@ -9473,7 +9472,7 @@
             <a:pPr>
               <a:defRPr/>
             </a:pPr>
-            <a:fld id="{426C82ED-A11A-4D87-BC4F-47AA5005071D}" type="slidenum">
+            <a:fld id="{F53AC0ED-D169-42F1-A76D-2DBBFA1C7E0E}" type="slidenum">
               <a:rPr lang="es-PE"/>
               <a:pPr>
                 <a:defRPr/>
@@ -11430,7 +11429,7 @@
             <a:pPr>
               <a:defRPr/>
             </a:pPr>
-            <a:fld id="{E7D1990F-66A1-48EA-9CBD-FB5E7CF3E3C4}" type="datetimeFigureOut">
+            <a:fld id="{4F7CD202-0D25-49AC-A778-E548A97B0872}" type="datetimeFigureOut">
               <a:rPr lang="es-PE"/>
               <a:pPr>
                 <a:defRPr/>
@@ -11489,7 +11488,7 @@
             <a:pPr>
               <a:defRPr/>
             </a:pPr>
-            <a:fld id="{AD417D9D-D2B3-411B-A6B2-F636276B4CDC}" type="slidenum">
+            <a:fld id="{D227E71D-3D09-4F49-9C16-1F5956681015}" type="slidenum">
               <a:rPr lang="es-PE"/>
               <a:pPr>
                 <a:defRPr/>
@@ -13417,7 +13416,7 @@
             <a:pPr>
               <a:defRPr/>
             </a:pPr>
-            <a:fld id="{F0C172DD-F793-45A9-BDC5-2F8BE15209CE}" type="datetimeFigureOut">
+            <a:fld id="{BD8DAF2A-21EB-48EF-BFB8-71D80AD5DDE5}" type="datetimeFigureOut">
               <a:rPr lang="es-PE"/>
               <a:pPr>
                 <a:defRPr/>
@@ -13476,7 +13475,7 @@
             <a:pPr>
               <a:defRPr/>
             </a:pPr>
-            <a:fld id="{324EC28D-63FC-4CD8-8BE3-B04F1A90816B}" type="slidenum">
+            <a:fld id="{AC265A45-FC75-4A5F-A538-362A56B35591}" type="slidenum">
               <a:rPr lang="es-PE"/>
               <a:pPr>
                 <a:defRPr/>
@@ -15265,7 +15264,7 @@
             <a:pPr>
               <a:defRPr/>
             </a:pPr>
-            <a:fld id="{1A77E130-9949-439A-A8F4-A187ECFEE445}" type="datetimeFigureOut">
+            <a:fld id="{D9D92F10-4C15-4425-B1BE-3DECF90B777F}" type="datetimeFigureOut">
               <a:rPr lang="es-PE"/>
               <a:pPr>
                 <a:defRPr/>
@@ -15362,7 +15361,7 @@
             <a:pPr>
               <a:defRPr/>
             </a:pPr>
-            <a:fld id="{016F7D17-13AE-4811-B792-7F79C4BB1290}" type="slidenum">
+            <a:fld id="{7F007D76-FBEF-47E8-88D3-7AA8C0F711A7}" type="slidenum">
               <a:rPr lang="es-PE"/>
               <a:pPr>
                 <a:defRPr/>
@@ -15449,17 +15448,17 @@
   <p:clrMap bg1="lt1" tx1="dk1" bg2="lt2" tx2="dk2" accent1="accent1" accent2="accent2" accent3="accent3" accent4="accent4" accent5="accent5" accent6="accent6" hlink="hlink" folHlink="folHlink"/>
   <p:sldLayoutIdLst>
     <p:sldLayoutId id="2147483673" r:id="rId1"/>
-    <p:sldLayoutId id="2147483667" r:id="rId2"/>
+    <p:sldLayoutId id="2147483672" r:id="rId2"/>
     <p:sldLayoutId id="2147483674" r:id="rId3"/>
-    <p:sldLayoutId id="2147483668" r:id="rId4"/>
-    <p:sldLayoutId id="2147483669" r:id="rId5"/>
-    <p:sldLayoutId id="2147483670" r:id="rId6"/>
+    <p:sldLayoutId id="2147483671" r:id="rId4"/>
+    <p:sldLayoutId id="2147483670" r:id="rId5"/>
+    <p:sldLayoutId id="2147483669" r:id="rId6"/>
     <p:sldLayoutId id="2147483675" r:id="rId7"/>
     <p:sldLayoutId id="2147483676" r:id="rId8"/>
     <p:sldLayoutId id="2147483677" r:id="rId9"/>
-    <p:sldLayoutId id="2147483671" r:id="rId10"/>
+    <p:sldLayoutId id="2147483668" r:id="rId10"/>
     <p:sldLayoutId id="2147483678" r:id="rId11"/>
-    <p:sldLayoutId id="2147483672" r:id="rId12"/>
+    <p:sldLayoutId id="2147483667" r:id="rId12"/>
   </p:sldLayoutIdLst>
   <p:txStyles>
     <p:titleStyle>
@@ -16119,7 +16118,7 @@
       </p:grpSpPr>
       <p:sp>
         <p:nvSpPr>
-          <p:cNvPr id="21505" name="2 Título"/>
+          <p:cNvPr id="24577" name="2 Título"/>
           <p:cNvSpPr>
             <a:spLocks noGrp="1"/>
           </p:cNvSpPr>
@@ -16156,7 +16155,7 @@
       </p:sp>
       <p:pic>
         <p:nvPicPr>
-          <p:cNvPr id="21506" name="Picture 2"/>
+          <p:cNvPr id="24578" name="Picture 2"/>
           <p:cNvPicPr>
             <a:picLocks noChangeAspect="1" noChangeArrowheads="1"/>
           </p:cNvPicPr>
@@ -16188,7 +16187,7 @@
       </p:pic>
       <p:sp>
         <p:nvSpPr>
-          <p:cNvPr id="21507" name="Text Box 4"/>
+          <p:cNvPr id="24579" name="Text Box 4"/>
           <p:cNvSpPr txBox="1">
             <a:spLocks noChangeArrowheads="1"/>
           </p:cNvSpPr>
@@ -16196,8 +16195,8 @@
         </p:nvSpPr>
         <p:spPr bwMode="auto">
           <a:xfrm>
-            <a:off x="755650" y="2133600"/>
-            <a:ext cx="7993063" cy="3935413"/>
+            <a:off x="395288" y="2133600"/>
+            <a:ext cx="8353425" cy="3508375"/>
           </a:xfrm>
           <a:prstGeom prst="rect">
             <a:avLst/>
@@ -16226,7 +16225,8 @@
                 <a:solidFill>
                   <a:schemeClr val="tx2"/>
                 </a:solidFill>
-                <a:ea typeface="宋体" charset="-122"/>
+                <a:ea typeface="宋体"/>
+                <a:cs typeface="宋体"/>
               </a:rPr>
               <a:t>El objetivo general </a:t>
             </a:r>
@@ -16235,7 +16235,8 @@
                 <a:solidFill>
                   <a:schemeClr val="tx2"/>
                 </a:solidFill>
-                <a:ea typeface="宋体" charset="-122"/>
+                <a:ea typeface="宋体"/>
+                <a:cs typeface="宋体"/>
               </a:rPr>
               <a:t>del proyecto es desarrollar una solución tecnológica que reduzca el margen de error en la captura</a:t>
             </a:r>
@@ -16244,7 +16245,8 @@
                 <a:solidFill>
                   <a:schemeClr val="tx2"/>
                 </a:solidFill>
-                <a:ea typeface="宋体" charset="-122"/>
+                <a:ea typeface="宋体"/>
+                <a:cs typeface="宋体"/>
               </a:rPr>
               <a:t> de datos y que permita reducir el tiempo general de la captura y  procesamiento de datos de las encuestas con la aplicación de controles que permitan el monitoreo del proceso de encuesta en tiempo real, así como también medir el desempeño de los encuestadores.</a:t>
             </a:r>
@@ -16258,14 +16260,25 @@
       </p:sp>
       <p:pic>
         <p:nvPicPr>
-          <p:cNvPr id="21509" name="Picture 7"/>
+          <p:cNvPr id="24580" name="Picture 7"/>
           <p:cNvPicPr>
             <a:picLocks noChangeAspect="1" noChangeArrowheads="1"/>
           </p:cNvPicPr>
           <p:nvPr/>
         </p:nvPicPr>
         <p:blipFill>
-          <a:blip r:embed="rId3"/>
+          <a:blip r:embed="rId3">
+            <a:clrChange>
+              <a:clrFrom>
+                <a:srgbClr val="FFFFFF"/>
+              </a:clrFrom>
+              <a:clrTo>
+                <a:srgbClr val="FFFFFF">
+                  <a:alpha val="0"/>
+                </a:srgbClr>
+              </a:clrTo>
+            </a:clrChange>
+          </a:blip>
           <a:srcRect/>
           <a:stretch>
             <a:fillRect/>
@@ -16273,8 +16286,8 @@
         </p:blipFill>
         <p:spPr bwMode="auto">
           <a:xfrm>
-            <a:off x="4500563" y="3141663"/>
-            <a:ext cx="2800350" cy="2809875"/>
+            <a:off x="7524750" y="5157788"/>
+            <a:ext cx="1435100" cy="1439862"/>
           </a:xfrm>
           <a:prstGeom prst="rect">
             <a:avLst/>
@@ -16322,7 +16335,7 @@
       </p:grpSpPr>
       <p:sp>
         <p:nvSpPr>
-          <p:cNvPr id="32770" name="2 Título"/>
+          <p:cNvPr id="25601" name="2 Título"/>
           <p:cNvSpPr>
             <a:spLocks noGrp="1"/>
           </p:cNvSpPr>
@@ -16354,7 +16367,7 @@
       </p:sp>
       <p:pic>
         <p:nvPicPr>
-          <p:cNvPr id="32771" name="Picture 2"/>
+          <p:cNvPr id="25602" name="Picture 2"/>
           <p:cNvPicPr>
             <a:picLocks noChangeAspect="1" noChangeArrowheads="1"/>
           </p:cNvPicPr>
@@ -16382,6 +16395,32 @@
             <a:headEnd/>
             <a:tailEnd/>
           </a:ln>
+        </p:spPr>
+      </p:pic>
+      <p:pic>
+        <p:nvPicPr>
+          <p:cNvPr id="25605" name="Picture 5" descr="modelos-de-negocio-online"/>
+          <p:cNvPicPr>
+            <a:picLocks noChangeAspect="1" noChangeArrowheads="1"/>
+          </p:cNvPicPr>
+          <p:nvPr/>
+        </p:nvPicPr>
+        <p:blipFill>
+          <a:blip r:embed="rId3"/>
+          <a:srcRect/>
+          <a:stretch>
+            <a:fillRect/>
+          </a:stretch>
+        </p:blipFill>
+        <p:spPr bwMode="auto">
+          <a:xfrm>
+            <a:off x="3276600" y="3860800"/>
+            <a:ext cx="2428875" cy="2381250"/>
+          </a:xfrm>
+          <a:prstGeom prst="rect">
+            <a:avLst/>
+          </a:prstGeom>
+          <a:noFill/>
         </p:spPr>
       </p:pic>
     </p:spTree>
@@ -16418,7 +16457,7 @@
       </p:grpSpPr>
       <p:sp>
         <p:nvSpPr>
-          <p:cNvPr id="22530" name="2 Título"/>
+          <p:cNvPr id="26625" name="2 Título"/>
           <p:cNvSpPr>
             <a:spLocks noGrp="1"/>
           </p:cNvSpPr>
@@ -16455,7 +16494,7 @@
       </p:sp>
       <p:pic>
         <p:nvPicPr>
-          <p:cNvPr id="22531" name="Picture 2"/>
+          <p:cNvPr id="26626" name="Picture 2"/>
           <p:cNvPicPr>
             <a:picLocks noChangeAspect="1" noChangeArrowheads="1"/>
           </p:cNvPicPr>
@@ -16472,6 +16511,38 @@
           <a:xfrm>
             <a:off x="107950" y="6092825"/>
             <a:ext cx="1223963" cy="665163"/>
+          </a:xfrm>
+          <a:prstGeom prst="rect">
+            <a:avLst/>
+          </a:prstGeom>
+          <a:noFill/>
+          <a:ln w="9525">
+            <a:noFill/>
+            <a:miter lim="800000"/>
+            <a:headEnd/>
+            <a:tailEnd/>
+          </a:ln>
+        </p:spPr>
+      </p:pic>
+      <p:pic>
+        <p:nvPicPr>
+          <p:cNvPr id="26628" name="Picture 4"/>
+          <p:cNvPicPr>
+            <a:picLocks noChangeAspect="1" noChangeArrowheads="1"/>
+          </p:cNvPicPr>
+          <p:nvPr/>
+        </p:nvPicPr>
+        <p:blipFill>
+          <a:blip r:embed="rId3"/>
+          <a:srcRect/>
+          <a:stretch>
+            <a:fillRect/>
+          </a:stretch>
+        </p:blipFill>
+        <p:spPr bwMode="auto">
+          <a:xfrm>
+            <a:off x="1547813" y="2349500"/>
+            <a:ext cx="5924550" cy="4105275"/>
           </a:xfrm>
           <a:prstGeom prst="rect">
             <a:avLst/>
@@ -16519,7 +16590,7 @@
       </p:grpSpPr>
       <p:sp>
         <p:nvSpPr>
-          <p:cNvPr id="33794" name="2 Título"/>
+          <p:cNvPr id="27649" name="2 Título"/>
           <p:cNvSpPr>
             <a:spLocks noGrp="1"/>
           </p:cNvSpPr>
@@ -16556,7 +16627,7 @@
       </p:sp>
       <p:pic>
         <p:nvPicPr>
-          <p:cNvPr id="33795" name="Picture 2"/>
+          <p:cNvPr id="27650" name="Picture 2"/>
           <p:cNvPicPr>
             <a:picLocks noChangeAspect="1" noChangeArrowheads="1"/>
           </p:cNvPicPr>
@@ -16584,6 +16655,32 @@
             <a:headEnd/>
             <a:tailEnd/>
           </a:ln>
+        </p:spPr>
+      </p:pic>
+      <p:pic>
+        <p:nvPicPr>
+          <p:cNvPr id="27652" name="Picture 4"/>
+          <p:cNvPicPr>
+            <a:picLocks noChangeAspect="1" noChangeArrowheads="1"/>
+          </p:cNvPicPr>
+          <p:nvPr/>
+        </p:nvPicPr>
+        <p:blipFill>
+          <a:blip r:embed="rId3"/>
+          <a:srcRect t="3569" b="4778"/>
+          <a:stretch>
+            <a:fillRect/>
+          </a:stretch>
+        </p:blipFill>
+        <p:spPr bwMode="auto">
+          <a:xfrm>
+            <a:off x="1619250" y="1485900"/>
+            <a:ext cx="5889625" cy="5543550"/>
+          </a:xfrm>
+          <a:prstGeom prst="rect">
+            <a:avLst/>
+          </a:prstGeom>
+          <a:noFill/>
         </p:spPr>
       </p:pic>
     </p:spTree>
@@ -16620,7 +16717,7 @@
       </p:grpSpPr>
       <p:sp>
         <p:nvSpPr>
-          <p:cNvPr id="35842" name="2 Título"/>
+          <p:cNvPr id="29697" name="2 Título"/>
           <p:cNvSpPr>
             <a:spLocks noGrp="1"/>
           </p:cNvSpPr>
@@ -16630,8 +16727,8 @@
         </p:nvSpPr>
         <p:spPr>
           <a:xfrm>
-            <a:off x="468313" y="476250"/>
-            <a:ext cx="8229600" cy="1252538"/>
+            <a:off x="611188" y="2852738"/>
+            <a:ext cx="8229600" cy="1252537"/>
           </a:xfrm>
         </p:spPr>
         <p:txBody>
@@ -16640,24 +16737,19 @@
           <a:p>
             <a:pPr eaLnBrk="1" hangingPunct="1"/>
             <a:r>
-              <a:rPr lang="en-US" b="1" smtClean="0">
+              <a:rPr lang="es-PE" sz="4000" b="1" smtClean="0">
                 <a:solidFill>
                   <a:schemeClr val="tx2"/>
                 </a:solidFill>
               </a:rPr>
-              <a:t>Trabajadores del negocio</a:t>
+              <a:t>CASO DE USO DE NEGOCIO MAS IMPORTANTE</a:t>
             </a:r>
-            <a:endParaRPr lang="es-PE" b="1" smtClean="0">
-              <a:solidFill>
-                <a:schemeClr val="tx2"/>
-              </a:solidFill>
-            </a:endParaRPr>
           </a:p>
         </p:txBody>
       </p:sp>
       <p:pic>
         <p:nvPicPr>
-          <p:cNvPr id="35843" name="Picture 2"/>
+          <p:cNvPr id="29698" name="Picture 2"/>
           <p:cNvPicPr>
             <a:picLocks noChangeAspect="1" noChangeArrowheads="1"/>
           </p:cNvPicPr>
@@ -16721,7 +16813,7 @@
       </p:grpSpPr>
       <p:sp>
         <p:nvSpPr>
-          <p:cNvPr id="34818" name="2 Título"/>
+          <p:cNvPr id="30721" name="2 Título"/>
           <p:cNvSpPr>
             <a:spLocks noGrp="1"/>
           </p:cNvSpPr>
@@ -16731,8 +16823,8 @@
         </p:nvSpPr>
         <p:spPr>
           <a:xfrm>
-            <a:off x="611188" y="2852738"/>
-            <a:ext cx="8229600" cy="1252537"/>
+            <a:off x="468313" y="476250"/>
+            <a:ext cx="8229600" cy="1252538"/>
           </a:xfrm>
         </p:spPr>
         <p:txBody>
@@ -16741,19 +16833,24 @@
           <a:p>
             <a:pPr eaLnBrk="1" hangingPunct="1"/>
             <a:r>
-              <a:rPr lang="es-PE" sz="4000" b="1" smtClean="0">
+              <a:rPr lang="en-US" b="1" smtClean="0">
                 <a:solidFill>
                   <a:schemeClr val="tx2"/>
                 </a:solidFill>
               </a:rPr>
-              <a:t>CASO DE USO DE NEGOCIO MAS IMPORTANTE</a:t>
+              <a:t>Diagrama de actividades</a:t>
             </a:r>
+            <a:endParaRPr lang="es-PE" b="1" smtClean="0">
+              <a:solidFill>
+                <a:schemeClr val="tx2"/>
+              </a:solidFill>
+            </a:endParaRPr>
           </a:p>
         </p:txBody>
       </p:sp>
       <p:pic>
         <p:nvPicPr>
-          <p:cNvPr id="34819" name="Picture 2"/>
+          <p:cNvPr id="30722" name="Picture 2"/>
           <p:cNvPicPr>
             <a:picLocks noChangeAspect="1" noChangeArrowheads="1"/>
           </p:cNvPicPr>
@@ -16817,7 +16914,7 @@
       </p:grpSpPr>
       <p:sp>
         <p:nvSpPr>
-          <p:cNvPr id="36866" name="2 Título"/>
+          <p:cNvPr id="31745" name="2 Título"/>
           <p:cNvSpPr>
             <a:spLocks noGrp="1"/>
           </p:cNvSpPr>
@@ -16842,7 +16939,7 @@
                   <a:schemeClr val="tx2"/>
                 </a:solidFill>
               </a:rPr>
-              <a:t>Diagrama de actividades</a:t>
+              <a:t>Diagrama de Clases</a:t>
             </a:r>
             <a:endParaRPr lang="es-PE" b="1" smtClean="0">
               <a:solidFill>
@@ -16854,7 +16951,7 @@
       </p:sp>
       <p:pic>
         <p:nvPicPr>
-          <p:cNvPr id="36867" name="Picture 2"/>
+          <p:cNvPr id="31746" name="Picture 2"/>
           <p:cNvPicPr>
             <a:picLocks noChangeAspect="1" noChangeArrowheads="1"/>
           </p:cNvPicPr>
@@ -16918,7 +17015,7 @@
       </p:grpSpPr>
       <p:sp>
         <p:nvSpPr>
-          <p:cNvPr id="37890" name="2 Título"/>
+          <p:cNvPr id="32769" name="2 Título"/>
           <p:cNvSpPr>
             <a:spLocks noGrp="1"/>
           </p:cNvSpPr>
@@ -16943,7 +17040,7 @@
                   <a:schemeClr val="tx2"/>
                 </a:solidFill>
               </a:rPr>
-              <a:t>Diagrama de Clases</a:t>
+              <a:t>Conclusiones</a:t>
             </a:r>
             <a:endParaRPr lang="es-PE" b="1" smtClean="0">
               <a:solidFill>
@@ -16955,7 +17052,7 @@
       </p:sp>
       <p:pic>
         <p:nvPicPr>
-          <p:cNvPr id="37891" name="Picture 2"/>
+          <p:cNvPr id="32770" name="Picture 2"/>
           <p:cNvPicPr>
             <a:picLocks noChangeAspect="1" noChangeArrowheads="1"/>
           </p:cNvPicPr>
@@ -16983,6 +17080,58 @@
             <a:headEnd/>
             <a:tailEnd/>
           </a:ln>
+        </p:spPr>
+      </p:pic>
+      <p:pic>
+        <p:nvPicPr>
+          <p:cNvPr id="32773" name="Picture 5" descr="gde_noti_app"/>
+          <p:cNvPicPr>
+            <a:picLocks noChangeAspect="1" noChangeArrowheads="1"/>
+          </p:cNvPicPr>
+          <p:nvPr/>
+        </p:nvPicPr>
+        <p:blipFill>
+          <a:blip r:embed="rId3"/>
+          <a:srcRect l="23572" r="28847" b="13516"/>
+          <a:stretch>
+            <a:fillRect/>
+          </a:stretch>
+        </p:blipFill>
+        <p:spPr bwMode="auto">
+          <a:xfrm>
+            <a:off x="2843213" y="3573463"/>
+            <a:ext cx="1944687" cy="1241425"/>
+          </a:xfrm>
+          <a:prstGeom prst="rect">
+            <a:avLst/>
+          </a:prstGeom>
+          <a:noFill/>
+        </p:spPr>
+      </p:pic>
+      <p:pic>
+        <p:nvPicPr>
+          <p:cNvPr id="32775" name="Picture 7" descr="Las-8-diferencias-entre-las-organizaciones-est%25C3%25A1ticas-e-innovadoras"/>
+          <p:cNvPicPr>
+            <a:picLocks noChangeAspect="1" noChangeArrowheads="1"/>
+          </p:cNvPicPr>
+          <p:nvPr/>
+        </p:nvPicPr>
+        <p:blipFill>
+          <a:blip r:embed="rId4"/>
+          <a:srcRect/>
+          <a:stretch>
+            <a:fillRect/>
+          </a:stretch>
+        </p:blipFill>
+        <p:spPr bwMode="auto">
+          <a:xfrm>
+            <a:off x="468313" y="2060575"/>
+            <a:ext cx="2016125" cy="2016125"/>
+          </a:xfrm>
+          <a:prstGeom prst="rect">
+            <a:avLst/>
+          </a:prstGeom>
+          <a:noFill/>
         </p:spPr>
       </p:pic>
     </p:spTree>
@@ -17019,108 +17168,7 @@
       </p:grpSpPr>
       <p:sp>
         <p:nvSpPr>
-          <p:cNvPr id="23553" name="2 Título"/>
-          <p:cNvSpPr>
-            <a:spLocks noGrp="1"/>
-          </p:cNvSpPr>
-          <p:nvPr>
-            <p:ph type="title" idx="4294967295"/>
-          </p:nvPr>
-        </p:nvSpPr>
-        <p:spPr>
-          <a:xfrm>
-            <a:off x="468313" y="476250"/>
-            <a:ext cx="8229600" cy="1252538"/>
-          </a:xfrm>
-        </p:spPr>
-        <p:txBody>
-          <a:bodyPr/>
-          <a:lstStyle/>
-          <a:p>
-            <a:pPr eaLnBrk="1" hangingPunct="1"/>
-            <a:r>
-              <a:rPr lang="en-US" b="1" smtClean="0">
-                <a:solidFill>
-                  <a:schemeClr val="tx2"/>
-                </a:solidFill>
-              </a:rPr>
-              <a:t>Conclusiones</a:t>
-            </a:r>
-            <a:endParaRPr lang="es-PE" b="1" smtClean="0">
-              <a:solidFill>
-                <a:schemeClr val="tx2"/>
-              </a:solidFill>
-            </a:endParaRPr>
-          </a:p>
-        </p:txBody>
-      </p:sp>
-      <p:pic>
-        <p:nvPicPr>
-          <p:cNvPr id="23554" name="Picture 2"/>
-          <p:cNvPicPr>
-            <a:picLocks noChangeAspect="1" noChangeArrowheads="1"/>
-          </p:cNvPicPr>
-          <p:nvPr/>
-        </p:nvPicPr>
-        <p:blipFill>
-          <a:blip r:embed="rId2"/>
-          <a:srcRect/>
-          <a:stretch>
-            <a:fillRect/>
-          </a:stretch>
-        </p:blipFill>
-        <p:spPr bwMode="auto">
-          <a:xfrm>
-            <a:off x="107950" y="6092825"/>
-            <a:ext cx="1223963" cy="665163"/>
-          </a:xfrm>
-          <a:prstGeom prst="rect">
-            <a:avLst/>
-          </a:prstGeom>
-          <a:noFill/>
-          <a:ln w="9525">
-            <a:noFill/>
-            <a:miter lim="800000"/>
-            <a:headEnd/>
-            <a:tailEnd/>
-          </a:ln>
-        </p:spPr>
-      </p:pic>
-    </p:spTree>
-  </p:cSld>
-  <p:clrMapOvr>
-    <a:masterClrMapping/>
-  </p:clrMapOvr>
-  <p:timing>
-    <p:tnLst>
-      <p:par>
-        <p:cTn id="1" dur="indefinite" restart="never" nodeType="tmRoot"/>
-      </p:par>
-    </p:tnLst>
-  </p:timing>
-</p:sld>
-</file>
-
-<file path=ppt/slides/slide19.xml><?xml version="1.0" encoding="utf-8"?>
-<p:sld xmlns:a="http://schemas.openxmlformats.org/drawingml/2006/main" xmlns:r="http://schemas.openxmlformats.org/officeDocument/2006/relationships" xmlns:p="http://schemas.openxmlformats.org/presentationml/2006/main">
-  <p:cSld>
-    <p:spTree>
-      <p:nvGrpSpPr>
-        <p:cNvPr id="1" name=""/>
-        <p:cNvGrpSpPr/>
-        <p:nvPr/>
-      </p:nvGrpSpPr>
-      <p:grpSpPr>
-        <a:xfrm>
-          <a:off x="0" y="0"/>
-          <a:ext cx="0" cy="0"/>
-          <a:chOff x="0" y="0"/>
-          <a:chExt cx="0" cy="0"/>
-        </a:xfrm>
-      </p:grpSpPr>
-      <p:sp>
-        <p:nvSpPr>
-          <p:cNvPr id="24577" name="1 Título"/>
+          <p:cNvPr id="33793" name="1 Título"/>
           <p:cNvSpPr>
             <a:spLocks noGrp="1"/>
           </p:cNvSpPr>
@@ -17148,7 +17196,7 @@
       </p:sp>
       <p:sp>
         <p:nvSpPr>
-          <p:cNvPr id="24578" name="3 CuadroTexto"/>
+          <p:cNvPr id="33794" name="3 CuadroTexto"/>
           <p:cNvSpPr txBox="1">
             <a:spLocks noChangeArrowheads="1"/>
           </p:cNvSpPr>
@@ -17212,7 +17260,7 @@
       </p:sp>
       <p:sp>
         <p:nvSpPr>
-          <p:cNvPr id="24579" name="4 CuadroTexto"/>
+          <p:cNvPr id="33795" name="4 CuadroTexto"/>
           <p:cNvSpPr txBox="1">
             <a:spLocks noChangeArrowheads="1"/>
           </p:cNvSpPr>
@@ -17391,7 +17439,7 @@
       </p:grpSpPr>
       <p:sp>
         <p:nvSpPr>
-          <p:cNvPr id="38914" name="2 Título"/>
+          <p:cNvPr id="17409" name="2 Título"/>
           <p:cNvSpPr>
             <a:spLocks noGrp="1"/>
           </p:cNvSpPr>
@@ -17428,7 +17476,7 @@
       </p:sp>
       <p:pic>
         <p:nvPicPr>
-          <p:cNvPr id="38915" name="Picture 2"/>
+          <p:cNvPr id="17410" name="Picture 2"/>
           <p:cNvPicPr>
             <a:picLocks noChangeAspect="1" noChangeArrowheads="1"/>
           </p:cNvPicPr>
@@ -17460,7 +17508,7 @@
       </p:pic>
       <p:pic>
         <p:nvPicPr>
-          <p:cNvPr id="38918" name="Picture 6" descr="tesis"/>
+          <p:cNvPr id="17411" name="Picture 6" descr="tesis"/>
           <p:cNvPicPr>
             <a:picLocks noChangeAspect="1" noChangeArrowheads="1"/>
           </p:cNvPicPr>
@@ -17482,6 +17530,12 @@
             <a:avLst/>
           </a:prstGeom>
           <a:noFill/>
+          <a:ln w="9525">
+            <a:noFill/>
+            <a:miter lim="800000"/>
+            <a:headEnd/>
+            <a:tailEnd/>
+          </a:ln>
         </p:spPr>
       </p:pic>
     </p:spTree>
@@ -17518,7 +17572,7 @@
       </p:grpSpPr>
       <p:sp>
         <p:nvSpPr>
-          <p:cNvPr id="31746" name="2 Título"/>
+          <p:cNvPr id="18433" name="2 Título"/>
           <p:cNvSpPr>
             <a:spLocks noGrp="1"/>
           </p:cNvSpPr>
@@ -17550,7 +17604,7 @@
       </p:sp>
       <p:pic>
         <p:nvPicPr>
-          <p:cNvPr id="31747" name="Picture 2"/>
+          <p:cNvPr id="18434" name="Picture 2"/>
           <p:cNvPicPr>
             <a:picLocks noChangeAspect="1" noChangeArrowheads="1"/>
           </p:cNvPicPr>
@@ -17614,7 +17668,7 @@
       </p:grpSpPr>
       <p:sp>
         <p:nvSpPr>
-          <p:cNvPr id="40962" name="2 Título"/>
+          <p:cNvPr id="19457" name="2 Título"/>
           <p:cNvSpPr>
             <a:spLocks noGrp="1"/>
           </p:cNvSpPr>
@@ -17651,7 +17705,7 @@
       </p:sp>
       <p:pic>
         <p:nvPicPr>
-          <p:cNvPr id="40963" name="Picture 2"/>
+          <p:cNvPr id="19458" name="Picture 2"/>
           <p:cNvPicPr>
             <a:picLocks noChangeAspect="1" noChangeArrowheads="1"/>
           </p:cNvPicPr>
@@ -17683,7 +17737,7 @@
       </p:pic>
       <p:sp>
         <p:nvSpPr>
-          <p:cNvPr id="40965" name="Text Box 5"/>
+          <p:cNvPr id="19459" name="Text Box 5"/>
           <p:cNvSpPr txBox="1">
             <a:spLocks noChangeArrowheads="1"/>
           </p:cNvSpPr>
@@ -17704,7 +17758,6 @@
             <a:headEnd/>
             <a:tailEnd/>
           </a:ln>
-          <a:effectLst/>
         </p:spPr>
         <p:txBody>
           <a:bodyPr>
@@ -17730,7 +17783,7 @@
       </p:sp>
       <p:sp>
         <p:nvSpPr>
-          <p:cNvPr id="40966" name="Text Box 6"/>
+          <p:cNvPr id="19460" name="Text Box 6"/>
           <p:cNvSpPr txBox="1">
             <a:spLocks noChangeArrowheads="1"/>
           </p:cNvSpPr>
@@ -17738,7 +17791,7 @@
         </p:nvSpPr>
         <p:spPr bwMode="auto">
           <a:xfrm>
-            <a:off x="3851275" y="4581525"/>
+            <a:off x="3276600" y="4581525"/>
             <a:ext cx="3240088" cy="822325"/>
           </a:xfrm>
           <a:prstGeom prst="rect">
@@ -17751,7 +17804,6 @@
             <a:headEnd/>
             <a:tailEnd/>
           </a:ln>
-          <a:effectLst/>
         </p:spPr>
         <p:txBody>
           <a:bodyPr>
@@ -17777,7 +17829,7 @@
       </p:sp>
       <p:sp>
         <p:nvSpPr>
-          <p:cNvPr id="40967" name="Text Box 7"/>
+          <p:cNvPr id="19461" name="Text Box 7"/>
           <p:cNvSpPr txBox="1">
             <a:spLocks noChangeArrowheads="1"/>
           </p:cNvSpPr>
@@ -17798,7 +17850,6 @@
             <a:headEnd/>
             <a:tailEnd/>
           </a:ln>
-          <a:effectLst/>
         </p:spPr>
         <p:txBody>
           <a:bodyPr>
@@ -17824,7 +17875,7 @@
       </p:sp>
       <p:sp>
         <p:nvSpPr>
-          <p:cNvPr id="40968" name="Text Box 8"/>
+          <p:cNvPr id="19462" name="Text Box 8"/>
           <p:cNvSpPr txBox="1">
             <a:spLocks noChangeArrowheads="1"/>
           </p:cNvSpPr>
@@ -17832,7 +17883,7 @@
         </p:nvSpPr>
         <p:spPr bwMode="auto">
           <a:xfrm>
-            <a:off x="396875" y="4652963"/>
+            <a:off x="-36513" y="4652963"/>
             <a:ext cx="2951163" cy="822325"/>
           </a:xfrm>
           <a:prstGeom prst="rect">
@@ -17845,7 +17896,6 @@
             <a:headEnd/>
             <a:tailEnd/>
           </a:ln>
-          <a:effectLst/>
         </p:spPr>
         <p:txBody>
           <a:bodyPr>
@@ -17871,7 +17921,7 @@
       </p:sp>
       <p:sp>
         <p:nvSpPr>
-          <p:cNvPr id="40969" name="Text Box 9"/>
+          <p:cNvPr id="19463" name="Text Box 9"/>
           <p:cNvSpPr txBox="1">
             <a:spLocks noChangeArrowheads="1"/>
           </p:cNvSpPr>
@@ -17892,7 +17942,6 @@
             <a:headEnd/>
             <a:tailEnd/>
           </a:ln>
-          <a:effectLst/>
         </p:spPr>
         <p:txBody>
           <a:bodyPr>
@@ -17918,7 +17967,7 @@
       </p:sp>
       <p:sp>
         <p:nvSpPr>
-          <p:cNvPr id="40970" name="1 Título"/>
+          <p:cNvPr id="19464" name="1 Título"/>
           <p:cNvSpPr>
             <a:spLocks/>
           </p:cNvSpPr>
@@ -17951,6 +18000,216 @@
               </a:rPr>
               <a:t>Sistema de Captura móvil y monitoreo de procesos de campo para una Entidad encuestadora</a:t>
             </a:r>
+          </a:p>
+        </p:txBody>
+      </p:sp>
+      <p:sp>
+        <p:nvSpPr>
+          <p:cNvPr id="19467" name="Line 11"/>
+          <p:cNvSpPr>
+            <a:spLocks noChangeShapeType="1"/>
+          </p:cNvSpPr>
+          <p:nvPr/>
+        </p:nvSpPr>
+        <p:spPr bwMode="auto">
+          <a:xfrm flipH="1">
+            <a:off x="1908175" y="4221163"/>
+            <a:ext cx="503238" cy="431800"/>
+          </a:xfrm>
+          <a:prstGeom prst="line">
+            <a:avLst/>
+          </a:prstGeom>
+          <a:noFill/>
+          <a:ln w="28575">
+            <a:solidFill>
+              <a:schemeClr val="tx2"/>
+            </a:solidFill>
+            <a:round/>
+            <a:headEnd/>
+            <a:tailEnd type="triangle" w="med" len="med"/>
+          </a:ln>
+          <a:effectLst/>
+        </p:spPr>
+        <p:txBody>
+          <a:bodyPr/>
+          <a:lstStyle/>
+          <a:p>
+            <a:endParaRPr lang="es-ES"/>
+          </a:p>
+        </p:txBody>
+      </p:sp>
+      <p:sp>
+        <p:nvSpPr>
+          <p:cNvPr id="19468" name="Line 12"/>
+          <p:cNvSpPr>
+            <a:spLocks noChangeShapeType="1"/>
+          </p:cNvSpPr>
+          <p:nvPr/>
+        </p:nvSpPr>
+        <p:spPr bwMode="auto">
+          <a:xfrm>
+            <a:off x="4643438" y="4221163"/>
+            <a:ext cx="0" cy="360362"/>
+          </a:xfrm>
+          <a:prstGeom prst="line">
+            <a:avLst/>
+          </a:prstGeom>
+          <a:noFill/>
+          <a:ln w="28575">
+            <a:solidFill>
+              <a:schemeClr val="tx2"/>
+            </a:solidFill>
+            <a:round/>
+            <a:headEnd/>
+            <a:tailEnd type="triangle" w="med" len="med"/>
+          </a:ln>
+          <a:effectLst/>
+        </p:spPr>
+        <p:txBody>
+          <a:bodyPr/>
+          <a:lstStyle/>
+          <a:p>
+            <a:endParaRPr lang="es-ES"/>
+          </a:p>
+        </p:txBody>
+      </p:sp>
+      <p:sp>
+        <p:nvSpPr>
+          <p:cNvPr id="19469" name="Line 13"/>
+          <p:cNvSpPr>
+            <a:spLocks noChangeShapeType="1"/>
+          </p:cNvSpPr>
+          <p:nvPr/>
+        </p:nvSpPr>
+        <p:spPr bwMode="auto">
+          <a:xfrm>
+            <a:off x="6732588" y="4221163"/>
+            <a:ext cx="1223962" cy="936625"/>
+          </a:xfrm>
+          <a:prstGeom prst="line">
+            <a:avLst/>
+          </a:prstGeom>
+          <a:noFill/>
+          <a:ln w="28575">
+            <a:solidFill>
+              <a:schemeClr val="tx2"/>
+            </a:solidFill>
+            <a:round/>
+            <a:headEnd/>
+            <a:tailEnd type="triangle" w="med" len="med"/>
+          </a:ln>
+          <a:effectLst/>
+        </p:spPr>
+        <p:txBody>
+          <a:bodyPr/>
+          <a:lstStyle/>
+          <a:p>
+            <a:endParaRPr lang="es-ES"/>
+          </a:p>
+        </p:txBody>
+      </p:sp>
+      <p:sp>
+        <p:nvSpPr>
+          <p:cNvPr id="19470" name="Line 14"/>
+          <p:cNvSpPr>
+            <a:spLocks noChangeShapeType="1"/>
+          </p:cNvSpPr>
+          <p:nvPr/>
+        </p:nvSpPr>
+        <p:spPr bwMode="auto">
+          <a:xfrm flipH="1">
+            <a:off x="2555875" y="4149725"/>
+            <a:ext cx="1223963" cy="1727200"/>
+          </a:xfrm>
+          <a:prstGeom prst="line">
+            <a:avLst/>
+          </a:prstGeom>
+          <a:noFill/>
+          <a:ln w="28575">
+            <a:solidFill>
+              <a:schemeClr val="tx2"/>
+            </a:solidFill>
+            <a:round/>
+            <a:headEnd/>
+            <a:tailEnd type="triangle" w="med" len="med"/>
+          </a:ln>
+          <a:effectLst/>
+        </p:spPr>
+        <p:txBody>
+          <a:bodyPr/>
+          <a:lstStyle/>
+          <a:p>
+            <a:endParaRPr lang="es-ES"/>
+          </a:p>
+        </p:txBody>
+      </p:sp>
+      <p:sp>
+        <p:nvSpPr>
+          <p:cNvPr id="19471" name="Line 15"/>
+          <p:cNvSpPr>
+            <a:spLocks noChangeShapeType="1"/>
+          </p:cNvSpPr>
+          <p:nvPr/>
+        </p:nvSpPr>
+        <p:spPr bwMode="auto">
+          <a:xfrm flipH="1">
+            <a:off x="6084888" y="4149725"/>
+            <a:ext cx="287337" cy="1439863"/>
+          </a:xfrm>
+          <a:prstGeom prst="line">
+            <a:avLst/>
+          </a:prstGeom>
+          <a:noFill/>
+          <a:ln w="28575">
+            <a:solidFill>
+              <a:schemeClr val="tx2"/>
+            </a:solidFill>
+            <a:round/>
+            <a:headEnd/>
+            <a:tailEnd type="triangle" w="med" len="med"/>
+          </a:ln>
+          <a:effectLst/>
+        </p:spPr>
+        <p:txBody>
+          <a:bodyPr/>
+          <a:lstStyle/>
+          <a:p>
+            <a:endParaRPr lang="es-ES"/>
+          </a:p>
+        </p:txBody>
+      </p:sp>
+      <p:sp>
+        <p:nvSpPr>
+          <p:cNvPr id="19472" name="Line 16"/>
+          <p:cNvSpPr>
+            <a:spLocks noChangeShapeType="1"/>
+          </p:cNvSpPr>
+          <p:nvPr/>
+        </p:nvSpPr>
+        <p:spPr bwMode="auto">
+          <a:xfrm>
+            <a:off x="684213" y="4076700"/>
+            <a:ext cx="8064500" cy="0"/>
+          </a:xfrm>
+          <a:prstGeom prst="line">
+            <a:avLst/>
+          </a:prstGeom>
+          <a:noFill/>
+          <a:ln w="28575">
+            <a:solidFill>
+              <a:srgbClr val="FF0000"/>
+            </a:solidFill>
+            <a:round/>
+            <a:headEnd/>
+            <a:tailEnd/>
+          </a:ln>
+          <a:effectLst/>
+        </p:spPr>
+        <p:txBody>
+          <a:bodyPr/>
+          <a:lstStyle/>
+          <a:p>
+            <a:endParaRPr lang="es-ES"/>
           </a:p>
         </p:txBody>
       </p:sp>
@@ -17988,7 +18247,7 @@
       </p:grpSpPr>
       <p:sp>
         <p:nvSpPr>
-          <p:cNvPr id="39938" name="2 Título"/>
+          <p:cNvPr id="20481" name="2 Título"/>
           <p:cNvSpPr>
             <a:spLocks noGrp="1"/>
           </p:cNvSpPr>
@@ -18025,7 +18284,7 @@
       </p:sp>
       <p:pic>
         <p:nvPicPr>
-          <p:cNvPr id="39939" name="Picture 2"/>
+          <p:cNvPr id="20482" name="Picture 2"/>
           <p:cNvPicPr>
             <a:picLocks noChangeAspect="1" noChangeArrowheads="1"/>
           </p:cNvPicPr>
@@ -18057,7 +18316,7 @@
       </p:pic>
       <p:pic>
         <p:nvPicPr>
-          <p:cNvPr id="39942" name="Picture 6"/>
+          <p:cNvPr id="20483" name="Picture 6"/>
           <p:cNvPicPr>
             <a:picLocks noChangeAspect="1" noChangeArrowheads="1"/>
           </p:cNvPicPr>
@@ -18089,7 +18348,7 @@
       </p:pic>
       <p:pic>
         <p:nvPicPr>
-          <p:cNvPr id="39941" name="Picture 5"/>
+          <p:cNvPr id="20484" name="Picture 5"/>
           <p:cNvPicPr>
             <a:picLocks noChangeAspect="1" noChangeArrowheads="1"/>
           </p:cNvPicPr>
@@ -18121,7 +18380,7 @@
       </p:pic>
       <p:pic>
         <p:nvPicPr>
-          <p:cNvPr id="39944" name="Picture 8" descr="logo_encuesta"/>
+          <p:cNvPr id="20485" name="Picture 8" descr="logo_encuesta"/>
           <p:cNvPicPr>
             <a:picLocks noChangeAspect="1" noChangeArrowheads="1"/>
           </p:cNvPicPr>
@@ -18143,11 +18402,17 @@
             <a:avLst/>
           </a:prstGeom>
           <a:noFill/>
+          <a:ln w="9525">
+            <a:noFill/>
+            <a:miter lim="800000"/>
+            <a:headEnd/>
+            <a:tailEnd/>
+          </a:ln>
         </p:spPr>
       </p:pic>
       <p:pic>
         <p:nvPicPr>
-          <p:cNvPr id="39946" name="Picture 10" descr="encuestador"/>
+          <p:cNvPr id="20486" name="Picture 10" descr="encuestador"/>
           <p:cNvPicPr>
             <a:picLocks noChangeAspect="1" noChangeArrowheads="1"/>
           </p:cNvPicPr>
@@ -18169,11 +18434,17 @@
             <a:avLst/>
           </a:prstGeom>
           <a:noFill/>
+          <a:ln w="9525">
+            <a:noFill/>
+            <a:miter lim="800000"/>
+            <a:headEnd/>
+            <a:tailEnd/>
+          </a:ln>
         </p:spPr>
       </p:pic>
       <p:pic>
         <p:nvPicPr>
-          <p:cNvPr id="39947" name="Picture 5"/>
+          <p:cNvPr id="20487" name="Picture 5"/>
           <p:cNvPicPr>
             <a:picLocks noChangeAspect="1" noChangeArrowheads="1"/>
           </p:cNvPicPr>
@@ -18237,7 +18508,7 @@
       </p:grpSpPr>
       <p:sp>
         <p:nvSpPr>
-          <p:cNvPr id="18433" name="2 Título"/>
+          <p:cNvPr id="21505" name="2 Título"/>
           <p:cNvSpPr>
             <a:spLocks noGrp="1"/>
           </p:cNvSpPr>
@@ -18274,7 +18545,7 @@
       </p:sp>
       <p:pic>
         <p:nvPicPr>
-          <p:cNvPr id="18434" name="Picture 2"/>
+          <p:cNvPr id="21506" name="Picture 2"/>
           <p:cNvPicPr>
             <a:picLocks noChangeAspect="1" noChangeArrowheads="1"/>
           </p:cNvPicPr>
@@ -18306,7 +18577,7 @@
       </p:pic>
       <p:sp>
         <p:nvSpPr>
-          <p:cNvPr id="18435" name="Rectangle 5"/>
+          <p:cNvPr id="21507" name="Rectangle 5"/>
           <p:cNvSpPr>
             <a:spLocks noChangeArrowheads="1"/>
           </p:cNvSpPr>
@@ -18340,7 +18611,7 @@
       </p:sp>
       <p:pic>
         <p:nvPicPr>
-          <p:cNvPr id="18436" name="Picture 6"/>
+          <p:cNvPr id="21508" name="Picture 6"/>
           <p:cNvPicPr>
             <a:picLocks noChangeAspect="1" noChangeArrowheads="1"/>
           </p:cNvPicPr>
@@ -18406,7 +18677,7 @@
       </p:grpSpPr>
       <p:sp>
         <p:nvSpPr>
-          <p:cNvPr id="19457" name="2 Título"/>
+          <p:cNvPr id="22529" name="2 Título"/>
           <p:cNvSpPr>
             <a:spLocks noGrp="1"/>
           </p:cNvSpPr>
@@ -18443,7 +18714,7 @@
       </p:sp>
       <p:pic>
         <p:nvPicPr>
-          <p:cNvPr id="19458" name="Picture 2"/>
+          <p:cNvPr id="22530" name="Picture 2"/>
           <p:cNvPicPr>
             <a:picLocks noChangeAspect="1" noChangeArrowheads="1"/>
           </p:cNvPicPr>
@@ -18475,7 +18746,7 @@
       </p:pic>
       <p:pic>
         <p:nvPicPr>
-          <p:cNvPr id="19459" name="Picture 4"/>
+          <p:cNvPr id="22531" name="Picture 4"/>
           <p:cNvPicPr>
             <a:picLocks noChangeAspect="1" noChangeArrowheads="1"/>
           </p:cNvPicPr>
@@ -18539,7 +18810,7 @@
       </p:grpSpPr>
       <p:sp>
         <p:nvSpPr>
-          <p:cNvPr id="20481" name="2 Título"/>
+          <p:cNvPr id="23553" name="2 Título"/>
           <p:cNvSpPr>
             <a:spLocks noGrp="1"/>
           </p:cNvSpPr>
@@ -18576,7 +18847,7 @@
       </p:sp>
       <p:pic>
         <p:nvPicPr>
-          <p:cNvPr id="20482" name="Picture 2"/>
+          <p:cNvPr id="23554" name="Picture 2"/>
           <p:cNvPicPr>
             <a:picLocks noChangeAspect="1" noChangeArrowheads="1"/>
           </p:cNvPicPr>
@@ -18608,7 +18879,7 @@
       </p:pic>
       <p:pic>
         <p:nvPicPr>
-          <p:cNvPr id="20483" name="Picture 5"/>
+          <p:cNvPr id="23555" name="Picture 5"/>
           <p:cNvPicPr>
             <a:picLocks noChangeAspect="1" noChangeArrowheads="1"/>
           </p:cNvPicPr>
@@ -18642,7 +18913,7 @@
       </p:pic>
       <p:pic>
         <p:nvPicPr>
-          <p:cNvPr id="20484" name="Picture 4"/>
+          <p:cNvPr id="23556" name="Picture 4"/>
           <p:cNvPicPr>
             <a:picLocks noChangeAspect="1" noChangeArrowheads="1"/>
           </p:cNvPicPr>

--- a/PRESENTACION02/TRABAJO FINAL/PPT PI1 EFINAL.pptx
+++ b/PRESENTACION02/TRABAJO FINAL/PPT PI1 EFINAL.pptx
@@ -5,27 +5,26 @@
     <p:sldMasterId id="2147483660" r:id="rId1"/>
   </p:sldMasterIdLst>
   <p:notesMasterIdLst>
-    <p:notesMasterId r:id="rId20"/>
+    <p:notesMasterId r:id="rId19"/>
   </p:notesMasterIdLst>
   <p:sldIdLst>
     <p:sldId id="256" r:id="rId2"/>
-    <p:sldId id="324" r:id="rId3"/>
-    <p:sldId id="414" r:id="rId4"/>
-    <p:sldId id="407" r:id="rId5"/>
-    <p:sldId id="416" r:id="rId6"/>
-    <p:sldId id="415" r:id="rId7"/>
-    <p:sldId id="401" r:id="rId8"/>
-    <p:sldId id="402" r:id="rId9"/>
-    <p:sldId id="403" r:id="rId10"/>
-    <p:sldId id="404" r:id="rId11"/>
-    <p:sldId id="408" r:id="rId12"/>
-    <p:sldId id="405" r:id="rId13"/>
-    <p:sldId id="409" r:id="rId14"/>
-    <p:sldId id="410" r:id="rId15"/>
-    <p:sldId id="412" r:id="rId16"/>
-    <p:sldId id="413" r:id="rId17"/>
-    <p:sldId id="406" r:id="rId18"/>
-    <p:sldId id="379" r:id="rId19"/>
+    <p:sldId id="414" r:id="rId3"/>
+    <p:sldId id="407" r:id="rId4"/>
+    <p:sldId id="416" r:id="rId5"/>
+    <p:sldId id="415" r:id="rId6"/>
+    <p:sldId id="401" r:id="rId7"/>
+    <p:sldId id="402" r:id="rId8"/>
+    <p:sldId id="403" r:id="rId9"/>
+    <p:sldId id="404" r:id="rId10"/>
+    <p:sldId id="408" r:id="rId11"/>
+    <p:sldId id="405" r:id="rId12"/>
+    <p:sldId id="409" r:id="rId13"/>
+    <p:sldId id="410" r:id="rId14"/>
+    <p:sldId id="412" r:id="rId15"/>
+    <p:sldId id="413" r:id="rId16"/>
+    <p:sldId id="406" r:id="rId17"/>
+    <p:sldId id="379" r:id="rId18"/>
   </p:sldIdLst>
   <p:sldSz cx="9144000" cy="6858000" type="screen4x3"/>
   <p:notesSz cx="6858000" cy="9144000"/>
@@ -40,7 +39,7 @@
       <a:spcAft>
         <a:spcPct val="0"/>
       </a:spcAft>
-      <a:defRPr kern="1200">
+      <a:defRPr sz="1700" kern="1200">
         <a:solidFill>
           <a:schemeClr val="tx1"/>
         </a:solidFill>
@@ -56,7 +55,7 @@
       <a:spcAft>
         <a:spcPct val="0"/>
       </a:spcAft>
-      <a:defRPr kern="1200">
+      <a:defRPr sz="1700" kern="1200">
         <a:solidFill>
           <a:schemeClr val="tx1"/>
         </a:solidFill>
@@ -72,7 +71,7 @@
       <a:spcAft>
         <a:spcPct val="0"/>
       </a:spcAft>
-      <a:defRPr kern="1200">
+      <a:defRPr sz="1700" kern="1200">
         <a:solidFill>
           <a:schemeClr val="tx1"/>
         </a:solidFill>
@@ -88,7 +87,7 @@
       <a:spcAft>
         <a:spcPct val="0"/>
       </a:spcAft>
-      <a:defRPr kern="1200">
+      <a:defRPr sz="1700" kern="1200">
         <a:solidFill>
           <a:schemeClr val="tx1"/>
         </a:solidFill>
@@ -104,7 +103,7 @@
       <a:spcAft>
         <a:spcPct val="0"/>
       </a:spcAft>
-      <a:defRPr kern="1200">
+      <a:defRPr sz="1700" kern="1200">
         <a:solidFill>
           <a:schemeClr val="tx1"/>
         </a:solidFill>
@@ -114,7 +113,7 @@
       </a:defRPr>
     </a:lvl5pPr>
     <a:lvl6pPr marL="2286000" algn="l" defTabSz="914400" rtl="0" eaLnBrk="1" latinLnBrk="0" hangingPunct="1">
-      <a:defRPr kern="1200">
+      <a:defRPr sz="1700" kern="1200">
         <a:solidFill>
           <a:schemeClr val="tx1"/>
         </a:solidFill>
@@ -124,7 +123,7 @@
       </a:defRPr>
     </a:lvl6pPr>
     <a:lvl7pPr marL="2743200" algn="l" defTabSz="914400" rtl="0" eaLnBrk="1" latinLnBrk="0" hangingPunct="1">
-      <a:defRPr kern="1200">
+      <a:defRPr sz="1700" kern="1200">
         <a:solidFill>
           <a:schemeClr val="tx1"/>
         </a:solidFill>
@@ -134,7 +133,7 @@
       </a:defRPr>
     </a:lvl7pPr>
     <a:lvl8pPr marL="3200400" algn="l" defTabSz="914400" rtl="0" eaLnBrk="1" latinLnBrk="0" hangingPunct="1">
-      <a:defRPr kern="1200">
+      <a:defRPr sz="1700" kern="1200">
         <a:solidFill>
           <a:schemeClr val="tx1"/>
         </a:solidFill>
@@ -144,7 +143,7 @@
       </a:defRPr>
     </a:lvl8pPr>
     <a:lvl9pPr marL="3657600" algn="l" defTabSz="914400" rtl="0" eaLnBrk="1" latinLnBrk="0" hangingPunct="1">
-      <a:defRPr kern="1200">
+      <a:defRPr sz="1700" kern="1200">
         <a:solidFill>
           <a:schemeClr val="tx1"/>
         </a:solidFill>
@@ -259,7 +258,7 @@
             <a:pPr>
               <a:defRPr/>
             </a:pPr>
-            <a:fld id="{F79DEED6-8B9B-46FD-8B1E-55DCF969941B}" type="datetimeFigureOut">
+            <a:fld id="{EAE547FB-C627-4BA8-AD6F-CCE357BB2F58}" type="datetimeFigureOut">
               <a:rPr lang="es-PE"/>
               <a:pPr>
                 <a:defRPr/>
@@ -446,7 +445,7 @@
             <a:pPr>
               <a:defRPr/>
             </a:pPr>
-            <a:fld id="{231BBFA2-8195-4A79-B763-A09348A15B2B}" type="slidenum">
+            <a:fld id="{5EC21F19-AF5B-4EE8-9DA5-3C19C264F453}" type="slidenum">
               <a:rPr lang="es-PE"/>
               <a:pPr>
                 <a:defRPr/>
@@ -605,69 +604,50 @@
       <p:sp>
         <p:nvSpPr>
           <p:cNvPr id="4" name="Rounded Rectangle 15"/>
-          <p:cNvSpPr/>
+          <p:cNvSpPr>
+            <a:spLocks noChangeArrowheads="1"/>
+          </p:cNvSpPr>
           <p:nvPr/>
         </p:nvSpPr>
-        <p:spPr>
+        <p:spPr bwMode="auto">
           <a:xfrm>
-            <a:off x="228600" y="228600"/>
-            <a:ext cx="8696325" cy="6035675"/>
+            <a:off x="228600" y="227013"/>
+            <a:ext cx="8697913" cy="6035675"/>
           </a:xfrm>
           <a:prstGeom prst="roundRect">
             <a:avLst>
-              <a:gd name="adj" fmla="val 1272"/>
+              <a:gd name="adj" fmla="val 1273"/>
             </a:avLst>
           </a:prstGeom>
-          <a:gradFill>
+          <a:gradFill rotWithShape="0">
             <a:gsLst>
               <a:gs pos="0">
-                <a:schemeClr val="accent1">
-                  <a:lumMod val="75000"/>
-                </a:schemeClr>
+                <a:srgbClr val="0293E0"/>
               </a:gs>
               <a:gs pos="100000">
-                <a:schemeClr val="accent1">
-                  <a:lumMod val="60000"/>
-                  <a:lumOff val="40000"/>
-                </a:schemeClr>
+                <a:srgbClr val="83D3FE"/>
               </a:gs>
             </a:gsLst>
-            <a:lin ang="5400000" scaled="0"/>
+            <a:lin ang="5400000"/>
           </a:gradFill>
-          <a:ln>
+          <a:ln w="15875" algn="ctr">
             <a:noFill/>
+            <a:round/>
+            <a:headEnd/>
+            <a:tailEnd/>
           </a:ln>
         </p:spPr>
-        <p:style>
-          <a:lnRef idx="2">
-            <a:schemeClr val="accent1">
-              <a:shade val="50000"/>
-            </a:schemeClr>
-          </a:lnRef>
-          <a:fillRef idx="1">
-            <a:schemeClr val="accent1"/>
-          </a:fillRef>
-          <a:effectRef idx="0">
-            <a:schemeClr val="accent1"/>
-          </a:effectRef>
-          <a:fontRef idx="minor">
-            <a:schemeClr val="lt1"/>
-          </a:fontRef>
-        </p:style>
         <p:txBody>
-          <a:bodyPr anchor="ctr"/>
+          <a:bodyPr lIns="91422" tIns="45711" rIns="91422" bIns="45711" anchor="ctr"/>
           <a:lstStyle/>
           <a:p>
-            <a:pPr algn="ctr" fontAlgn="auto">
-              <a:spcBef>
-                <a:spcPts val="0"/>
-              </a:spcBef>
-              <a:spcAft>
-                <a:spcPts val="0"/>
-              </a:spcAft>
-              <a:defRPr/>
-            </a:pPr>
-            <a:endParaRPr lang="en-US"/>
+            <a:pPr algn="ctr"/>
+            <a:endParaRPr lang="en-US">
+              <a:solidFill>
+                <a:srgbClr val="FFFFFF"/>
+              </a:solidFill>
+              <a:latin typeface="Candara" pitchFamily="34" charset="0"/>
+            </a:endParaRPr>
           </a:p>
         </p:txBody>
       </p:sp>
@@ -681,8 +661,8 @@
         </p:nvGrpSpPr>
         <p:grpSpPr bwMode="auto">
           <a:xfrm>
-            <a:off x="211138" y="5354638"/>
-            <a:ext cx="8723312" cy="1330325"/>
+            <a:off x="211138" y="5357813"/>
+            <a:ext cx="8723312" cy="1322387"/>
             <a:chOff x="-3905250" y="4294188"/>
             <a:chExt cx="13011150" cy="1892300"/>
           </a:xfrm>
@@ -697,8 +677,8 @@
           </p:nvSpPr>
           <p:spPr bwMode="hidden">
             <a:xfrm>
-              <a:off x="4810681" y="4499676"/>
-              <a:ext cx="4295219" cy="1016152"/>
+              <a:off x="4810681" y="4498638"/>
+              <a:ext cx="4295219" cy="1017708"/>
             </a:xfrm>
             <a:custGeom>
               <a:avLst/>
@@ -1080,7 +1060,7 @@
                 </a:spcAft>
                 <a:defRPr/>
               </a:pPr>
-              <a:endParaRPr lang="en-US">
+              <a:endParaRPr lang="en-US" sz="1800">
                 <a:latin typeface="+mn-lt"/>
               </a:endParaRPr>
             </a:p>
@@ -1096,8 +1076,8 @@
           </p:nvSpPr>
           <p:spPr bwMode="hidden">
             <a:xfrm>
-              <a:off x="-308538" y="4319027"/>
-              <a:ext cx="8280254" cy="1208092"/>
+              <a:off x="-308538" y="4319176"/>
+              <a:ext cx="8280254" cy="1208528"/>
             </a:xfrm>
             <a:custGeom>
               <a:avLst/>
@@ -1464,7 +1444,7 @@
                 </a:spcAft>
                 <a:defRPr/>
               </a:pPr>
-              <a:endParaRPr lang="en-US">
+              <a:endParaRPr lang="en-US" sz="1800">
                 <a:latin typeface="+mn-lt"/>
               </a:endParaRPr>
             </a:p>
@@ -1480,8 +1460,8 @@
           </p:nvSpPr>
           <p:spPr bwMode="hidden">
             <a:xfrm>
-              <a:off x="4014" y="4334834"/>
-              <a:ext cx="8164231" cy="1101960"/>
+              <a:off x="4014" y="4335078"/>
+              <a:ext cx="8164231" cy="1101759"/>
             </a:xfrm>
             <a:custGeom>
               <a:avLst/>
@@ -1705,7 +1685,7 @@
                 </a:spcAft>
                 <a:defRPr/>
               </a:pPr>
-              <a:endParaRPr lang="en-US">
+              <a:endParaRPr lang="en-US" sz="1800">
                 <a:latin typeface="+mn-lt"/>
               </a:endParaRPr>
             </a:p>
@@ -1721,8 +1701,8 @@
           </p:nvSpPr>
           <p:spPr bwMode="hidden">
             <a:xfrm>
-              <a:off x="4157164" y="4316769"/>
-              <a:ext cx="4939265" cy="925827"/>
+              <a:off x="4157164" y="4316905"/>
+              <a:ext cx="4939265" cy="924569"/>
             </a:xfrm>
             <a:custGeom>
               <a:avLst/>
@@ -1880,7 +1860,7 @@
                 </a:spcAft>
                 <a:defRPr/>
               </a:pPr>
-              <a:endParaRPr lang="en-US">
+              <a:endParaRPr lang="en-US" sz="1800">
                 <a:latin typeface="+mn-lt"/>
               </a:endParaRPr>
             </a:p>
@@ -2259,7 +2239,7 @@
                 </a:spcAft>
                 <a:defRPr/>
               </a:pPr>
-              <a:endParaRPr lang="en-US">
+              <a:endParaRPr lang="en-US" sz="1800">
                 <a:latin typeface="+mn-lt"/>
               </a:endParaRPr>
             </a:p>
@@ -2445,7 +2425,7 @@
             <a:pPr>
               <a:defRPr/>
             </a:pPr>
-            <a:fld id="{01280E19-C572-47BE-8EE2-D9995031110E}" type="datetimeFigureOut">
+            <a:fld id="{92D7AC06-2584-424E-A634-A474F7BB2DDC}" type="datetimeFigureOut">
               <a:rPr lang="es-PE"/>
               <a:pPr>
                 <a:defRPr/>
@@ -2504,7 +2484,7 @@
             <a:pPr>
               <a:defRPr/>
             </a:pPr>
-            <a:fld id="{588B35FB-AA3B-4D31-A7DA-662E137FB4EB}" type="slidenum">
+            <a:fld id="{86B3110F-248A-4270-987A-1B2DD8DBA6DB}" type="slidenum">
               <a:rPr lang="es-PE"/>
               <a:pPr>
                 <a:defRPr/>
@@ -2641,7 +2621,9 @@
             <p:ph type="dt" sz="half" idx="10"/>
           </p:nvPr>
         </p:nvSpPr>
-        <p:spPr/>
+        <p:spPr>
+          <a:ln/>
+        </p:spPr>
         <p:txBody>
           <a:bodyPr/>
           <a:lstStyle>
@@ -2653,7 +2635,7 @@
             <a:pPr>
               <a:defRPr/>
             </a:pPr>
-            <a:fld id="{10F42A08-8EAF-4FC7-8DF8-2203E1DA45A2}" type="datetimeFigureOut">
+            <a:fld id="{ED08D114-9F6D-47A2-9497-8E2FC8634D83}" type="datetimeFigureOut">
               <a:rPr lang="es-PE"/>
               <a:pPr>
                 <a:defRPr/>
@@ -2674,7 +2656,9 @@
             <p:ph type="ftr" sz="quarter" idx="11"/>
           </p:nvPr>
         </p:nvSpPr>
-        <p:spPr/>
+        <p:spPr>
+          <a:ln/>
+        </p:spPr>
         <p:txBody>
           <a:bodyPr/>
           <a:lstStyle>
@@ -2700,7 +2684,9 @@
             <p:ph type="sldNum" sz="quarter" idx="12"/>
           </p:nvPr>
         </p:nvSpPr>
-        <p:spPr/>
+        <p:spPr>
+          <a:ln/>
+        </p:spPr>
         <p:txBody>
           <a:bodyPr/>
           <a:lstStyle>
@@ -2712,7 +2698,7 @@
             <a:pPr>
               <a:defRPr/>
             </a:pPr>
-            <a:fld id="{72A339D7-4303-4A93-8556-05E5F13A92CC}" type="slidenum">
+            <a:fld id="{0E0A4744-8379-4D60-B767-9269FB7F4275}" type="slidenum">
               <a:rPr lang="es-PE"/>
               <a:pPr>
                 <a:defRPr/>
@@ -2751,69 +2737,53 @@
       <p:sp>
         <p:nvSpPr>
           <p:cNvPr id="4" name="Rounded Rectangle 20"/>
-          <p:cNvSpPr/>
+          <p:cNvSpPr>
+            <a:spLocks noChangeArrowheads="1"/>
+          </p:cNvSpPr>
           <p:nvPr/>
         </p:nvSpPr>
         <p:spPr bwMode="hidden">
           <a:xfrm>
-            <a:off x="228600" y="228600"/>
-            <a:ext cx="8696325" cy="1427163"/>
+            <a:off x="228600" y="227013"/>
+            <a:ext cx="8697913" cy="1428750"/>
           </a:xfrm>
           <a:prstGeom prst="roundRect">
             <a:avLst>
-              <a:gd name="adj" fmla="val 7136"/>
+              <a:gd name="adj" fmla="val 7134"/>
             </a:avLst>
           </a:prstGeom>
-          <a:gradFill>
+          <a:gradFill rotWithShape="0">
             <a:gsLst>
               <a:gs pos="0">
-                <a:schemeClr val="accent1">
-                  <a:lumMod val="75000"/>
-                </a:schemeClr>
+                <a:srgbClr val="0293E0"/>
               </a:gs>
-              <a:gs pos="90000">
-                <a:schemeClr val="accent1">
-                  <a:lumMod val="60000"/>
-                  <a:lumOff val="40000"/>
-                </a:schemeClr>
+              <a:gs pos="89999">
+                <a:srgbClr val="83D3FE"/>
+              </a:gs>
+              <a:gs pos="100000">
+                <a:srgbClr val="83D3FE"/>
               </a:gs>
             </a:gsLst>
-            <a:lin ang="5400000" scaled="0"/>
+            <a:lin ang="5400000"/>
           </a:gradFill>
-          <a:ln>
+          <a:ln w="15875" algn="ctr">
             <a:noFill/>
+            <a:round/>
+            <a:headEnd/>
+            <a:tailEnd/>
           </a:ln>
         </p:spPr>
-        <p:style>
-          <a:lnRef idx="2">
-            <a:schemeClr val="accent1">
-              <a:shade val="50000"/>
-            </a:schemeClr>
-          </a:lnRef>
-          <a:fillRef idx="1">
-            <a:schemeClr val="accent1"/>
-          </a:fillRef>
-          <a:effectRef idx="0">
-            <a:schemeClr val="accent1"/>
-          </a:effectRef>
-          <a:fontRef idx="minor">
-            <a:schemeClr val="lt1"/>
-          </a:fontRef>
-        </p:style>
         <p:txBody>
-          <a:bodyPr anchor="ctr"/>
+          <a:bodyPr lIns="91422" tIns="45711" rIns="91422" bIns="45711" anchor="ctr"/>
           <a:lstStyle/>
           <a:p>
-            <a:pPr algn="ctr" fontAlgn="auto">
-              <a:spcBef>
-                <a:spcPts val="0"/>
-              </a:spcBef>
-              <a:spcAft>
-                <a:spcPts val="0"/>
-              </a:spcAft>
-              <a:defRPr/>
-            </a:pPr>
-            <a:endParaRPr lang="en-US"/>
+            <a:pPr algn="ctr"/>
+            <a:endParaRPr lang="en-US">
+              <a:solidFill>
+                <a:srgbClr val="FFFFFF"/>
+              </a:solidFill>
+              <a:latin typeface="Candara" pitchFamily="34" charset="0"/>
+            </a:endParaRPr>
           </a:p>
         </p:txBody>
       </p:sp>
@@ -2828,7 +2798,7 @@
         <p:grpSpPr bwMode="auto">
           <a:xfrm>
             <a:off x="211138" y="714375"/>
-            <a:ext cx="8723312" cy="1331913"/>
+            <a:ext cx="8723312" cy="1333500"/>
             <a:chOff x="-3905250" y="4294188"/>
             <a:chExt cx="13011150" cy="1892300"/>
           </a:xfrm>
@@ -2843,8 +2813,8 @@
           </p:nvSpPr>
           <p:spPr bwMode="hidden">
             <a:xfrm>
-              <a:off x="4810681" y="4501687"/>
-              <a:ext cx="4295219" cy="1014940"/>
+              <a:off x="4810681" y="4501440"/>
+              <a:ext cx="4295219" cy="1015986"/>
             </a:xfrm>
             <a:custGeom>
               <a:avLst/>
@@ -3226,7 +3196,7 @@
                 </a:spcAft>
                 <a:defRPr/>
               </a:pPr>
-              <a:endParaRPr lang="en-US">
+              <a:endParaRPr lang="en-US" sz="1800">
                 <a:latin typeface="+mn-lt"/>
               </a:endParaRPr>
             </a:p>
@@ -3242,8 +3212,8 @@
           </p:nvSpPr>
           <p:spPr bwMode="hidden">
             <a:xfrm>
-              <a:off x="-308538" y="4318998"/>
-              <a:ext cx="8280254" cy="1208906"/>
+              <a:off x="-308538" y="4318969"/>
+              <a:ext cx="8280254" cy="1209720"/>
             </a:xfrm>
             <a:custGeom>
               <a:avLst/>
@@ -3610,7 +3580,7 @@
                 </a:spcAft>
                 <a:defRPr/>
               </a:pPr>
-              <a:endParaRPr lang="en-US">
+              <a:endParaRPr lang="en-US" sz="1800">
                 <a:latin typeface="+mn-lt"/>
               </a:endParaRPr>
             </a:p>
@@ -3626,8 +3596,8 @@
           </p:nvSpPr>
           <p:spPr bwMode="hidden">
             <a:xfrm>
-              <a:off x="4014" y="4334786"/>
-              <a:ext cx="8164231" cy="1102902"/>
+              <a:off x="4014" y="4334737"/>
+              <a:ext cx="8164231" cy="1103842"/>
             </a:xfrm>
             <a:custGeom>
               <a:avLst/>
@@ -3851,7 +3821,7 @@
                 </a:spcAft>
                 <a:defRPr/>
               </a:pPr>
-              <a:endParaRPr lang="en-US">
+              <a:endParaRPr lang="en-US" sz="1800">
                 <a:latin typeface="+mn-lt"/>
               </a:endParaRPr>
             </a:p>
@@ -3867,8 +3837,8 @@
           </p:nvSpPr>
           <p:spPr bwMode="hidden">
             <a:xfrm>
-              <a:off x="4157164" y="4316742"/>
-              <a:ext cx="4939265" cy="926979"/>
+              <a:off x="4157164" y="4316715"/>
+              <a:ext cx="4939265" cy="928128"/>
             </a:xfrm>
             <a:custGeom>
               <a:avLst/>
@@ -4026,7 +3996,7 @@
                 </a:spcAft>
                 <a:defRPr/>
               </a:pPr>
-              <a:endParaRPr lang="en-US">
+              <a:endParaRPr lang="en-US" sz="1800">
                 <a:latin typeface="+mn-lt"/>
               </a:endParaRPr>
             </a:p>
@@ -4405,7 +4375,7 @@
                 </a:spcAft>
                 <a:defRPr/>
               </a:pPr>
-              <a:endParaRPr lang="en-US">
+              <a:endParaRPr lang="en-US" sz="1800">
                 <a:latin typeface="+mn-lt"/>
               </a:endParaRPr>
             </a:p>
@@ -4558,7 +4528,7 @@
             <a:pPr>
               <a:defRPr/>
             </a:pPr>
-            <a:fld id="{7A15D923-6519-4238-89B6-CABD136D5FF7}" type="datetimeFigureOut">
+            <a:fld id="{07E4C96F-A401-417C-A75F-CE252522DF67}" type="datetimeFigureOut">
               <a:rPr lang="es-PE"/>
               <a:pPr>
                 <a:defRPr/>
@@ -4617,7 +4587,7 @@
             <a:pPr>
               <a:defRPr/>
             </a:pPr>
-            <a:fld id="{DAD54317-BFEC-4777-9C2B-D12010C4BE99}" type="slidenum">
+            <a:fld id="{0A547D48-EB6A-448A-8DAA-0815A16F2BD8}" type="slidenum">
               <a:rPr lang="es-PE"/>
               <a:pPr>
                 <a:defRPr/>
@@ -4663,7 +4633,9 @@
             <p:ph type="dt" sz="half" idx="10"/>
           </p:nvPr>
         </p:nvSpPr>
-        <p:spPr/>
+        <p:spPr>
+          <a:ln/>
+        </p:spPr>
         <p:txBody>
           <a:bodyPr/>
           <a:lstStyle>
@@ -4675,7 +4647,7 @@
             <a:pPr>
               <a:defRPr/>
             </a:pPr>
-            <a:fld id="{7D932FDD-2F67-40A3-85E7-2F351B286530}" type="datetimeFigureOut">
+            <a:fld id="{8F57BD9D-89C5-434A-934C-E4E116CECC62}" type="datetimeFigureOut">
               <a:rPr lang="es-PE"/>
               <a:pPr>
                 <a:defRPr/>
@@ -4696,7 +4668,9 @@
             <p:ph type="ftr" sz="quarter" idx="11"/>
           </p:nvPr>
         </p:nvSpPr>
-        <p:spPr/>
+        <p:spPr>
+          <a:ln/>
+        </p:spPr>
         <p:txBody>
           <a:bodyPr/>
           <a:lstStyle>
@@ -4722,7 +4696,9 @@
             <p:ph type="sldNum" sz="quarter" idx="12"/>
           </p:nvPr>
         </p:nvSpPr>
-        <p:spPr/>
+        <p:spPr>
+          <a:ln/>
+        </p:spPr>
         <p:txBody>
           <a:bodyPr/>
           <a:lstStyle>
@@ -4734,7 +4710,7 @@
             <a:pPr>
               <a:defRPr/>
             </a:pPr>
-            <a:fld id="{CCCCB4CC-07A4-4AD2-85E5-CC51B24BF9CA}" type="slidenum">
+            <a:fld id="{22759E79-8C2E-41A9-A430-AA2E913BD538}" type="slidenum">
               <a:rPr lang="es-PE"/>
               <a:pPr>
                 <a:defRPr/>
@@ -4855,7 +4831,9 @@
             <p:ph type="dt" sz="half" idx="10"/>
           </p:nvPr>
         </p:nvSpPr>
-        <p:spPr/>
+        <p:spPr>
+          <a:ln/>
+        </p:spPr>
         <p:txBody>
           <a:bodyPr/>
           <a:lstStyle>
@@ -4867,7 +4845,7 @@
             <a:pPr>
               <a:defRPr/>
             </a:pPr>
-            <a:fld id="{F0C88F26-D7CE-4337-8BBF-6FF43F420203}" type="datetimeFigureOut">
+            <a:fld id="{172E2FC6-4A1E-40B2-A6E1-804B59E616CE}" type="datetimeFigureOut">
               <a:rPr lang="es-PE"/>
               <a:pPr>
                 <a:defRPr/>
@@ -4888,7 +4866,9 @@
             <p:ph type="ftr" sz="quarter" idx="11"/>
           </p:nvPr>
         </p:nvSpPr>
-        <p:spPr/>
+        <p:spPr>
+          <a:ln/>
+        </p:spPr>
         <p:txBody>
           <a:bodyPr/>
           <a:lstStyle>
@@ -4914,7 +4894,9 @@
             <p:ph type="sldNum" sz="quarter" idx="12"/>
           </p:nvPr>
         </p:nvSpPr>
-        <p:spPr/>
+        <p:spPr>
+          <a:ln/>
+        </p:spPr>
         <p:txBody>
           <a:bodyPr/>
           <a:lstStyle>
@@ -4926,7 +4908,7 @@
             <a:pPr>
               <a:defRPr/>
             </a:pPr>
-            <a:fld id="{AC8AF603-FF34-42BB-B9D6-2B0CC2414470}" type="slidenum">
+            <a:fld id="{347DC118-9A4D-4977-B267-39C493B290B5}" type="slidenum">
               <a:rPr lang="es-PE"/>
               <a:pPr>
                 <a:defRPr/>
@@ -4965,69 +4947,50 @@
       <p:sp>
         <p:nvSpPr>
           <p:cNvPr id="4" name="Rounded Rectangle 13"/>
-          <p:cNvSpPr/>
+          <p:cNvSpPr>
+            <a:spLocks noChangeArrowheads="1"/>
+          </p:cNvSpPr>
           <p:nvPr/>
         </p:nvSpPr>
-        <p:spPr>
+        <p:spPr bwMode="auto">
           <a:xfrm>
-            <a:off x="228600" y="228600"/>
-            <a:ext cx="8696325" cy="4737100"/>
+            <a:off x="228600" y="227013"/>
+            <a:ext cx="8697913" cy="4738687"/>
           </a:xfrm>
           <a:prstGeom prst="roundRect">
             <a:avLst>
-              <a:gd name="adj" fmla="val 1272"/>
+              <a:gd name="adj" fmla="val 1273"/>
             </a:avLst>
           </a:prstGeom>
-          <a:gradFill>
+          <a:gradFill rotWithShape="0">
             <a:gsLst>
               <a:gs pos="0">
-                <a:schemeClr val="accent1">
-                  <a:lumMod val="75000"/>
-                </a:schemeClr>
+                <a:srgbClr val="0293E0"/>
               </a:gs>
               <a:gs pos="100000">
-                <a:schemeClr val="accent1">
-                  <a:lumMod val="60000"/>
-                  <a:lumOff val="40000"/>
-                </a:schemeClr>
+                <a:srgbClr val="83D3FE"/>
               </a:gs>
             </a:gsLst>
-            <a:lin ang="5400000" scaled="0"/>
+            <a:lin ang="5400000"/>
           </a:gradFill>
-          <a:ln>
+          <a:ln w="15875" algn="ctr">
             <a:noFill/>
+            <a:round/>
+            <a:headEnd/>
+            <a:tailEnd/>
           </a:ln>
         </p:spPr>
-        <p:style>
-          <a:lnRef idx="2">
-            <a:schemeClr val="accent1">
-              <a:shade val="50000"/>
-            </a:schemeClr>
-          </a:lnRef>
-          <a:fillRef idx="1">
-            <a:schemeClr val="accent1"/>
-          </a:fillRef>
-          <a:effectRef idx="0">
-            <a:schemeClr val="accent1"/>
-          </a:effectRef>
-          <a:fontRef idx="minor">
-            <a:schemeClr val="lt1"/>
-          </a:fontRef>
-        </p:style>
         <p:txBody>
-          <a:bodyPr anchor="ctr"/>
+          <a:bodyPr lIns="91422" tIns="45711" rIns="91422" bIns="45711" anchor="ctr"/>
           <a:lstStyle/>
           <a:p>
-            <a:pPr algn="ctr" fontAlgn="auto">
-              <a:spcBef>
-                <a:spcPts val="0"/>
-              </a:spcBef>
-              <a:spcAft>
-                <a:spcPts val="0"/>
-              </a:spcAft>
-              <a:defRPr/>
-            </a:pPr>
-            <a:endParaRPr lang="en-US"/>
+            <a:pPr algn="ctr"/>
+            <a:endParaRPr lang="en-US">
+              <a:solidFill>
+                <a:srgbClr val="FFFFFF"/>
+              </a:solidFill>
+              <a:latin typeface="Candara" pitchFamily="34" charset="0"/>
+            </a:endParaRPr>
           </a:p>
         </p:txBody>
       </p:sp>
@@ -5424,7 +5387,7 @@
               </a:spcAft>
               <a:defRPr/>
             </a:pPr>
-            <a:endParaRPr lang="en-US">
+            <a:endParaRPr lang="en-US" sz="1800">
               <a:latin typeface="+mn-lt"/>
             </a:endParaRPr>
           </a:p>
@@ -5440,8 +5403,8 @@
         </p:nvSpPr>
         <p:spPr bwMode="hidden">
           <a:xfrm>
-            <a:off x="2619375" y="4075113"/>
-            <a:ext cx="5545138" cy="850900"/>
+            <a:off x="2619375" y="4071938"/>
+            <a:ext cx="5545138" cy="857250"/>
           </a:xfrm>
           <a:custGeom>
             <a:avLst/>
@@ -5808,7 +5771,7 @@
               </a:spcAft>
               <a:defRPr/>
             </a:pPr>
-            <a:endParaRPr lang="en-US">
+            <a:endParaRPr lang="en-US" sz="1800">
               <a:latin typeface="+mn-lt"/>
             </a:endParaRPr>
           </a:p>
@@ -5824,8 +5787,8 @@
         </p:nvSpPr>
         <p:spPr bwMode="hidden">
           <a:xfrm>
-            <a:off x="2828925" y="4087813"/>
-            <a:ext cx="5467350" cy="774700"/>
+            <a:off x="2830513" y="4084638"/>
+            <a:ext cx="5465762" cy="773112"/>
           </a:xfrm>
           <a:custGeom>
             <a:avLst/>
@@ -6049,7 +6012,7 @@
               </a:spcAft>
               <a:defRPr/>
             </a:pPr>
-            <a:endParaRPr lang="en-US">
+            <a:endParaRPr lang="en-US" sz="1800">
               <a:latin typeface="+mn-lt"/>
             </a:endParaRPr>
           </a:p>
@@ -6065,8 +6028,8 @@
         </p:nvSpPr>
         <p:spPr bwMode="hidden">
           <a:xfrm>
-            <a:off x="5610225" y="4073525"/>
-            <a:ext cx="3306763" cy="652463"/>
+            <a:off x="5610225" y="4071938"/>
+            <a:ext cx="3308350" cy="655637"/>
           </a:xfrm>
           <a:custGeom>
             <a:avLst/>
@@ -6224,7 +6187,7 @@
               </a:spcAft>
               <a:defRPr/>
             </a:pPr>
-            <a:endParaRPr lang="en-US">
+            <a:endParaRPr lang="en-US" sz="1800">
               <a:latin typeface="+mn-lt"/>
             </a:endParaRPr>
           </a:p>
@@ -6240,8 +6203,8 @@
         </p:nvSpPr>
         <p:spPr bwMode="hidden">
           <a:xfrm>
-            <a:off x="211138" y="4059238"/>
-            <a:ext cx="8723312" cy="1328737"/>
+            <a:off x="211138" y="4060825"/>
+            <a:ext cx="8723312" cy="1333500"/>
           </a:xfrm>
           <a:custGeom>
             <a:avLst/>
@@ -6603,7 +6566,7 @@
               </a:spcAft>
               <a:defRPr/>
             </a:pPr>
-            <a:endParaRPr lang="en-US">
+            <a:endParaRPr lang="en-US" sz="1800">
               <a:latin typeface="+mn-lt"/>
             </a:endParaRPr>
           </a:p>
@@ -6784,7 +6747,7 @@
             <a:pPr>
               <a:defRPr/>
             </a:pPr>
-            <a:fld id="{E4796471-B073-4D75-8B65-E656A2781F37}" type="datetimeFigureOut">
+            <a:fld id="{6BDB181E-91D7-4456-8BB3-97B54BEB6F83}" type="datetimeFigureOut">
               <a:rPr lang="es-PE"/>
               <a:pPr>
                 <a:defRPr/>
@@ -6843,7 +6806,7 @@
             <a:pPr>
               <a:defRPr/>
             </a:pPr>
-            <a:fld id="{1E05719B-10AA-410B-941E-60311E4CF74D}" type="slidenum">
+            <a:fld id="{9D4C24F7-8D2C-47C1-B166-4BE2FF111D0C}" type="slidenum">
               <a:rPr lang="es-PE"/>
               <a:pPr>
                 <a:defRPr/>
@@ -7026,7 +6989,9 @@
             <p:ph type="dt" sz="half" idx="15"/>
           </p:nvPr>
         </p:nvSpPr>
-        <p:spPr/>
+        <p:spPr>
+          <a:ln/>
+        </p:spPr>
         <p:txBody>
           <a:bodyPr/>
           <a:lstStyle>
@@ -7038,7 +7003,7 @@
             <a:pPr>
               <a:defRPr/>
             </a:pPr>
-            <a:fld id="{39664110-8882-4EF5-B720-D7CA36D7BE6C}" type="datetimeFigureOut">
+            <a:fld id="{13B4F329-B782-4B21-9600-5CABE59A5BEA}" type="datetimeFigureOut">
               <a:rPr lang="es-PE"/>
               <a:pPr>
                 <a:defRPr/>
@@ -7059,7 +7024,9 @@
             <p:ph type="ftr" sz="quarter" idx="16"/>
           </p:nvPr>
         </p:nvSpPr>
-        <p:spPr/>
+        <p:spPr>
+          <a:ln/>
+        </p:spPr>
         <p:txBody>
           <a:bodyPr/>
           <a:lstStyle>
@@ -7085,7 +7052,9 @@
             <p:ph type="sldNum" sz="quarter" idx="17"/>
           </p:nvPr>
         </p:nvSpPr>
-        <p:spPr/>
+        <p:spPr>
+          <a:ln/>
+        </p:spPr>
         <p:txBody>
           <a:bodyPr/>
           <a:lstStyle>
@@ -7097,7 +7066,7 @@
             <a:pPr>
               <a:defRPr/>
             </a:pPr>
-            <a:fld id="{3FCE93EE-9052-4103-BB73-87643B662854}" type="slidenum">
+            <a:fld id="{9306F835-4004-4AB9-867C-35BDB40B06DE}" type="slidenum">
               <a:rPr lang="es-PE"/>
               <a:pPr>
                 <a:defRPr/>
@@ -7480,7 +7449,9 @@
             <p:ph type="dt" sz="half" idx="10"/>
           </p:nvPr>
         </p:nvSpPr>
-        <p:spPr/>
+        <p:spPr>
+          <a:ln/>
+        </p:spPr>
         <p:txBody>
           <a:bodyPr/>
           <a:lstStyle>
@@ -7492,7 +7463,7 @@
             <a:pPr>
               <a:defRPr/>
             </a:pPr>
-            <a:fld id="{3814C117-8D77-4D4C-99F0-CB173BA1BC10}" type="datetimeFigureOut">
+            <a:fld id="{FC884822-13BB-4EBE-AF76-03C381763C65}" type="datetimeFigureOut">
               <a:rPr lang="es-PE"/>
               <a:pPr>
                 <a:defRPr/>
@@ -7513,7 +7484,9 @@
             <p:ph type="ftr" sz="quarter" idx="11"/>
           </p:nvPr>
         </p:nvSpPr>
-        <p:spPr/>
+        <p:spPr>
+          <a:ln/>
+        </p:spPr>
         <p:txBody>
           <a:bodyPr/>
           <a:lstStyle>
@@ -7539,7 +7512,9 @@
             <p:ph type="sldNum" sz="quarter" idx="12"/>
           </p:nvPr>
         </p:nvSpPr>
-        <p:spPr/>
+        <p:spPr>
+          <a:ln/>
+        </p:spPr>
         <p:txBody>
           <a:bodyPr/>
           <a:lstStyle>
@@ -7551,7 +7526,7 @@
             <a:pPr>
               <a:defRPr/>
             </a:pPr>
-            <a:fld id="{8BD5C604-F725-4835-8721-346981C3D1FC}" type="slidenum">
+            <a:fld id="{562DE197-4110-4692-96D9-39675901E5D0}" type="slidenum">
               <a:rPr lang="es-PE"/>
               <a:pPr>
                 <a:defRPr/>
@@ -7620,7 +7595,9 @@
             <p:ph type="dt" sz="half" idx="10"/>
           </p:nvPr>
         </p:nvSpPr>
-        <p:spPr/>
+        <p:spPr>
+          <a:ln/>
+        </p:spPr>
         <p:txBody>
           <a:bodyPr/>
           <a:lstStyle>
@@ -7632,7 +7609,7 @@
             <a:pPr>
               <a:defRPr/>
             </a:pPr>
-            <a:fld id="{AAD9DF72-B2BA-4FB1-AFAC-E52010A69A29}" type="datetimeFigureOut">
+            <a:fld id="{E76F0AF7-DEE1-4FA3-83CE-6707D41DFE64}" type="datetimeFigureOut">
               <a:rPr lang="es-PE"/>
               <a:pPr>
                 <a:defRPr/>
@@ -7653,7 +7630,9 @@
             <p:ph type="ftr" sz="quarter" idx="11"/>
           </p:nvPr>
         </p:nvSpPr>
-        <p:spPr/>
+        <p:spPr>
+          <a:ln/>
+        </p:spPr>
         <p:txBody>
           <a:bodyPr/>
           <a:lstStyle>
@@ -7679,7 +7658,9 @@
             <p:ph type="sldNum" sz="quarter" idx="12"/>
           </p:nvPr>
         </p:nvSpPr>
-        <p:spPr/>
+        <p:spPr>
+          <a:ln/>
+        </p:spPr>
         <p:txBody>
           <a:bodyPr/>
           <a:lstStyle>
@@ -7691,7 +7672,7 @@
             <a:pPr>
               <a:defRPr/>
             </a:pPr>
-            <a:fld id="{9D37872C-6202-4856-8465-699E869A88C4}" type="slidenum">
+            <a:fld id="{BB462D29-CEB9-4C1E-B171-9499FAEF51F1}" type="slidenum">
               <a:rPr lang="es-PE"/>
               <a:pPr>
                 <a:defRPr/>
@@ -7730,69 +7711,53 @@
       <p:sp>
         <p:nvSpPr>
           <p:cNvPr id="2" name="Rounded Rectangle 11"/>
-          <p:cNvSpPr/>
+          <p:cNvSpPr>
+            <a:spLocks noChangeArrowheads="1"/>
+          </p:cNvSpPr>
           <p:nvPr/>
         </p:nvSpPr>
-        <p:spPr>
+        <p:spPr bwMode="auto">
           <a:xfrm>
-            <a:off x="228600" y="228600"/>
-            <a:ext cx="8696325" cy="1427163"/>
+            <a:off x="228600" y="227013"/>
+            <a:ext cx="8697913" cy="1428750"/>
           </a:xfrm>
           <a:prstGeom prst="roundRect">
             <a:avLst>
-              <a:gd name="adj" fmla="val 7136"/>
+              <a:gd name="adj" fmla="val 7134"/>
             </a:avLst>
           </a:prstGeom>
-          <a:gradFill>
+          <a:gradFill rotWithShape="0">
             <a:gsLst>
               <a:gs pos="0">
-                <a:schemeClr val="accent1">
-                  <a:lumMod val="75000"/>
-                </a:schemeClr>
+                <a:srgbClr val="0293E0"/>
               </a:gs>
-              <a:gs pos="90000">
-                <a:schemeClr val="accent1">
-                  <a:lumMod val="60000"/>
-                  <a:lumOff val="40000"/>
-                </a:schemeClr>
+              <a:gs pos="89999">
+                <a:srgbClr val="83D3FE"/>
+              </a:gs>
+              <a:gs pos="100000">
+                <a:srgbClr val="83D3FE"/>
               </a:gs>
             </a:gsLst>
-            <a:lin ang="5400000" scaled="0"/>
+            <a:lin ang="5400000"/>
           </a:gradFill>
-          <a:ln>
+          <a:ln w="15875" algn="ctr">
             <a:noFill/>
+            <a:round/>
+            <a:headEnd/>
+            <a:tailEnd/>
           </a:ln>
         </p:spPr>
-        <p:style>
-          <a:lnRef idx="2">
-            <a:schemeClr val="accent1">
-              <a:shade val="50000"/>
-            </a:schemeClr>
-          </a:lnRef>
-          <a:fillRef idx="1">
-            <a:schemeClr val="accent1"/>
-          </a:fillRef>
-          <a:effectRef idx="0">
-            <a:schemeClr val="accent1"/>
-          </a:effectRef>
-          <a:fontRef idx="minor">
-            <a:schemeClr val="lt1"/>
-          </a:fontRef>
-        </p:style>
         <p:txBody>
-          <a:bodyPr anchor="ctr"/>
+          <a:bodyPr lIns="91422" tIns="45711" rIns="91422" bIns="45711" anchor="ctr"/>
           <a:lstStyle/>
           <a:p>
-            <a:pPr algn="ctr" fontAlgn="auto">
-              <a:spcBef>
-                <a:spcPts val="0"/>
-              </a:spcBef>
-              <a:spcAft>
-                <a:spcPts val="0"/>
-              </a:spcAft>
-              <a:defRPr/>
-            </a:pPr>
-            <a:endParaRPr lang="en-US"/>
+            <a:pPr algn="ctr"/>
+            <a:endParaRPr lang="en-US">
+              <a:solidFill>
+                <a:srgbClr val="FFFFFF"/>
+              </a:solidFill>
+              <a:latin typeface="Candara" pitchFamily="34" charset="0"/>
+            </a:endParaRPr>
           </a:p>
         </p:txBody>
       </p:sp>
@@ -7807,7 +7772,7 @@
         <p:grpSpPr bwMode="auto">
           <a:xfrm>
             <a:off x="211138" y="714375"/>
-            <a:ext cx="8723312" cy="1330325"/>
+            <a:ext cx="8723312" cy="1333500"/>
             <a:chOff x="-3905251" y="4294188"/>
             <a:chExt cx="13027839" cy="1892300"/>
           </a:xfrm>
@@ -7822,8 +7787,8 @@
           </p:nvSpPr>
           <p:spPr bwMode="hidden">
             <a:xfrm>
-              <a:off x="4810006" y="4499677"/>
-              <a:ext cx="4295986" cy="1016152"/>
+              <a:off x="4810006" y="4499188"/>
+              <a:ext cx="4295986" cy="1015984"/>
             </a:xfrm>
             <a:custGeom>
               <a:avLst/>
@@ -8205,7 +8170,7 @@
                 </a:spcAft>
                 <a:defRPr/>
               </a:pPr>
-              <a:endParaRPr lang="en-US">
+              <a:endParaRPr lang="en-US" sz="1800">
                 <a:latin typeface="+mn-lt"/>
               </a:endParaRPr>
             </a:p>
@@ -8221,8 +8186,8 @@
           </p:nvSpPr>
           <p:spPr bwMode="hidden">
             <a:xfrm>
-              <a:off x="-308667" y="4319028"/>
-              <a:ext cx="8279020" cy="1208091"/>
+              <a:off x="-308667" y="4318969"/>
+              <a:ext cx="8279020" cy="1207468"/>
             </a:xfrm>
             <a:custGeom>
               <a:avLst/>
@@ -8589,7 +8554,7 @@
                 </a:spcAft>
                 <a:defRPr/>
               </a:pPr>
-              <a:endParaRPr lang="en-US">
+              <a:endParaRPr lang="en-US" sz="1800">
                 <a:latin typeface="+mn-lt"/>
               </a:endParaRPr>
             </a:p>
@@ -8605,8 +8570,8 @@
           </p:nvSpPr>
           <p:spPr bwMode="hidden">
             <a:xfrm>
-              <a:off x="4286" y="4334834"/>
-              <a:ext cx="8165219" cy="1101960"/>
+              <a:off x="4286" y="4334737"/>
+              <a:ext cx="8165219" cy="1101590"/>
             </a:xfrm>
             <a:custGeom>
               <a:avLst/>
@@ -8830,7 +8795,7 @@
                 </a:spcAft>
                 <a:defRPr/>
               </a:pPr>
-              <a:endParaRPr lang="en-US">
+              <a:endParaRPr lang="en-US" sz="1800">
                 <a:latin typeface="+mn-lt"/>
               </a:endParaRPr>
             </a:p>
@@ -8846,8 +8811,8 @@
           </p:nvSpPr>
           <p:spPr bwMode="hidden">
             <a:xfrm>
-              <a:off x="4155651" y="4316769"/>
-              <a:ext cx="4940859" cy="925827"/>
+              <a:off x="4155651" y="4316715"/>
+              <a:ext cx="4940859" cy="925876"/>
             </a:xfrm>
             <a:custGeom>
               <a:avLst/>
@@ -9005,7 +8970,7 @@
                 </a:spcAft>
                 <a:defRPr/>
               </a:pPr>
-              <a:endParaRPr lang="en-US">
+              <a:endParaRPr lang="en-US" sz="1800">
                 <a:latin typeface="+mn-lt"/>
               </a:endParaRPr>
             </a:p>
@@ -9384,7 +9349,7 @@
                 </a:spcAft>
                 <a:defRPr/>
               </a:pPr>
-              <a:endParaRPr lang="en-US">
+              <a:endParaRPr lang="en-US" sz="1800">
                 <a:latin typeface="+mn-lt"/>
               </a:endParaRPr>
             </a:p>
@@ -9413,7 +9378,7 @@
             <a:pPr>
               <a:defRPr/>
             </a:pPr>
-            <a:fld id="{831C9A6B-E25B-45EF-9809-B89B8FE320A1}" type="datetimeFigureOut">
+            <a:fld id="{5C5714A7-CEC1-4609-8B4C-6F4F1DC11195}" type="datetimeFigureOut">
               <a:rPr lang="es-PE"/>
               <a:pPr>
                 <a:defRPr/>
@@ -9472,7 +9437,7 @@
             <a:pPr>
               <a:defRPr/>
             </a:pPr>
-            <a:fld id="{F53AC0ED-D169-42F1-A76D-2DBBFA1C7E0E}" type="slidenum">
+            <a:fld id="{00633C16-9575-4788-99E0-7BCB7922F8CD}" type="slidenum">
               <a:rPr lang="es-PE"/>
               <a:pPr>
                 <a:defRPr/>
@@ -9511,69 +9476,53 @@
       <p:sp>
         <p:nvSpPr>
           <p:cNvPr id="5" name="Rounded Rectangle 14"/>
-          <p:cNvSpPr/>
+          <p:cNvSpPr>
+            <a:spLocks noChangeArrowheads="1"/>
+          </p:cNvSpPr>
           <p:nvPr/>
         </p:nvSpPr>
-        <p:spPr>
+        <p:spPr bwMode="auto">
           <a:xfrm>
-            <a:off x="228600" y="228600"/>
-            <a:ext cx="8696325" cy="1427163"/>
+            <a:off x="228600" y="227013"/>
+            <a:ext cx="8697913" cy="1428750"/>
           </a:xfrm>
           <a:prstGeom prst="roundRect">
             <a:avLst>
-              <a:gd name="adj" fmla="val 7136"/>
+              <a:gd name="adj" fmla="val 7134"/>
             </a:avLst>
           </a:prstGeom>
-          <a:gradFill>
+          <a:gradFill rotWithShape="0">
             <a:gsLst>
               <a:gs pos="0">
-                <a:schemeClr val="accent1">
-                  <a:lumMod val="75000"/>
-                </a:schemeClr>
+                <a:srgbClr val="0293E0"/>
               </a:gs>
-              <a:gs pos="90000">
-                <a:schemeClr val="accent1">
-                  <a:lumMod val="60000"/>
-                  <a:lumOff val="40000"/>
-                </a:schemeClr>
+              <a:gs pos="89999">
+                <a:srgbClr val="83D3FE"/>
+              </a:gs>
+              <a:gs pos="100000">
+                <a:srgbClr val="83D3FE"/>
               </a:gs>
             </a:gsLst>
-            <a:lin ang="5400000" scaled="0"/>
+            <a:lin ang="5400000"/>
           </a:gradFill>
-          <a:ln>
+          <a:ln w="15875" algn="ctr">
             <a:noFill/>
+            <a:round/>
+            <a:headEnd/>
+            <a:tailEnd/>
           </a:ln>
         </p:spPr>
-        <p:style>
-          <a:lnRef idx="2">
-            <a:schemeClr val="accent1">
-              <a:shade val="50000"/>
-            </a:schemeClr>
-          </a:lnRef>
-          <a:fillRef idx="1">
-            <a:schemeClr val="accent1"/>
-          </a:fillRef>
-          <a:effectRef idx="0">
-            <a:schemeClr val="accent1"/>
-          </a:effectRef>
-          <a:fontRef idx="minor">
-            <a:schemeClr val="lt1"/>
-          </a:fontRef>
-        </p:style>
         <p:txBody>
-          <a:bodyPr anchor="ctr"/>
+          <a:bodyPr lIns="91422" tIns="45711" rIns="91422" bIns="45711" anchor="ctr"/>
           <a:lstStyle/>
           <a:p>
-            <a:pPr algn="ctr" fontAlgn="auto">
-              <a:spcBef>
-                <a:spcPts val="0"/>
-              </a:spcBef>
-              <a:spcAft>
-                <a:spcPts val="0"/>
-              </a:spcAft>
-              <a:defRPr/>
-            </a:pPr>
-            <a:endParaRPr lang="en-US"/>
+            <a:pPr algn="ctr"/>
+            <a:endParaRPr lang="en-US">
+              <a:solidFill>
+                <a:srgbClr val="FFFFFF"/>
+              </a:solidFill>
+              <a:latin typeface="Candara" pitchFamily="34" charset="0"/>
+            </a:endParaRPr>
           </a:p>
         </p:txBody>
       </p:sp>
@@ -9588,7 +9537,7 @@
         <p:grpSpPr bwMode="auto">
           <a:xfrm>
             <a:off x="211138" y="714375"/>
-            <a:ext cx="8723312" cy="1331913"/>
+            <a:ext cx="8723312" cy="1333500"/>
             <a:chOff x="-3905250" y="4294188"/>
             <a:chExt cx="13011150" cy="1892300"/>
           </a:xfrm>
@@ -9603,8 +9552,8 @@
           </p:nvSpPr>
           <p:spPr bwMode="hidden">
             <a:xfrm>
-              <a:off x="4810681" y="4501687"/>
-              <a:ext cx="4295219" cy="1014940"/>
+              <a:off x="4810681" y="4501440"/>
+              <a:ext cx="4295219" cy="1015986"/>
             </a:xfrm>
             <a:custGeom>
               <a:avLst/>
@@ -9986,7 +9935,7 @@
                 </a:spcAft>
                 <a:defRPr/>
               </a:pPr>
-              <a:endParaRPr lang="en-US">
+              <a:endParaRPr lang="en-US" sz="1800">
                 <a:latin typeface="+mn-lt"/>
               </a:endParaRPr>
             </a:p>
@@ -10002,8 +9951,8 @@
           </p:nvSpPr>
           <p:spPr bwMode="hidden">
             <a:xfrm>
-              <a:off x="-308538" y="4318998"/>
-              <a:ext cx="8280254" cy="1208906"/>
+              <a:off x="-308538" y="4318969"/>
+              <a:ext cx="8280254" cy="1209720"/>
             </a:xfrm>
             <a:custGeom>
               <a:avLst/>
@@ -10370,7 +10319,7 @@
                 </a:spcAft>
                 <a:defRPr/>
               </a:pPr>
-              <a:endParaRPr lang="en-US">
+              <a:endParaRPr lang="en-US" sz="1800">
                 <a:latin typeface="+mn-lt"/>
               </a:endParaRPr>
             </a:p>
@@ -10386,8 +10335,8 @@
           </p:nvSpPr>
           <p:spPr bwMode="hidden">
             <a:xfrm>
-              <a:off x="4014" y="4334786"/>
-              <a:ext cx="8164231" cy="1102902"/>
+              <a:off x="4014" y="4334737"/>
+              <a:ext cx="8164231" cy="1103842"/>
             </a:xfrm>
             <a:custGeom>
               <a:avLst/>
@@ -10611,7 +10560,7 @@
                 </a:spcAft>
                 <a:defRPr/>
               </a:pPr>
-              <a:endParaRPr lang="en-US">
+              <a:endParaRPr lang="en-US" sz="1800">
                 <a:latin typeface="+mn-lt"/>
               </a:endParaRPr>
             </a:p>
@@ -10627,8 +10576,8 @@
           </p:nvSpPr>
           <p:spPr bwMode="hidden">
             <a:xfrm>
-              <a:off x="4157164" y="4316742"/>
-              <a:ext cx="4939265" cy="926979"/>
+              <a:off x="4157164" y="4316715"/>
+              <a:ext cx="4939265" cy="928128"/>
             </a:xfrm>
             <a:custGeom>
               <a:avLst/>
@@ -10786,7 +10735,7 @@
                 </a:spcAft>
                 <a:defRPr/>
               </a:pPr>
-              <a:endParaRPr lang="en-US">
+              <a:endParaRPr lang="en-US" sz="1800">
                 <a:latin typeface="+mn-lt"/>
               </a:endParaRPr>
             </a:p>
@@ -11165,7 +11114,7 @@
                 </a:spcAft>
                 <a:defRPr/>
               </a:pPr>
-              <a:endParaRPr lang="en-US">
+              <a:endParaRPr lang="en-US" sz="1800">
                 <a:latin typeface="+mn-lt"/>
               </a:endParaRPr>
             </a:p>
@@ -11429,7 +11378,7 @@
             <a:pPr>
               <a:defRPr/>
             </a:pPr>
-            <a:fld id="{4F7CD202-0D25-49AC-A778-E548A97B0872}" type="datetimeFigureOut">
+            <a:fld id="{9BCC7B73-81A4-4021-A591-59716225AAF2}" type="datetimeFigureOut">
               <a:rPr lang="es-PE"/>
               <a:pPr>
                 <a:defRPr/>
@@ -11488,7 +11437,7 @@
             <a:pPr>
               <a:defRPr/>
             </a:pPr>
-            <a:fld id="{D227E71D-3D09-4F49-9C16-1F5956681015}" type="slidenum">
+            <a:fld id="{B41EAA5C-8DD8-423E-A087-DD2BEB5C79E3}" type="slidenum">
               <a:rPr lang="es-PE"/>
               <a:pPr>
                 <a:defRPr/>
@@ -11527,69 +11476,50 @@
       <p:sp>
         <p:nvSpPr>
           <p:cNvPr id="5" name="Rounded Rectangle 14"/>
-          <p:cNvSpPr/>
+          <p:cNvSpPr>
+            <a:spLocks noChangeArrowheads="1"/>
+          </p:cNvSpPr>
           <p:nvPr/>
         </p:nvSpPr>
-        <p:spPr>
+        <p:spPr bwMode="auto">
           <a:xfrm>
-            <a:off x="228600" y="228600"/>
-            <a:ext cx="8696325" cy="6035675"/>
+            <a:off x="228600" y="227013"/>
+            <a:ext cx="8697913" cy="6035675"/>
           </a:xfrm>
           <a:prstGeom prst="roundRect">
             <a:avLst>
-              <a:gd name="adj" fmla="val 1272"/>
+              <a:gd name="adj" fmla="val 1273"/>
             </a:avLst>
           </a:prstGeom>
-          <a:gradFill>
+          <a:gradFill rotWithShape="0">
             <a:gsLst>
               <a:gs pos="0">
-                <a:schemeClr val="accent1">
-                  <a:lumMod val="75000"/>
-                </a:schemeClr>
+                <a:srgbClr val="0293E0"/>
               </a:gs>
               <a:gs pos="100000">
-                <a:schemeClr val="accent1">
-                  <a:lumMod val="60000"/>
-                  <a:lumOff val="40000"/>
-                </a:schemeClr>
+                <a:srgbClr val="83D3FE"/>
               </a:gs>
             </a:gsLst>
-            <a:lin ang="5400000" scaled="0"/>
+            <a:lin ang="5400000"/>
           </a:gradFill>
-          <a:ln>
+          <a:ln w="15875" algn="ctr">
             <a:noFill/>
+            <a:round/>
+            <a:headEnd/>
+            <a:tailEnd/>
           </a:ln>
         </p:spPr>
-        <p:style>
-          <a:lnRef idx="2">
-            <a:schemeClr val="accent1">
-              <a:shade val="50000"/>
-            </a:schemeClr>
-          </a:lnRef>
-          <a:fillRef idx="1">
-            <a:schemeClr val="accent1"/>
-          </a:fillRef>
-          <a:effectRef idx="0">
-            <a:schemeClr val="accent1"/>
-          </a:effectRef>
-          <a:fontRef idx="minor">
-            <a:schemeClr val="lt1"/>
-          </a:fontRef>
-        </p:style>
         <p:txBody>
-          <a:bodyPr anchor="ctr"/>
+          <a:bodyPr lIns="91422" tIns="45711" rIns="91422" bIns="45711" anchor="ctr"/>
           <a:lstStyle/>
           <a:p>
-            <a:pPr algn="ctr" fontAlgn="auto">
-              <a:spcBef>
-                <a:spcPts val="0"/>
-              </a:spcBef>
-              <a:spcAft>
-                <a:spcPts val="0"/>
-              </a:spcAft>
-              <a:defRPr/>
-            </a:pPr>
-            <a:endParaRPr lang="en-US"/>
+            <a:pPr algn="ctr"/>
+            <a:endParaRPr lang="en-US">
+              <a:solidFill>
+                <a:srgbClr val="FFFFFF"/>
+              </a:solidFill>
+              <a:latin typeface="Candara" pitchFamily="34" charset="0"/>
+            </a:endParaRPr>
           </a:p>
         </p:txBody>
       </p:sp>
@@ -11603,8 +11533,8 @@
         </p:nvGrpSpPr>
         <p:grpSpPr bwMode="auto">
           <a:xfrm>
-            <a:off x="211138" y="5354638"/>
-            <a:ext cx="8723312" cy="1330325"/>
+            <a:off x="211138" y="5357813"/>
+            <a:ext cx="8723312" cy="1322387"/>
             <a:chOff x="-3905250" y="4294188"/>
             <a:chExt cx="13011150" cy="1892300"/>
           </a:xfrm>
@@ -11619,8 +11549,8 @@
           </p:nvSpPr>
           <p:spPr bwMode="hidden">
             <a:xfrm>
-              <a:off x="4810681" y="4499676"/>
-              <a:ext cx="4295219" cy="1016152"/>
+              <a:off x="4810681" y="4498638"/>
+              <a:ext cx="4295219" cy="1017708"/>
             </a:xfrm>
             <a:custGeom>
               <a:avLst/>
@@ -12002,7 +11932,7 @@
                 </a:spcAft>
                 <a:defRPr/>
               </a:pPr>
-              <a:endParaRPr lang="en-US">
+              <a:endParaRPr lang="en-US" sz="1800">
                 <a:latin typeface="+mn-lt"/>
               </a:endParaRPr>
             </a:p>
@@ -12018,8 +11948,8 @@
           </p:nvSpPr>
           <p:spPr bwMode="hidden">
             <a:xfrm>
-              <a:off x="-308538" y="4319027"/>
-              <a:ext cx="8280254" cy="1208092"/>
+              <a:off x="-308538" y="4319176"/>
+              <a:ext cx="8280254" cy="1208528"/>
             </a:xfrm>
             <a:custGeom>
               <a:avLst/>
@@ -12386,7 +12316,7 @@
                 </a:spcAft>
                 <a:defRPr/>
               </a:pPr>
-              <a:endParaRPr lang="en-US">
+              <a:endParaRPr lang="en-US" sz="1800">
                 <a:latin typeface="+mn-lt"/>
               </a:endParaRPr>
             </a:p>
@@ -12402,8 +12332,8 @@
           </p:nvSpPr>
           <p:spPr bwMode="hidden">
             <a:xfrm>
-              <a:off x="4014" y="4334834"/>
-              <a:ext cx="8164231" cy="1101960"/>
+              <a:off x="4014" y="4335078"/>
+              <a:ext cx="8164231" cy="1101759"/>
             </a:xfrm>
             <a:custGeom>
               <a:avLst/>
@@ -12627,7 +12557,7 @@
                 </a:spcAft>
                 <a:defRPr/>
               </a:pPr>
-              <a:endParaRPr lang="en-US">
+              <a:endParaRPr lang="en-US" sz="1800">
                 <a:latin typeface="+mn-lt"/>
               </a:endParaRPr>
             </a:p>
@@ -12643,8 +12573,8 @@
           </p:nvSpPr>
           <p:spPr bwMode="hidden">
             <a:xfrm>
-              <a:off x="4157164" y="4316769"/>
-              <a:ext cx="4939265" cy="925827"/>
+              <a:off x="4157164" y="4316905"/>
+              <a:ext cx="4939265" cy="924569"/>
             </a:xfrm>
             <a:custGeom>
               <a:avLst/>
@@ -12802,7 +12732,7 @@
                 </a:spcAft>
                 <a:defRPr/>
               </a:pPr>
-              <a:endParaRPr lang="en-US">
+              <a:endParaRPr lang="en-US" sz="1800">
                 <a:latin typeface="+mn-lt"/>
               </a:endParaRPr>
             </a:p>
@@ -13181,7 +13111,7 @@
                 </a:spcAft>
                 <a:defRPr/>
               </a:pPr>
-              <a:endParaRPr lang="en-US">
+              <a:endParaRPr lang="en-US" sz="1800">
                 <a:latin typeface="+mn-lt"/>
               </a:endParaRPr>
             </a:p>
@@ -13339,7 +13269,7 @@
           </a:sp3d>
         </p:spPr>
         <p:txBody>
-          <a:bodyPr rtlCol="0">
+          <a:bodyPr lIns="91440" tIns="45720" rIns="91440" bIns="45720" rtlCol="0">
             <a:normAutofit/>
           </a:bodyPr>
           <a:lstStyle>
@@ -13416,7 +13346,7 @@
             <a:pPr>
               <a:defRPr/>
             </a:pPr>
-            <a:fld id="{BD8DAF2A-21EB-48EF-BFB8-71D80AD5DDE5}" type="datetimeFigureOut">
+            <a:fld id="{95C8BF6E-AF84-4750-AEBE-C79131BF69D6}" type="datetimeFigureOut">
               <a:rPr lang="es-PE"/>
               <a:pPr>
                 <a:defRPr/>
@@ -13475,7 +13405,7 @@
             <a:pPr>
               <a:defRPr/>
             </a:pPr>
-            <a:fld id="{AC265A45-FC75-4A5F-A538-362A56B35591}" type="slidenum">
+            <a:fld id="{3686E878-D618-482E-9B75-162AD87D8F8D}" type="slidenum">
               <a:rPr lang="es-PE"/>
               <a:pPr>
                 <a:defRPr/>
@@ -13519,69 +13449,53 @@
       <p:sp>
         <p:nvSpPr>
           <p:cNvPr id="14" name="Rounded Rectangle 13"/>
-          <p:cNvSpPr/>
+          <p:cNvSpPr>
+            <a:spLocks noChangeArrowheads="1"/>
+          </p:cNvSpPr>
           <p:nvPr/>
         </p:nvSpPr>
-        <p:spPr>
+        <p:spPr bwMode="auto">
           <a:xfrm>
-            <a:off x="228600" y="228600"/>
-            <a:ext cx="8696325" cy="2468563"/>
+            <a:off x="228600" y="227013"/>
+            <a:ext cx="8697913" cy="2476500"/>
           </a:xfrm>
           <a:prstGeom prst="roundRect">
             <a:avLst>
-              <a:gd name="adj" fmla="val 3362"/>
+              <a:gd name="adj" fmla="val 3361"/>
             </a:avLst>
           </a:prstGeom>
-          <a:gradFill>
+          <a:gradFill rotWithShape="0">
             <a:gsLst>
               <a:gs pos="0">
-                <a:schemeClr val="accent1">
-                  <a:lumMod val="75000"/>
-                </a:schemeClr>
+                <a:srgbClr val="0293E0"/>
               </a:gs>
-              <a:gs pos="90000">
-                <a:schemeClr val="accent1">
-                  <a:lumMod val="60000"/>
-                  <a:lumOff val="40000"/>
-                </a:schemeClr>
+              <a:gs pos="89999">
+                <a:srgbClr val="83D3FE"/>
+              </a:gs>
+              <a:gs pos="100000">
+                <a:srgbClr val="83D3FE"/>
               </a:gs>
             </a:gsLst>
-            <a:lin ang="5400000" scaled="0"/>
+            <a:lin ang="5400000"/>
           </a:gradFill>
-          <a:ln>
+          <a:ln w="15875" algn="ctr">
             <a:noFill/>
+            <a:round/>
+            <a:headEnd/>
+            <a:tailEnd/>
           </a:ln>
         </p:spPr>
-        <p:style>
-          <a:lnRef idx="2">
-            <a:schemeClr val="accent1">
-              <a:shade val="50000"/>
-            </a:schemeClr>
-          </a:lnRef>
-          <a:fillRef idx="1">
-            <a:schemeClr val="accent1"/>
-          </a:fillRef>
-          <a:effectRef idx="0">
-            <a:schemeClr val="accent1"/>
-          </a:effectRef>
-          <a:fontRef idx="minor">
-            <a:schemeClr val="lt1"/>
-          </a:fontRef>
-        </p:style>
         <p:txBody>
-          <a:bodyPr anchor="ctr"/>
+          <a:bodyPr lIns="91422" tIns="45711" rIns="91422" bIns="45711" anchor="ctr"/>
           <a:lstStyle/>
           <a:p>
-            <a:pPr algn="ctr" fontAlgn="auto">
-              <a:spcBef>
-                <a:spcPts val="0"/>
-              </a:spcBef>
-              <a:spcAft>
-                <a:spcPts val="0"/>
-              </a:spcAft>
-              <a:defRPr/>
-            </a:pPr>
-            <a:endParaRPr lang="en-US"/>
+            <a:pPr algn="ctr"/>
+            <a:endParaRPr lang="en-US">
+              <a:solidFill>
+                <a:srgbClr val="FFFFFF"/>
+              </a:solidFill>
+              <a:latin typeface="Candara" pitchFamily="34" charset="0"/>
+            </a:endParaRPr>
           </a:p>
         </p:txBody>
       </p:sp>
@@ -13596,7 +13510,7 @@
         <p:grpSpPr bwMode="auto">
           <a:xfrm>
             <a:off x="211138" y="1679575"/>
-            <a:ext cx="8723312" cy="1330325"/>
+            <a:ext cx="8723312" cy="1333500"/>
             <a:chOff x="-3905251" y="4294188"/>
             <a:chExt cx="13027839" cy="1892300"/>
           </a:xfrm>
@@ -13611,8 +13525,8 @@
           </p:nvSpPr>
           <p:spPr bwMode="hidden">
             <a:xfrm>
-              <a:off x="4810006" y="4499677"/>
-              <a:ext cx="4295986" cy="1016152"/>
+              <a:off x="4810006" y="4499188"/>
+              <a:ext cx="4295986" cy="1015984"/>
             </a:xfrm>
             <a:custGeom>
               <a:avLst/>
@@ -13994,7 +13908,7 @@
                 </a:spcAft>
                 <a:defRPr/>
               </a:pPr>
-              <a:endParaRPr lang="en-US">
+              <a:endParaRPr lang="en-US" sz="1800">
                 <a:latin typeface="+mn-lt"/>
               </a:endParaRPr>
             </a:p>
@@ -14010,8 +13924,8 @@
           </p:nvSpPr>
           <p:spPr bwMode="hidden">
             <a:xfrm>
-              <a:off x="-308667" y="4319028"/>
-              <a:ext cx="8279020" cy="1208091"/>
+              <a:off x="-308667" y="4318969"/>
+              <a:ext cx="8279020" cy="1207468"/>
             </a:xfrm>
             <a:custGeom>
               <a:avLst/>
@@ -14378,7 +14292,7 @@
                 </a:spcAft>
                 <a:defRPr/>
               </a:pPr>
-              <a:endParaRPr lang="en-US">
+              <a:endParaRPr lang="en-US" sz="1800">
                 <a:latin typeface="+mn-lt"/>
               </a:endParaRPr>
             </a:p>
@@ -14394,8 +14308,8 @@
           </p:nvSpPr>
           <p:spPr bwMode="hidden">
             <a:xfrm>
-              <a:off x="4286" y="4334834"/>
-              <a:ext cx="8165219" cy="1101960"/>
+              <a:off x="4286" y="4334737"/>
+              <a:ext cx="8165219" cy="1101590"/>
             </a:xfrm>
             <a:custGeom>
               <a:avLst/>
@@ -14619,7 +14533,7 @@
                 </a:spcAft>
                 <a:defRPr/>
               </a:pPr>
-              <a:endParaRPr lang="en-US">
+              <a:endParaRPr lang="en-US" sz="1800">
                 <a:latin typeface="+mn-lt"/>
               </a:endParaRPr>
             </a:p>
@@ -14635,8 +14549,8 @@
           </p:nvSpPr>
           <p:spPr bwMode="hidden">
             <a:xfrm>
-              <a:off x="4155651" y="4316769"/>
-              <a:ext cx="4940859" cy="925827"/>
+              <a:off x="4155651" y="4316715"/>
+              <a:ext cx="4940859" cy="925876"/>
             </a:xfrm>
             <a:custGeom>
               <a:avLst/>
@@ -14794,7 +14708,7 @@
                 </a:spcAft>
                 <a:defRPr/>
               </a:pPr>
-              <a:endParaRPr lang="en-US">
+              <a:endParaRPr lang="en-US" sz="1800">
                 <a:latin typeface="+mn-lt"/>
               </a:endParaRPr>
             </a:p>
@@ -15173,7 +15087,7 @@
                 </a:spcAft>
                 <a:defRPr/>
               </a:pPr>
-              <a:endParaRPr lang="en-US">
+              <a:endParaRPr lang="en-US" sz="1800">
                 <a:latin typeface="+mn-lt"/>
               </a:endParaRPr>
             </a:p>
@@ -15192,8 +15106,8 @@
         </p:nvSpPr>
         <p:spPr bwMode="auto">
           <a:xfrm>
-            <a:off x="457200" y="338138"/>
-            <a:ext cx="8229600" cy="1252537"/>
+            <a:off x="457200" y="333375"/>
+            <a:ext cx="8231188" cy="1262063"/>
           </a:xfrm>
           <a:prstGeom prst="rect">
             <a:avLst/>
@@ -15207,7 +15121,7 @@
           </a:ln>
         </p:spPr>
         <p:txBody>
-          <a:bodyPr vert="horz" wrap="square" lIns="91440" tIns="45720" rIns="91440" bIns="45720" numCol="1" anchor="ctr" anchorCtr="0" compatLnSpc="1">
+          <a:bodyPr vert="horz" wrap="square" lIns="91422" tIns="45711" rIns="91422" bIns="45711" numCol="1" anchor="ctr" anchorCtr="0" compatLnSpc="1">
             <a:prstTxWarp prst="textNoShape">
               <a:avLst/>
             </a:prstTxWarp>
@@ -15233,17 +15147,28 @@
             <p:ph type="dt" sz="half" idx="2"/>
           </p:nvPr>
         </p:nvSpPr>
-        <p:spPr>
+        <p:spPr bwMode="auto">
           <a:xfrm>
-            <a:off x="5164138" y="6249988"/>
-            <a:ext cx="3786187" cy="365125"/>
+            <a:off x="5164138" y="6251575"/>
+            <a:ext cx="3786187" cy="368300"/>
           </a:xfrm>
           <a:prstGeom prst="rect">
             <a:avLst/>
           </a:prstGeom>
+          <a:noFill/>
+          <a:ln w="9525">
+            <a:noFill/>
+            <a:miter lim="800000"/>
+            <a:headEnd/>
+            <a:tailEnd/>
+          </a:ln>
         </p:spPr>
         <p:txBody>
-          <a:bodyPr vert="horz" lIns="91440" tIns="45720" rIns="91440" bIns="45720" rtlCol="0" anchor="ctr"/>
+          <a:bodyPr vert="horz" wrap="square" lIns="91422" tIns="45711" rIns="91422" bIns="45711" numCol="1" anchor="ctr" anchorCtr="0" compatLnSpc="1">
+            <a:prstTxWarp prst="textNoShape">
+              <a:avLst/>
+            </a:prstTxWarp>
+          </a:bodyPr>
           <a:lstStyle>
             <a:lvl1pPr algn="r" fontAlgn="auto">
               <a:spcBef>
@@ -15264,7 +15189,7 @@
             <a:pPr>
               <a:defRPr/>
             </a:pPr>
-            <a:fld id="{D9D92F10-4C15-4425-B1BE-3DECF90B777F}" type="datetimeFigureOut">
+            <a:fld id="{F36CC0D3-D413-45CD-B98E-1059F6139F0A}" type="datetimeFigureOut">
               <a:rPr lang="es-PE"/>
               <a:pPr>
                 <a:defRPr/>
@@ -15285,17 +15210,28 @@
             <p:ph type="ftr" sz="quarter" idx="3"/>
           </p:nvPr>
         </p:nvSpPr>
-        <p:spPr>
+        <p:spPr bwMode="auto">
           <a:xfrm>
-            <a:off x="193675" y="6249988"/>
-            <a:ext cx="3786188" cy="365125"/>
+            <a:off x="195263" y="6251575"/>
+            <a:ext cx="3786187" cy="368300"/>
           </a:xfrm>
           <a:prstGeom prst="rect">
             <a:avLst/>
           </a:prstGeom>
+          <a:noFill/>
+          <a:ln w="9525">
+            <a:noFill/>
+            <a:miter lim="800000"/>
+            <a:headEnd/>
+            <a:tailEnd/>
+          </a:ln>
         </p:spPr>
         <p:txBody>
-          <a:bodyPr vert="horz" lIns="91440" tIns="45720" rIns="91440" bIns="45720" rtlCol="0" anchor="ctr"/>
+          <a:bodyPr vert="horz" wrap="square" lIns="91422" tIns="45711" rIns="91422" bIns="45711" numCol="1" anchor="ctr" anchorCtr="0" compatLnSpc="1">
+            <a:prstTxWarp prst="textNoShape">
+              <a:avLst/>
+            </a:prstTxWarp>
+          </a:bodyPr>
           <a:lstStyle>
             <a:lvl1pPr algn="l" fontAlgn="auto">
               <a:spcBef>
@@ -15330,17 +15266,28 @@
             <p:ph type="sldNum" sz="quarter" idx="4"/>
           </p:nvPr>
         </p:nvSpPr>
-        <p:spPr>
+        <p:spPr bwMode="auto">
           <a:xfrm>
-            <a:off x="3990975" y="6249988"/>
-            <a:ext cx="1162050" cy="365125"/>
+            <a:off x="3990975" y="6251575"/>
+            <a:ext cx="1162050" cy="368300"/>
           </a:xfrm>
           <a:prstGeom prst="rect">
             <a:avLst/>
           </a:prstGeom>
+          <a:noFill/>
+          <a:ln w="9525">
+            <a:noFill/>
+            <a:miter lim="800000"/>
+            <a:headEnd/>
+            <a:tailEnd/>
+          </a:ln>
         </p:spPr>
         <p:txBody>
-          <a:bodyPr vert="horz" lIns="91440" tIns="45720" rIns="91440" bIns="45720" rtlCol="0" anchor="ctr"/>
+          <a:bodyPr vert="horz" wrap="square" lIns="91422" tIns="45711" rIns="91422" bIns="45711" numCol="1" anchor="ctr" anchorCtr="0" compatLnSpc="1">
+            <a:prstTxWarp prst="textNoShape">
+              <a:avLst/>
+            </a:prstTxWarp>
+          </a:bodyPr>
           <a:lstStyle>
             <a:lvl1pPr algn="ctr" fontAlgn="auto">
               <a:spcBef>
@@ -15361,7 +15308,7 @@
             <a:pPr>
               <a:defRPr/>
             </a:pPr>
-            <a:fld id="{7F007D76-FBEF-47E8-88D3-7AA8C0F711A7}" type="slidenum">
+            <a:fld id="{4A75B22B-BAD0-4192-8F0A-1E4904735657}" type="slidenum">
               <a:rPr lang="es-PE"/>
               <a:pPr>
                 <a:defRPr/>
@@ -15384,8 +15331,8 @@
         </p:nvSpPr>
         <p:spPr bwMode="auto">
           <a:xfrm>
-            <a:off x="871538" y="2674938"/>
-            <a:ext cx="7408862" cy="3451225"/>
+            <a:off x="871538" y="2679700"/>
+            <a:ext cx="7408862" cy="3452813"/>
           </a:xfrm>
           <a:prstGeom prst="rect">
             <a:avLst/>
@@ -15399,7 +15346,7 @@
           </a:ln>
         </p:spPr>
         <p:txBody>
-          <a:bodyPr vert="horz" wrap="square" lIns="91440" tIns="45720" rIns="91440" bIns="45720" numCol="1" anchor="t" anchorCtr="0" compatLnSpc="1">
+          <a:bodyPr vert="horz" wrap="square" lIns="91422" tIns="45711" rIns="91422" bIns="45711" numCol="1" anchor="t" anchorCtr="0" compatLnSpc="1">
             <a:prstTxWarp prst="textNoShape">
               <a:avLst/>
             </a:prstTxWarp>
@@ -15469,7 +15416,7 @@
         <a:spcAft>
           <a:spcPct val="0"/>
         </a:spcAft>
-        <a:defRPr sz="4400" kern="1200">
+        <a:defRPr sz="4500" kern="1200">
           <a:solidFill>
             <a:srgbClr val="FFFFFF"/>
           </a:solidFill>
@@ -15485,7 +15432,7 @@
         <a:spcAft>
           <a:spcPct val="0"/>
         </a:spcAft>
-        <a:defRPr sz="4400">
+        <a:defRPr sz="4500">
           <a:solidFill>
             <a:srgbClr val="FFFFFF"/>
           </a:solidFill>
@@ -15499,7 +15446,7 @@
         <a:spcAft>
           <a:spcPct val="0"/>
         </a:spcAft>
-        <a:defRPr sz="4400">
+        <a:defRPr sz="4500">
           <a:solidFill>
             <a:srgbClr val="FFFFFF"/>
           </a:solidFill>
@@ -15513,7 +15460,7 @@
         <a:spcAft>
           <a:spcPct val="0"/>
         </a:spcAft>
-        <a:defRPr sz="4400">
+        <a:defRPr sz="4500">
           <a:solidFill>
             <a:srgbClr val="FFFFFF"/>
           </a:solidFill>
@@ -15527,7 +15474,7 @@
         <a:spcAft>
           <a:spcPct val="0"/>
         </a:spcAft>
-        <a:defRPr sz="4400">
+        <a:defRPr sz="4500">
           <a:solidFill>
             <a:srgbClr val="FFFFFF"/>
           </a:solidFill>
@@ -15564,7 +15511,7 @@
       </a:lvl9pPr>
     </p:titleStyle>
     <p:bodyStyle>
-      <a:lvl1pPr marL="273050" indent="-273050" algn="l" rtl="0" eaLnBrk="0" fontAlgn="base" hangingPunct="0">
+      <a:lvl1pPr marL="271463" indent="-271463" algn="l" rtl="0" eaLnBrk="0" fontAlgn="base" hangingPunct="0">
         <a:spcBef>
           <a:spcPct val="20000"/>
         </a:spcBef>
@@ -15577,7 +15524,7 @@
         <a:buSzPct val="100000"/>
         <a:buFont typeface="Symbol" pitchFamily="18" charset="2"/>
         <a:buChar char=""/>
-        <a:defRPr sz="2400" kern="1200">
+        <a:defRPr sz="2300" kern="1200">
           <a:solidFill>
             <a:schemeClr val="tx2"/>
           </a:solidFill>
@@ -15586,7 +15533,7 @@
           <a:cs typeface="+mn-cs"/>
         </a:defRPr>
       </a:lvl1pPr>
-      <a:lvl2pPr marL="576263" indent="-273050" algn="l" rtl="0" eaLnBrk="0" fontAlgn="base" hangingPunct="0">
+      <a:lvl2pPr marL="577850" indent="-274638" algn="l" rtl="0" eaLnBrk="0" fontAlgn="base" hangingPunct="0">
         <a:spcBef>
           <a:spcPct val="20000"/>
         </a:spcBef>
@@ -15599,7 +15546,7 @@
         <a:buSzPct val="100000"/>
         <a:buFont typeface="Symbol" pitchFamily="18" charset="2"/>
         <a:buChar char=""/>
-        <a:defRPr sz="2200" kern="1200">
+        <a:defRPr sz="2100" kern="1200">
           <a:solidFill>
             <a:schemeClr val="tx2"/>
           </a:solidFill>
@@ -15621,7 +15568,7 @@
         <a:buSzPct val="100000"/>
         <a:buFont typeface="Symbol" pitchFamily="18" charset="2"/>
         <a:buChar char=""/>
-        <a:defRPr sz="2000" kern="1200">
+        <a:defRPr sz="1900" kern="1200">
           <a:solidFill>
             <a:schemeClr val="tx2"/>
           </a:solidFill>
@@ -15630,7 +15577,7 @@
           <a:cs typeface="+mn-cs"/>
         </a:defRPr>
       </a:lvl3pPr>
-      <a:lvl4pPr marL="1143000" indent="-228600" algn="l" rtl="0" eaLnBrk="0" fontAlgn="base" hangingPunct="0">
+      <a:lvl4pPr marL="1141413" indent="-227013" algn="l" rtl="0" eaLnBrk="0" fontAlgn="base" hangingPunct="0">
         <a:spcBef>
           <a:spcPct val="20000"/>
         </a:spcBef>
@@ -15643,7 +15590,7 @@
         <a:buSzPct val="100000"/>
         <a:buFont typeface="Symbol" pitchFamily="18" charset="2"/>
         <a:buChar char=""/>
-        <a:defRPr kern="1200">
+        <a:defRPr sz="1700" kern="1200">
           <a:solidFill>
             <a:schemeClr val="tx2"/>
           </a:solidFill>
@@ -15652,7 +15599,7 @@
           <a:cs typeface="+mn-cs"/>
         </a:defRPr>
       </a:lvl4pPr>
-      <a:lvl5pPr marL="1462088" indent="-228600" algn="l" rtl="0" eaLnBrk="0" fontAlgn="base" hangingPunct="0">
+      <a:lvl5pPr marL="1463675" indent="-228600" algn="l" rtl="0" eaLnBrk="0" fontAlgn="base" hangingPunct="0">
         <a:spcBef>
           <a:spcPct val="20000"/>
         </a:spcBef>
@@ -15875,8 +15822,8 @@
         </p:nvSpPr>
         <p:spPr>
           <a:xfrm>
-            <a:off x="684213" y="1412875"/>
-            <a:ext cx="7772400" cy="1584325"/>
+            <a:off x="684213" y="1417638"/>
+            <a:ext cx="7773987" cy="1582737"/>
           </a:xfrm>
         </p:spPr>
         <p:txBody>
@@ -15885,10 +15832,10 @@
           <a:p>
             <a:pPr eaLnBrk="1" hangingPunct="1"/>
             <a:r>
-              <a:rPr lang="es-PE" sz="4000" smtClean="0"/>
+              <a:rPr lang="es-PE" sz="4100" smtClean="0"/>
               <a:t>Sistema de Captura móvil y monitoreo de procesos de campo para una Entidad encuestadora</a:t>
             </a:r>
-            <a:endParaRPr lang="es-PE" sz="3200" smtClean="0"/>
+            <a:endParaRPr lang="es-PE" sz="3100" smtClean="0"/>
           </a:p>
         </p:txBody>
       </p:sp>
@@ -15902,8 +15849,8 @@
         </p:nvSpPr>
         <p:spPr bwMode="auto">
           <a:xfrm>
-            <a:off x="4787900" y="4221163"/>
-            <a:ext cx="4041775" cy="1552575"/>
+            <a:off x="4787900" y="4227513"/>
+            <a:ext cx="4043363" cy="1547812"/>
           </a:xfrm>
           <a:prstGeom prst="rect">
             <a:avLst/>
@@ -15917,20 +15864,20 @@
           </a:ln>
         </p:spPr>
         <p:txBody>
-          <a:bodyPr>
+          <a:bodyPr lIns="91422" tIns="45711" rIns="91422" bIns="45711">
             <a:spAutoFit/>
           </a:bodyPr>
           <a:lstStyle/>
           <a:p>
             <a:pPr algn="r"/>
-            <a:endParaRPr lang="es-PE" sz="2400">
+            <a:endParaRPr lang="es-PE" sz="2300">
               <a:latin typeface="Candara" pitchFamily="34" charset="0"/>
             </a:endParaRPr>
           </a:p>
           <a:p>
             <a:pPr algn="r"/>
             <a:r>
-              <a:rPr lang="es-PE" sz="2400">
+              <a:rPr lang="es-PE" sz="2300">
                 <a:latin typeface="Candara" pitchFamily="34" charset="0"/>
               </a:rPr>
               <a:t>Gabriela Rojas Munive </a:t>
@@ -15939,7 +15886,7 @@
           <a:p>
             <a:pPr algn="r"/>
             <a:r>
-              <a:rPr lang="es-PE" sz="2400">
+              <a:rPr lang="es-PE" sz="2300">
                 <a:latin typeface="Candara" pitchFamily="34" charset="0"/>
               </a:rPr>
               <a:t>Augusto Suárez Gutiérrez</a:t>
@@ -15947,7 +15894,7 @@
           </a:p>
           <a:p>
             <a:pPr algn="r"/>
-            <a:endParaRPr lang="es-PE" sz="2400">
+            <a:endParaRPr lang="es-PE" sz="2300">
               <a:solidFill>
                 <a:schemeClr val="bg1"/>
               </a:solidFill>
@@ -15973,8 +15920,8 @@
         </p:blipFill>
         <p:spPr bwMode="auto">
           <a:xfrm>
-            <a:off x="107950" y="6092825"/>
-            <a:ext cx="1223963" cy="665163"/>
+            <a:off x="107950" y="6096000"/>
+            <a:ext cx="1223963" cy="666750"/>
           </a:xfrm>
           <a:prstGeom prst="rect">
             <a:avLst/>
@@ -16006,7 +15953,7 @@
         <p:spPr bwMode="auto">
           <a:xfrm>
             <a:off x="4643438" y="3500438"/>
-            <a:ext cx="1177925" cy="1011237"/>
+            <a:ext cx="1179512" cy="1012825"/>
           </a:xfrm>
           <a:prstGeom prst="rect">
             <a:avLst/>
@@ -16037,8 +15984,8 @@
         </p:blipFill>
         <p:spPr bwMode="auto">
           <a:xfrm>
-            <a:off x="4140200" y="4292600"/>
-            <a:ext cx="1255713" cy="1041400"/>
+            <a:off x="4140200" y="4298950"/>
+            <a:ext cx="1255713" cy="1035050"/>
           </a:xfrm>
           <a:prstGeom prst="rect">
             <a:avLst/>
@@ -16069,8 +16016,8 @@
         </p:blipFill>
         <p:spPr bwMode="auto">
           <a:xfrm>
-            <a:off x="3492500" y="3213100"/>
-            <a:ext cx="1323975" cy="1109663"/>
+            <a:off x="3492500" y="3214688"/>
+            <a:ext cx="1323975" cy="1108075"/>
           </a:xfrm>
           <a:prstGeom prst="rect">
             <a:avLst/>
@@ -16118,7 +16065,7 @@
       </p:grpSpPr>
       <p:sp>
         <p:nvSpPr>
-          <p:cNvPr id="24577" name="2 Título"/>
+          <p:cNvPr id="25601" name="2 Título"/>
           <p:cNvSpPr>
             <a:spLocks noGrp="1"/>
           </p:cNvSpPr>
@@ -16128,8 +16075,8 @@
         </p:nvSpPr>
         <p:spPr>
           <a:xfrm>
-            <a:off x="468313" y="476250"/>
-            <a:ext cx="8229600" cy="1252538"/>
+            <a:off x="611188" y="2857500"/>
+            <a:ext cx="8229600" cy="1250950"/>
           </a:xfrm>
         </p:spPr>
         <p:txBody>
@@ -16138,24 +16085,19 @@
           <a:p>
             <a:pPr eaLnBrk="1" hangingPunct="1"/>
             <a:r>
-              <a:rPr lang="en-US" b="1" smtClean="0">
+              <a:rPr lang="es-PE" b="1" smtClean="0">
                 <a:solidFill>
                   <a:schemeClr val="tx2"/>
                 </a:solidFill>
               </a:rPr>
-              <a:t>Objetivo general</a:t>
+              <a:t>MODELADO DEL NEGOCIO</a:t>
             </a:r>
-            <a:endParaRPr lang="es-PE" b="1" smtClean="0">
-              <a:solidFill>
-                <a:schemeClr val="tx2"/>
-              </a:solidFill>
-            </a:endParaRPr>
           </a:p>
         </p:txBody>
       </p:sp>
       <p:pic>
         <p:nvPicPr>
-          <p:cNvPr id="24578" name="Picture 2"/>
+          <p:cNvPr id="25602" name="Picture 2"/>
           <p:cNvPicPr>
             <a:picLocks noChangeAspect="1" noChangeArrowheads="1"/>
           </p:cNvPicPr>
@@ -16170,8 +16112,8 @@
         </p:blipFill>
         <p:spPr bwMode="auto">
           <a:xfrm>
-            <a:off x="107950" y="6092825"/>
-            <a:ext cx="1223963" cy="665163"/>
+            <a:off x="107950" y="6096000"/>
+            <a:ext cx="1223963" cy="666750"/>
           </a:xfrm>
           <a:prstGeom prst="rect">
             <a:avLst/>
@@ -16185,100 +16127,16 @@
           </a:ln>
         </p:spPr>
       </p:pic>
-      <p:sp>
-        <p:nvSpPr>
-          <p:cNvPr id="24579" name="Text Box 4"/>
-          <p:cNvSpPr txBox="1">
-            <a:spLocks noChangeArrowheads="1"/>
-          </p:cNvSpPr>
-          <p:nvPr/>
-        </p:nvSpPr>
-        <p:spPr bwMode="auto">
-          <a:xfrm>
-            <a:off x="395288" y="2133600"/>
-            <a:ext cx="8353425" cy="3508375"/>
-          </a:xfrm>
-          <a:prstGeom prst="rect">
-            <a:avLst/>
-          </a:prstGeom>
-          <a:noFill/>
-          <a:ln w="9525">
-            <a:noFill/>
-            <a:miter lim="800000"/>
-            <a:headEnd/>
-            <a:tailEnd/>
-          </a:ln>
-        </p:spPr>
-        <p:txBody>
-          <a:bodyPr>
-            <a:spAutoFit/>
-          </a:bodyPr>
-          <a:lstStyle/>
-          <a:p>
-            <a:pPr>
-              <a:spcBef>
-                <a:spcPct val="50000"/>
-              </a:spcBef>
-            </a:pPr>
-            <a:r>
-              <a:rPr lang="es-ES_tradnl" altLang="zh-CN" sz="2800">
-                <a:solidFill>
-                  <a:schemeClr val="tx2"/>
-                </a:solidFill>
-                <a:ea typeface="宋体"/>
-                <a:cs typeface="宋体"/>
-              </a:rPr>
-              <a:t>El objetivo general </a:t>
-            </a:r>
-            <a:r>
-              <a:rPr lang="es-ES" altLang="zh-CN" sz="2800">
-                <a:solidFill>
-                  <a:schemeClr val="tx2"/>
-                </a:solidFill>
-                <a:ea typeface="宋体"/>
-                <a:cs typeface="宋体"/>
-              </a:rPr>
-              <a:t>del proyecto es desarrollar una solución tecnológica que reduzca el margen de error en la captura</a:t>
-            </a:r>
-            <a:r>
-              <a:rPr lang="es-ES_tradnl" altLang="zh-CN" sz="2800">
-                <a:solidFill>
-                  <a:schemeClr val="tx2"/>
-                </a:solidFill>
-                <a:ea typeface="宋体"/>
-                <a:cs typeface="宋体"/>
-              </a:rPr>
-              <a:t> de datos y que permita reducir el tiempo general de la captura y  procesamiento de datos de las encuestas con la aplicación de controles que permitan el monitoreo del proceso de encuesta en tiempo real, así como también medir el desempeño de los encuestadores.</a:t>
-            </a:r>
-            <a:endParaRPr lang="es-ES" sz="2800">
-              <a:solidFill>
-                <a:schemeClr val="tx2"/>
-              </a:solidFill>
-            </a:endParaRPr>
-          </a:p>
-        </p:txBody>
-      </p:sp>
       <p:pic>
         <p:nvPicPr>
-          <p:cNvPr id="24580" name="Picture 7"/>
+          <p:cNvPr id="25603" name="Picture 5" descr="modelos-de-negocio-online"/>
           <p:cNvPicPr>
             <a:picLocks noChangeAspect="1" noChangeArrowheads="1"/>
           </p:cNvPicPr>
           <p:nvPr/>
         </p:nvPicPr>
         <p:blipFill>
-          <a:blip r:embed="rId3">
-            <a:clrChange>
-              <a:clrFrom>
-                <a:srgbClr val="FFFFFF"/>
-              </a:clrFrom>
-              <a:clrTo>
-                <a:srgbClr val="FFFFFF">
-                  <a:alpha val="0"/>
-                </a:srgbClr>
-              </a:clrTo>
-            </a:clrChange>
-          </a:blip>
+          <a:blip r:embed="rId3"/>
           <a:srcRect/>
           <a:stretch>
             <a:fillRect/>
@@ -16286,8 +16144,8 @@
         </p:blipFill>
         <p:spPr bwMode="auto">
           <a:xfrm>
-            <a:off x="7524750" y="5157788"/>
-            <a:ext cx="1435100" cy="1439862"/>
+            <a:off x="3276600" y="3857625"/>
+            <a:ext cx="2428875" cy="2381250"/>
           </a:xfrm>
           <a:prstGeom prst="rect">
             <a:avLst/>
@@ -16335,7 +16193,7 @@
       </p:grpSpPr>
       <p:sp>
         <p:nvSpPr>
-          <p:cNvPr id="25601" name="2 Título"/>
+          <p:cNvPr id="26625" name="2 Título"/>
           <p:cNvSpPr>
             <a:spLocks noGrp="1"/>
           </p:cNvSpPr>
@@ -16345,8 +16203,8 @@
         </p:nvSpPr>
         <p:spPr>
           <a:xfrm>
-            <a:off x="611188" y="2852738"/>
-            <a:ext cx="8229600" cy="1252537"/>
+            <a:off x="468313" y="476250"/>
+            <a:ext cx="8229600" cy="1250950"/>
           </a:xfrm>
         </p:spPr>
         <p:txBody>
@@ -16355,19 +16213,24 @@
           <a:p>
             <a:pPr eaLnBrk="1" hangingPunct="1"/>
             <a:r>
-              <a:rPr lang="es-PE" b="1" smtClean="0">
+              <a:rPr lang="en-US" sz="4100" b="1" smtClean="0">
                 <a:solidFill>
                   <a:schemeClr val="tx2"/>
                 </a:solidFill>
               </a:rPr>
-              <a:t>MODELADO DEL NEGOCIO</a:t>
+              <a:t>Diagrama de Casos de uso del negocio</a:t>
             </a:r>
+            <a:endParaRPr lang="es-PE" sz="4100" b="1" smtClean="0">
+              <a:solidFill>
+                <a:schemeClr val="tx2"/>
+              </a:solidFill>
+            </a:endParaRPr>
           </a:p>
         </p:txBody>
       </p:sp>
       <p:pic>
         <p:nvPicPr>
-          <p:cNvPr id="25602" name="Picture 2"/>
+          <p:cNvPr id="26626" name="Picture 2"/>
           <p:cNvPicPr>
             <a:picLocks noChangeAspect="1" noChangeArrowheads="1"/>
           </p:cNvPicPr>
@@ -16382,8 +16245,8 @@
         </p:blipFill>
         <p:spPr bwMode="auto">
           <a:xfrm>
-            <a:off x="107950" y="6092825"/>
-            <a:ext cx="1223963" cy="665163"/>
+            <a:off x="107950" y="6096000"/>
+            <a:ext cx="1223963" cy="666750"/>
           </a:xfrm>
           <a:prstGeom prst="rect">
             <a:avLst/>
@@ -16399,7 +16262,7 @@
       </p:pic>
       <p:pic>
         <p:nvPicPr>
-          <p:cNvPr id="25605" name="Picture 5" descr="modelos-de-negocio-online"/>
+          <p:cNvPr id="26627" name="Picture 4"/>
           <p:cNvPicPr>
             <a:picLocks noChangeAspect="1" noChangeArrowheads="1"/>
           </p:cNvPicPr>
@@ -16414,13 +16277,19 @@
         </p:blipFill>
         <p:spPr bwMode="auto">
           <a:xfrm>
-            <a:off x="3276600" y="3860800"/>
-            <a:ext cx="2428875" cy="2381250"/>
+            <a:off x="1547813" y="2346325"/>
+            <a:ext cx="5926137" cy="4106863"/>
           </a:xfrm>
           <a:prstGeom prst="rect">
             <a:avLst/>
           </a:prstGeom>
           <a:noFill/>
+          <a:ln w="9525">
+            <a:noFill/>
+            <a:miter lim="800000"/>
+            <a:headEnd/>
+            <a:tailEnd/>
+          </a:ln>
         </p:spPr>
       </p:pic>
     </p:spTree>
@@ -16457,7 +16326,7 @@
       </p:grpSpPr>
       <p:sp>
         <p:nvSpPr>
-          <p:cNvPr id="26625" name="2 Título"/>
+          <p:cNvPr id="27649" name="2 Título"/>
           <p:cNvSpPr>
             <a:spLocks noGrp="1"/>
           </p:cNvSpPr>
@@ -16468,7 +16337,7 @@
         <p:spPr>
           <a:xfrm>
             <a:off x="468313" y="476250"/>
-            <a:ext cx="8229600" cy="1252538"/>
+            <a:ext cx="8229600" cy="1250950"/>
           </a:xfrm>
         </p:spPr>
         <p:txBody>
@@ -16477,14 +16346,14 @@
           <a:p>
             <a:pPr eaLnBrk="1" hangingPunct="1"/>
             <a:r>
-              <a:rPr lang="en-US" sz="4000" b="1" smtClean="0">
+              <a:rPr lang="en-US" b="1" smtClean="0">
                 <a:solidFill>
                   <a:schemeClr val="tx2"/>
                 </a:solidFill>
               </a:rPr>
-              <a:t>Diagrama de Casos de uso del negocio</a:t>
+              <a:t>Trabajadores del negocio</a:t>
             </a:r>
-            <a:endParaRPr lang="es-PE" sz="4000" b="1" smtClean="0">
+            <a:endParaRPr lang="es-PE" b="1" smtClean="0">
               <a:solidFill>
                 <a:schemeClr val="tx2"/>
               </a:solidFill>
@@ -16494,7 +16363,7 @@
       </p:sp>
       <p:pic>
         <p:nvPicPr>
-          <p:cNvPr id="26626" name="Picture 2"/>
+          <p:cNvPr id="27650" name="Picture 2"/>
           <p:cNvPicPr>
             <a:picLocks noChangeAspect="1" noChangeArrowheads="1"/>
           </p:cNvPicPr>
@@ -16509,8 +16378,8 @@
         </p:blipFill>
         <p:spPr bwMode="auto">
           <a:xfrm>
-            <a:off x="107950" y="6092825"/>
-            <a:ext cx="1223963" cy="665163"/>
+            <a:off x="107950" y="6096000"/>
+            <a:ext cx="1223963" cy="666750"/>
           </a:xfrm>
           <a:prstGeom prst="rect">
             <a:avLst/>
@@ -16526,7 +16395,7 @@
       </p:pic>
       <p:pic>
         <p:nvPicPr>
-          <p:cNvPr id="26628" name="Picture 4"/>
+          <p:cNvPr id="27651" name="Picture 4"/>
           <p:cNvPicPr>
             <a:picLocks noChangeAspect="1" noChangeArrowheads="1"/>
           </p:cNvPicPr>
@@ -16534,15 +16403,15 @@
         </p:nvPicPr>
         <p:blipFill>
           <a:blip r:embed="rId3"/>
-          <a:srcRect/>
+          <a:srcRect t="3569" b="4778"/>
           <a:stretch>
             <a:fillRect/>
           </a:stretch>
         </p:blipFill>
         <p:spPr bwMode="auto">
           <a:xfrm>
-            <a:off x="1547813" y="2349500"/>
-            <a:ext cx="5924550" cy="4105275"/>
+            <a:off x="1619250" y="1489075"/>
+            <a:ext cx="5889625" cy="5535613"/>
           </a:xfrm>
           <a:prstGeom prst="rect">
             <a:avLst/>
@@ -16590,7 +16459,7 @@
       </p:grpSpPr>
       <p:sp>
         <p:nvSpPr>
-          <p:cNvPr id="27649" name="2 Título"/>
+          <p:cNvPr id="28673" name="2 Título"/>
           <p:cNvSpPr>
             <a:spLocks noGrp="1"/>
           </p:cNvSpPr>
@@ -16600,8 +16469,8 @@
         </p:nvSpPr>
         <p:spPr>
           <a:xfrm>
-            <a:off x="468313" y="476250"/>
-            <a:ext cx="8229600" cy="1252538"/>
+            <a:off x="611188" y="2857500"/>
+            <a:ext cx="8229600" cy="1250950"/>
           </a:xfrm>
         </p:spPr>
         <p:txBody>
@@ -16610,24 +16479,34 @@
           <a:p>
             <a:pPr eaLnBrk="1" hangingPunct="1"/>
             <a:r>
-              <a:rPr lang="en-US" b="1" smtClean="0">
+              <a:rPr lang="es-PE" sz="4100" b="1" smtClean="0">
                 <a:solidFill>
                   <a:schemeClr val="tx2"/>
                 </a:solidFill>
               </a:rPr>
-              <a:t>Trabajadores del negocio</a:t>
+              <a:t>CASO DE USO DE NEGOCIO MAS IMPORTANTE</a:t>
             </a:r>
-            <a:endParaRPr lang="es-PE" b="1" smtClean="0">
-              <a:solidFill>
-                <a:schemeClr val="tx2"/>
-              </a:solidFill>
-            </a:endParaRPr>
+            <a:br>
+              <a:rPr lang="es-PE" sz="4100" b="1" smtClean="0">
+                <a:solidFill>
+                  <a:schemeClr val="tx2"/>
+                </a:solidFill>
+              </a:rPr>
+            </a:br>
+            <a:r>
+              <a:rPr lang="es-PE" sz="4000" b="1" smtClean="0">
+                <a:solidFill>
+                  <a:srgbClr val="8C2902"/>
+                </a:solidFill>
+              </a:rPr>
+              <a:t>CUN_Realizar_procesamiento_datos</a:t>
+            </a:r>
           </a:p>
         </p:txBody>
       </p:sp>
       <p:pic>
         <p:nvPicPr>
-          <p:cNvPr id="27650" name="Picture 2"/>
+          <p:cNvPr id="28674" name="Picture 2"/>
           <p:cNvPicPr>
             <a:picLocks noChangeAspect="1" noChangeArrowheads="1"/>
           </p:cNvPicPr>
@@ -16642,8 +16521,8 @@
         </p:blipFill>
         <p:spPr bwMode="auto">
           <a:xfrm>
-            <a:off x="107950" y="6092825"/>
-            <a:ext cx="1223963" cy="665163"/>
+            <a:off x="107950" y="6096000"/>
+            <a:ext cx="1223963" cy="666750"/>
           </a:xfrm>
           <a:prstGeom prst="rect">
             <a:avLst/>
@@ -16655,32 +16534,6 @@
             <a:headEnd/>
             <a:tailEnd/>
           </a:ln>
-        </p:spPr>
-      </p:pic>
-      <p:pic>
-        <p:nvPicPr>
-          <p:cNvPr id="27652" name="Picture 4"/>
-          <p:cNvPicPr>
-            <a:picLocks noChangeAspect="1" noChangeArrowheads="1"/>
-          </p:cNvPicPr>
-          <p:nvPr/>
-        </p:nvPicPr>
-        <p:blipFill>
-          <a:blip r:embed="rId3"/>
-          <a:srcRect t="3569" b="4778"/>
-          <a:stretch>
-            <a:fillRect/>
-          </a:stretch>
-        </p:blipFill>
-        <p:spPr bwMode="auto">
-          <a:xfrm>
-            <a:off x="1619250" y="1485900"/>
-            <a:ext cx="5889625" cy="5543550"/>
-          </a:xfrm>
-          <a:prstGeom prst="rect">
-            <a:avLst/>
-          </a:prstGeom>
-          <a:noFill/>
         </p:spPr>
       </p:pic>
     </p:spTree>
@@ -16727,8 +16580,8 @@
         </p:nvSpPr>
         <p:spPr>
           <a:xfrm>
-            <a:off x="611188" y="2852738"/>
-            <a:ext cx="8229600" cy="1252537"/>
+            <a:off x="468313" y="476250"/>
+            <a:ext cx="8229600" cy="1250950"/>
           </a:xfrm>
         </p:spPr>
         <p:txBody>
@@ -16737,13 +16590,18 @@
           <a:p>
             <a:pPr eaLnBrk="1" hangingPunct="1"/>
             <a:r>
-              <a:rPr lang="es-PE" sz="4000" b="1" smtClean="0">
+              <a:rPr lang="en-US" b="1" smtClean="0">
                 <a:solidFill>
                   <a:schemeClr val="tx2"/>
                 </a:solidFill>
               </a:rPr>
-              <a:t>CASO DE USO DE NEGOCIO MAS IMPORTANTE</a:t>
+              <a:t>Diagrama de actividades</a:t>
             </a:r>
+            <a:endParaRPr lang="es-PE" b="1" smtClean="0">
+              <a:solidFill>
+                <a:schemeClr val="tx2"/>
+              </a:solidFill>
+            </a:endParaRPr>
           </a:p>
         </p:txBody>
       </p:sp>
@@ -16764,8 +16622,8 @@
         </p:blipFill>
         <p:spPr bwMode="auto">
           <a:xfrm>
-            <a:off x="107950" y="6092825"/>
-            <a:ext cx="1223963" cy="665163"/>
+            <a:off x="107950" y="6096000"/>
+            <a:ext cx="1223963" cy="666750"/>
           </a:xfrm>
           <a:prstGeom prst="rect">
             <a:avLst/>
@@ -16777,6 +16635,39 @@
             <a:headEnd/>
             <a:tailEnd/>
           </a:ln>
+        </p:spPr>
+      </p:pic>
+      <p:pic>
+        <p:nvPicPr>
+          <p:cNvPr id="29701" name="Picture 5"/>
+          <p:cNvPicPr>
+            <a:picLocks noChangeAspect="1" noChangeArrowheads="1"/>
+          </p:cNvPicPr>
+          <p:nvPr/>
+        </p:nvPicPr>
+        <p:blipFill>
+          <a:blip r:embed="rId3"/>
+          <a:srcRect l="8398" r="9779" b="1852"/>
+          <a:stretch>
+            <a:fillRect/>
+          </a:stretch>
+        </p:blipFill>
+        <p:spPr bwMode="auto">
+          <a:xfrm>
+            <a:off x="0" y="1700213"/>
+            <a:ext cx="8964613" cy="4111625"/>
+          </a:xfrm>
+          <a:prstGeom prst="rect">
+            <a:avLst/>
+          </a:prstGeom>
+          <a:noFill/>
+          <a:ln w="9525">
+            <a:noFill/>
+            <a:miter lim="800000"/>
+            <a:headEnd/>
+            <a:tailEnd/>
+          </a:ln>
+          <a:effectLst/>
         </p:spPr>
       </p:pic>
     </p:spTree>
@@ -16824,7 +16715,7 @@
         <p:spPr>
           <a:xfrm>
             <a:off x="468313" y="476250"/>
-            <a:ext cx="8229600" cy="1252538"/>
+            <a:ext cx="8229600" cy="1250950"/>
           </a:xfrm>
         </p:spPr>
         <p:txBody>
@@ -16838,7 +16729,7 @@
                   <a:schemeClr val="tx2"/>
                 </a:solidFill>
               </a:rPr>
-              <a:t>Diagrama de actividades</a:t>
+              <a:t>Diagrama de Clases</a:t>
             </a:r>
             <a:endParaRPr lang="es-PE" b="1" smtClean="0">
               <a:solidFill>
@@ -16865,8 +16756,8 @@
         </p:blipFill>
         <p:spPr bwMode="auto">
           <a:xfrm>
-            <a:off x="107950" y="6092825"/>
-            <a:ext cx="1223963" cy="665163"/>
+            <a:off x="107950" y="6096000"/>
+            <a:ext cx="1223963" cy="666750"/>
           </a:xfrm>
           <a:prstGeom prst="rect">
             <a:avLst/>
@@ -16878,6 +16769,39 @@
             <a:headEnd/>
             <a:tailEnd/>
           </a:ln>
+        </p:spPr>
+      </p:pic>
+      <p:pic>
+        <p:nvPicPr>
+          <p:cNvPr id="30724" name="Picture 4"/>
+          <p:cNvPicPr>
+            <a:picLocks noChangeAspect="1" noChangeArrowheads="1"/>
+          </p:cNvPicPr>
+          <p:nvPr/>
+        </p:nvPicPr>
+        <p:blipFill>
+          <a:blip r:embed="rId3"/>
+          <a:srcRect l="12485" r="8926"/>
+          <a:stretch>
+            <a:fillRect/>
+          </a:stretch>
+        </p:blipFill>
+        <p:spPr bwMode="auto">
+          <a:xfrm>
+            <a:off x="1044575" y="1492250"/>
+            <a:ext cx="7848600" cy="5146675"/>
+          </a:xfrm>
+          <a:prstGeom prst="rect">
+            <a:avLst/>
+          </a:prstGeom>
+          <a:noFill/>
+          <a:ln w="9525">
+            <a:noFill/>
+            <a:miter lim="800000"/>
+            <a:headEnd/>
+            <a:tailEnd/>
+          </a:ln>
+          <a:effectLst/>
         </p:spPr>
       </p:pic>
     </p:spTree>
@@ -16925,7 +16849,7 @@
         <p:spPr>
           <a:xfrm>
             <a:off x="468313" y="476250"/>
-            <a:ext cx="8229600" cy="1252538"/>
+            <a:ext cx="8229600" cy="1250950"/>
           </a:xfrm>
         </p:spPr>
         <p:txBody>
@@ -16939,7 +16863,7 @@
                   <a:schemeClr val="tx2"/>
                 </a:solidFill>
               </a:rPr>
-              <a:t>Diagrama de Clases</a:t>
+              <a:t>Conclusiones</a:t>
             </a:r>
             <a:endParaRPr lang="es-PE" b="1" smtClean="0">
               <a:solidFill>
@@ -16966,8 +16890,8 @@
         </p:blipFill>
         <p:spPr bwMode="auto">
           <a:xfrm>
-            <a:off x="107950" y="6092825"/>
-            <a:ext cx="1223963" cy="665163"/>
+            <a:off x="107950" y="6096000"/>
+            <a:ext cx="1223963" cy="666750"/>
           </a:xfrm>
           <a:prstGeom prst="rect">
             <a:avLst/>
@@ -16979,6 +16903,96 @@
             <a:headEnd/>
             <a:tailEnd/>
           </a:ln>
+        </p:spPr>
+      </p:pic>
+      <p:pic>
+        <p:nvPicPr>
+          <p:cNvPr id="31747" name="Picture 5" descr="gde_noti_app"/>
+          <p:cNvPicPr>
+            <a:picLocks noChangeAspect="1" noChangeArrowheads="1"/>
+          </p:cNvPicPr>
+          <p:nvPr/>
+        </p:nvPicPr>
+        <p:blipFill>
+          <a:blip r:embed="rId3"/>
+          <a:srcRect l="23572" r="28847" b="13516"/>
+          <a:stretch>
+            <a:fillRect/>
+          </a:stretch>
+        </p:blipFill>
+        <p:spPr bwMode="auto">
+          <a:xfrm>
+            <a:off x="6877050" y="5445125"/>
+            <a:ext cx="1944688" cy="1238250"/>
+          </a:xfrm>
+          <a:prstGeom prst="rect">
+            <a:avLst/>
+          </a:prstGeom>
+          <a:noFill/>
+          <a:ln w="9525">
+            <a:noFill/>
+            <a:miter lim="800000"/>
+            <a:headEnd/>
+            <a:tailEnd/>
+          </a:ln>
+        </p:spPr>
+      </p:pic>
+      <p:pic>
+        <p:nvPicPr>
+          <p:cNvPr id="31748" name="Picture 7" descr="Las-8-diferencias-entre-las-organizaciones-est%25C3%25A1ticas-e-innovadoras"/>
+          <p:cNvPicPr>
+            <a:picLocks noChangeAspect="1" noChangeArrowheads="1"/>
+          </p:cNvPicPr>
+          <p:nvPr/>
+        </p:nvPicPr>
+        <p:blipFill>
+          <a:blip r:embed="rId4"/>
+          <a:srcRect/>
+          <a:stretch>
+            <a:fillRect/>
+          </a:stretch>
+        </p:blipFill>
+        <p:spPr bwMode="auto">
+          <a:xfrm>
+            <a:off x="468313" y="2060575"/>
+            <a:ext cx="2016125" cy="2011363"/>
+          </a:xfrm>
+          <a:prstGeom prst="rect">
+            <a:avLst/>
+          </a:prstGeom>
+          <a:noFill/>
+          <a:ln w="9525">
+            <a:noFill/>
+            <a:miter lim="800000"/>
+            <a:headEnd/>
+            <a:tailEnd/>
+          </a:ln>
+        </p:spPr>
+      </p:pic>
+      <p:pic>
+        <p:nvPicPr>
+          <p:cNvPr id="31751" name="Picture 7" descr="20071108-literature2"/>
+          <p:cNvPicPr>
+            <a:picLocks noChangeAspect="1" noChangeArrowheads="1"/>
+          </p:cNvPicPr>
+          <p:nvPr/>
+        </p:nvPicPr>
+        <p:blipFill>
+          <a:blip r:embed="rId5"/>
+          <a:srcRect/>
+          <a:stretch>
+            <a:fillRect/>
+          </a:stretch>
+        </p:blipFill>
+        <p:spPr bwMode="auto">
+          <a:xfrm>
+            <a:off x="3276600" y="2276475"/>
+            <a:ext cx="2835275" cy="4103688"/>
+          </a:xfrm>
+          <a:prstGeom prst="rect">
+            <a:avLst/>
+          </a:prstGeom>
+          <a:noFill/>
         </p:spPr>
       </p:pic>
     </p:spTree>
@@ -17015,160 +17029,7 @@
       </p:grpSpPr>
       <p:sp>
         <p:nvSpPr>
-          <p:cNvPr id="32769" name="2 Título"/>
-          <p:cNvSpPr>
-            <a:spLocks noGrp="1"/>
-          </p:cNvSpPr>
-          <p:nvPr>
-            <p:ph type="title" idx="4294967295"/>
-          </p:nvPr>
-        </p:nvSpPr>
-        <p:spPr>
-          <a:xfrm>
-            <a:off x="468313" y="476250"/>
-            <a:ext cx="8229600" cy="1252538"/>
-          </a:xfrm>
-        </p:spPr>
-        <p:txBody>
-          <a:bodyPr/>
-          <a:lstStyle/>
-          <a:p>
-            <a:pPr eaLnBrk="1" hangingPunct="1"/>
-            <a:r>
-              <a:rPr lang="en-US" b="1" smtClean="0">
-                <a:solidFill>
-                  <a:schemeClr val="tx2"/>
-                </a:solidFill>
-              </a:rPr>
-              <a:t>Conclusiones</a:t>
-            </a:r>
-            <a:endParaRPr lang="es-PE" b="1" smtClean="0">
-              <a:solidFill>
-                <a:schemeClr val="tx2"/>
-              </a:solidFill>
-            </a:endParaRPr>
-          </a:p>
-        </p:txBody>
-      </p:sp>
-      <p:pic>
-        <p:nvPicPr>
-          <p:cNvPr id="32770" name="Picture 2"/>
-          <p:cNvPicPr>
-            <a:picLocks noChangeAspect="1" noChangeArrowheads="1"/>
-          </p:cNvPicPr>
-          <p:nvPr/>
-        </p:nvPicPr>
-        <p:blipFill>
-          <a:blip r:embed="rId2"/>
-          <a:srcRect/>
-          <a:stretch>
-            <a:fillRect/>
-          </a:stretch>
-        </p:blipFill>
-        <p:spPr bwMode="auto">
-          <a:xfrm>
-            <a:off x="107950" y="6092825"/>
-            <a:ext cx="1223963" cy="665163"/>
-          </a:xfrm>
-          <a:prstGeom prst="rect">
-            <a:avLst/>
-          </a:prstGeom>
-          <a:noFill/>
-          <a:ln w="9525">
-            <a:noFill/>
-            <a:miter lim="800000"/>
-            <a:headEnd/>
-            <a:tailEnd/>
-          </a:ln>
-        </p:spPr>
-      </p:pic>
-      <p:pic>
-        <p:nvPicPr>
-          <p:cNvPr id="32773" name="Picture 5" descr="gde_noti_app"/>
-          <p:cNvPicPr>
-            <a:picLocks noChangeAspect="1" noChangeArrowheads="1"/>
-          </p:cNvPicPr>
-          <p:nvPr/>
-        </p:nvPicPr>
-        <p:blipFill>
-          <a:blip r:embed="rId3"/>
-          <a:srcRect l="23572" r="28847" b="13516"/>
-          <a:stretch>
-            <a:fillRect/>
-          </a:stretch>
-        </p:blipFill>
-        <p:spPr bwMode="auto">
-          <a:xfrm>
-            <a:off x="2843213" y="3573463"/>
-            <a:ext cx="1944687" cy="1241425"/>
-          </a:xfrm>
-          <a:prstGeom prst="rect">
-            <a:avLst/>
-          </a:prstGeom>
-          <a:noFill/>
-        </p:spPr>
-      </p:pic>
-      <p:pic>
-        <p:nvPicPr>
-          <p:cNvPr id="32775" name="Picture 7" descr="Las-8-diferencias-entre-las-organizaciones-est%25C3%25A1ticas-e-innovadoras"/>
-          <p:cNvPicPr>
-            <a:picLocks noChangeAspect="1" noChangeArrowheads="1"/>
-          </p:cNvPicPr>
-          <p:nvPr/>
-        </p:nvPicPr>
-        <p:blipFill>
-          <a:blip r:embed="rId4"/>
-          <a:srcRect/>
-          <a:stretch>
-            <a:fillRect/>
-          </a:stretch>
-        </p:blipFill>
-        <p:spPr bwMode="auto">
-          <a:xfrm>
-            <a:off x="468313" y="2060575"/>
-            <a:ext cx="2016125" cy="2016125"/>
-          </a:xfrm>
-          <a:prstGeom prst="rect">
-            <a:avLst/>
-          </a:prstGeom>
-          <a:noFill/>
-        </p:spPr>
-      </p:pic>
-    </p:spTree>
-  </p:cSld>
-  <p:clrMapOvr>
-    <a:masterClrMapping/>
-  </p:clrMapOvr>
-  <p:timing>
-    <p:tnLst>
-      <p:par>
-        <p:cTn id="1" dur="indefinite" restart="never" nodeType="tmRoot"/>
-      </p:par>
-    </p:tnLst>
-  </p:timing>
-</p:sld>
-</file>
-
-<file path=ppt/slides/slide18.xml><?xml version="1.0" encoding="utf-8"?>
-<p:sld xmlns:a="http://schemas.openxmlformats.org/drawingml/2006/main" xmlns:r="http://schemas.openxmlformats.org/officeDocument/2006/relationships" xmlns:p="http://schemas.openxmlformats.org/presentationml/2006/main">
-  <p:cSld>
-    <p:spTree>
-      <p:nvGrpSpPr>
-        <p:cNvPr id="1" name=""/>
-        <p:cNvGrpSpPr/>
-        <p:nvPr/>
-      </p:nvGrpSpPr>
-      <p:grpSpPr>
-        <a:xfrm>
-          <a:off x="0" y="0"/>
-          <a:ext cx="0" cy="0"/>
-          <a:chOff x="0" y="0"/>
-          <a:chExt cx="0" cy="0"/>
-        </a:xfrm>
-      </p:grpSpPr>
-      <p:sp>
-        <p:nvSpPr>
-          <p:cNvPr id="33793" name="1 Título"/>
+          <p:cNvPr id="32769" name="1 Título"/>
           <p:cNvSpPr>
             <a:spLocks noGrp="1"/>
           </p:cNvSpPr>
@@ -17178,8 +17039,8 @@
         </p:nvSpPr>
         <p:spPr>
           <a:xfrm>
-            <a:off x="468313" y="1341438"/>
-            <a:ext cx="8280400" cy="1584325"/>
+            <a:off x="468313" y="1346200"/>
+            <a:ext cx="8280400" cy="1582738"/>
           </a:xfrm>
         </p:spPr>
         <p:txBody>
@@ -17188,7 +17049,7 @@
           <a:p>
             <a:pPr eaLnBrk="1" hangingPunct="1"/>
             <a:r>
-              <a:rPr lang="es-PE" sz="4000" smtClean="0"/>
+              <a:rPr lang="es-PE" sz="4100" smtClean="0"/>
               <a:t>Sistema de Captura móvil y monitoreo de procesos de campo para una Entidad encuestadora</a:t>
             </a:r>
           </a:p>
@@ -17196,7 +17057,7 @@
       </p:sp>
       <p:sp>
         <p:nvSpPr>
-          <p:cNvPr id="33794" name="3 CuadroTexto"/>
+          <p:cNvPr id="32770" name="3 CuadroTexto"/>
           <p:cNvSpPr txBox="1">
             <a:spLocks noChangeArrowheads="1"/>
           </p:cNvSpPr>
@@ -17204,8 +17065,8 @@
         </p:nvSpPr>
         <p:spPr bwMode="auto">
           <a:xfrm>
-            <a:off x="4459288" y="3573463"/>
-            <a:ext cx="4186237" cy="1552575"/>
+            <a:off x="4459288" y="3571875"/>
+            <a:ext cx="4186237" cy="1560513"/>
           </a:xfrm>
           <a:prstGeom prst="rect">
             <a:avLst/>
@@ -17219,20 +17080,20 @@
           </a:ln>
         </p:spPr>
         <p:txBody>
-          <a:bodyPr>
+          <a:bodyPr lIns="91422" tIns="45711" rIns="91422" bIns="45711">
             <a:spAutoFit/>
           </a:bodyPr>
           <a:lstStyle/>
           <a:p>
             <a:pPr algn="r"/>
-            <a:endParaRPr lang="es-PE" sz="2400">
+            <a:endParaRPr lang="es-PE" sz="2300">
               <a:latin typeface="Candara" pitchFamily="34" charset="0"/>
             </a:endParaRPr>
           </a:p>
           <a:p>
             <a:pPr algn="r"/>
             <a:r>
-              <a:rPr lang="es-PE" sz="2400">
+              <a:rPr lang="es-PE" sz="2300">
                 <a:latin typeface="Candara" pitchFamily="34" charset="0"/>
               </a:rPr>
               <a:t>Gabriela Rojas Munive </a:t>
@@ -17241,7 +17102,7 @@
           <a:p>
             <a:pPr algn="r"/>
             <a:r>
-              <a:rPr lang="es-PE" sz="2400">
+              <a:rPr lang="es-PE" sz="2300">
                 <a:latin typeface="Candara" pitchFamily="34" charset="0"/>
               </a:rPr>
               <a:t>Augusto Suárez Gutiérrez</a:t>
@@ -17249,7 +17110,7 @@
           </a:p>
           <a:p>
             <a:pPr algn="r"/>
-            <a:endParaRPr lang="es-PE" sz="2400">
+            <a:endParaRPr lang="es-PE" sz="2300">
               <a:solidFill>
                 <a:schemeClr val="bg1"/>
               </a:solidFill>
@@ -17260,7 +17121,7 @@
       </p:sp>
       <p:sp>
         <p:nvSpPr>
-          <p:cNvPr id="33795" name="4 CuadroTexto"/>
+          <p:cNvPr id="32771" name="4 CuadroTexto"/>
           <p:cNvSpPr txBox="1">
             <a:spLocks noChangeArrowheads="1"/>
           </p:cNvSpPr>
@@ -17268,8 +17129,8 @@
         </p:nvSpPr>
         <p:spPr bwMode="auto">
           <a:xfrm>
-            <a:off x="468313" y="4292600"/>
-            <a:ext cx="3455987" cy="923925"/>
+            <a:off x="468313" y="4298950"/>
+            <a:ext cx="3457575" cy="915988"/>
           </a:xfrm>
           <a:prstGeom prst="rect">
             <a:avLst/>
@@ -17283,7 +17144,7 @@
           </a:ln>
         </p:spPr>
         <p:txBody>
-          <a:bodyPr>
+          <a:bodyPr lIns="91422" tIns="45711" rIns="91422" bIns="45711">
             <a:spAutoFit/>
           </a:bodyPr>
           <a:lstStyle/>
@@ -17298,7 +17159,7 @@
               <a:t>GRACIAS </a:t>
             </a:r>
             <a:r>
-              <a:rPr lang="es-PE" sz="4800">
+              <a:rPr lang="es-PE" sz="4900">
                 <a:solidFill>
                   <a:schemeClr val="bg1"/>
                 </a:solidFill>
@@ -17343,7 +17204,7 @@
       </p:grpSpPr>
       <p:sp>
         <p:nvSpPr>
-          <p:cNvPr id="16385" name="2 Título"/>
+          <p:cNvPr id="17409" name="2 Título"/>
           <p:cNvSpPr>
             <a:spLocks noGrp="1"/>
           </p:cNvSpPr>
@@ -17353,8 +17214,8 @@
         </p:nvSpPr>
         <p:spPr>
           <a:xfrm>
-            <a:off x="611188" y="2852738"/>
-            <a:ext cx="8229600" cy="1252537"/>
+            <a:off x="468313" y="476250"/>
+            <a:ext cx="8229600" cy="1250950"/>
           </a:xfrm>
         </p:spPr>
         <p:txBody>
@@ -17363,19 +17224,24 @@
           <a:p>
             <a:pPr eaLnBrk="1" hangingPunct="1"/>
             <a:r>
-              <a:rPr lang="es-PE" b="1" smtClean="0">
+              <a:rPr lang="en-US" b="1" smtClean="0">
                 <a:solidFill>
                   <a:schemeClr val="tx2"/>
                 </a:solidFill>
               </a:rPr>
-              <a:t>INTRODUCCION</a:t>
+              <a:t>Introducción</a:t>
             </a:r>
+            <a:endParaRPr lang="es-PE" b="1" smtClean="0">
+              <a:solidFill>
+                <a:schemeClr val="tx2"/>
+              </a:solidFill>
+            </a:endParaRPr>
           </a:p>
         </p:txBody>
       </p:sp>
       <p:pic>
         <p:nvPicPr>
-          <p:cNvPr id="16386" name="Picture 2"/>
+          <p:cNvPr id="17410" name="Picture 2"/>
           <p:cNvPicPr>
             <a:picLocks noChangeAspect="1" noChangeArrowheads="1"/>
           </p:cNvPicPr>
@@ -17390,8 +17256,40 @@
         </p:blipFill>
         <p:spPr bwMode="auto">
           <a:xfrm>
-            <a:off x="107950" y="6092825"/>
-            <a:ext cx="1223963" cy="665163"/>
+            <a:off x="107950" y="6096000"/>
+            <a:ext cx="1223963" cy="666750"/>
+          </a:xfrm>
+          <a:prstGeom prst="rect">
+            <a:avLst/>
+          </a:prstGeom>
+          <a:noFill/>
+          <a:ln w="9525">
+            <a:noFill/>
+            <a:miter lim="800000"/>
+            <a:headEnd/>
+            <a:tailEnd/>
+          </a:ln>
+        </p:spPr>
+      </p:pic>
+      <p:pic>
+        <p:nvPicPr>
+          <p:cNvPr id="17411" name="Picture 6" descr="tesis"/>
+          <p:cNvPicPr>
+            <a:picLocks noChangeAspect="1" noChangeArrowheads="1"/>
+          </p:cNvPicPr>
+          <p:nvPr/>
+        </p:nvPicPr>
+        <p:blipFill>
+          <a:blip r:embed="rId3"/>
+          <a:srcRect/>
+          <a:stretch>
+            <a:fillRect/>
+          </a:stretch>
+        </p:blipFill>
+        <p:spPr bwMode="auto">
+          <a:xfrm>
+            <a:off x="3635375" y="2928938"/>
+            <a:ext cx="2520950" cy="2346325"/>
           </a:xfrm>
           <a:prstGeom prst="rect">
             <a:avLst/>
@@ -17439,139 +17337,6 @@
       </p:grpSpPr>
       <p:sp>
         <p:nvSpPr>
-          <p:cNvPr id="17409" name="2 Título"/>
-          <p:cNvSpPr>
-            <a:spLocks noGrp="1"/>
-          </p:cNvSpPr>
-          <p:nvPr>
-            <p:ph type="title" idx="4294967295"/>
-          </p:nvPr>
-        </p:nvSpPr>
-        <p:spPr>
-          <a:xfrm>
-            <a:off x="468313" y="476250"/>
-            <a:ext cx="8229600" cy="1252538"/>
-          </a:xfrm>
-        </p:spPr>
-        <p:txBody>
-          <a:bodyPr/>
-          <a:lstStyle/>
-          <a:p>
-            <a:pPr eaLnBrk="1" hangingPunct="1"/>
-            <a:r>
-              <a:rPr lang="en-US" b="1" smtClean="0">
-                <a:solidFill>
-                  <a:schemeClr val="tx2"/>
-                </a:solidFill>
-              </a:rPr>
-              <a:t>Introducción</a:t>
-            </a:r>
-            <a:endParaRPr lang="es-PE" b="1" smtClean="0">
-              <a:solidFill>
-                <a:schemeClr val="tx2"/>
-              </a:solidFill>
-            </a:endParaRPr>
-          </a:p>
-        </p:txBody>
-      </p:sp>
-      <p:pic>
-        <p:nvPicPr>
-          <p:cNvPr id="17410" name="Picture 2"/>
-          <p:cNvPicPr>
-            <a:picLocks noChangeAspect="1" noChangeArrowheads="1"/>
-          </p:cNvPicPr>
-          <p:nvPr/>
-        </p:nvPicPr>
-        <p:blipFill>
-          <a:blip r:embed="rId2"/>
-          <a:srcRect/>
-          <a:stretch>
-            <a:fillRect/>
-          </a:stretch>
-        </p:blipFill>
-        <p:spPr bwMode="auto">
-          <a:xfrm>
-            <a:off x="107950" y="6092825"/>
-            <a:ext cx="1223963" cy="665163"/>
-          </a:xfrm>
-          <a:prstGeom prst="rect">
-            <a:avLst/>
-          </a:prstGeom>
-          <a:noFill/>
-          <a:ln w="9525">
-            <a:noFill/>
-            <a:miter lim="800000"/>
-            <a:headEnd/>
-            <a:tailEnd/>
-          </a:ln>
-        </p:spPr>
-      </p:pic>
-      <p:pic>
-        <p:nvPicPr>
-          <p:cNvPr id="17411" name="Picture 6" descr="tesis"/>
-          <p:cNvPicPr>
-            <a:picLocks noChangeAspect="1" noChangeArrowheads="1"/>
-          </p:cNvPicPr>
-          <p:nvPr/>
-        </p:nvPicPr>
-        <p:blipFill>
-          <a:blip r:embed="rId3"/>
-          <a:srcRect/>
-          <a:stretch>
-            <a:fillRect/>
-          </a:stretch>
-        </p:blipFill>
-        <p:spPr bwMode="auto">
-          <a:xfrm>
-            <a:off x="3635375" y="2924175"/>
-            <a:ext cx="2520950" cy="2344738"/>
-          </a:xfrm>
-          <a:prstGeom prst="rect">
-            <a:avLst/>
-          </a:prstGeom>
-          <a:noFill/>
-          <a:ln w="9525">
-            <a:noFill/>
-            <a:miter lim="800000"/>
-            <a:headEnd/>
-            <a:tailEnd/>
-          </a:ln>
-        </p:spPr>
-      </p:pic>
-    </p:spTree>
-  </p:cSld>
-  <p:clrMapOvr>
-    <a:masterClrMapping/>
-  </p:clrMapOvr>
-  <p:timing>
-    <p:tnLst>
-      <p:par>
-        <p:cTn id="1" dur="indefinite" restart="never" nodeType="tmRoot"/>
-      </p:par>
-    </p:tnLst>
-  </p:timing>
-</p:sld>
-</file>
-
-<file path=ppt/slides/slide4.xml><?xml version="1.0" encoding="utf-8"?>
-<p:sld xmlns:a="http://schemas.openxmlformats.org/drawingml/2006/main" xmlns:r="http://schemas.openxmlformats.org/officeDocument/2006/relationships" xmlns:p="http://schemas.openxmlformats.org/presentationml/2006/main">
-  <p:cSld>
-    <p:spTree>
-      <p:nvGrpSpPr>
-        <p:cNvPr id="1" name=""/>
-        <p:cNvGrpSpPr/>
-        <p:nvPr/>
-      </p:nvGrpSpPr>
-      <p:grpSpPr>
-        <a:xfrm>
-          <a:off x="0" y="0"/>
-          <a:ext cx="0" cy="0"/>
-          <a:chOff x="0" y="0"/>
-          <a:chExt cx="0" cy="0"/>
-        </a:xfrm>
-      </p:grpSpPr>
-      <p:sp>
-        <p:nvSpPr>
           <p:cNvPr id="18433" name="2 Título"/>
           <p:cNvSpPr>
             <a:spLocks noGrp="1"/>
@@ -17582,8 +17347,8 @@
         </p:nvSpPr>
         <p:spPr>
           <a:xfrm>
-            <a:off x="611188" y="2852738"/>
-            <a:ext cx="8229600" cy="1252537"/>
+            <a:off x="611188" y="2857500"/>
+            <a:ext cx="8229600" cy="1250950"/>
           </a:xfrm>
         </p:spPr>
         <p:txBody>
@@ -17619,8 +17384,8 @@
         </p:blipFill>
         <p:spPr bwMode="auto">
           <a:xfrm>
-            <a:off x="107950" y="6092825"/>
-            <a:ext cx="1223963" cy="665163"/>
+            <a:off x="107950" y="6096000"/>
+            <a:ext cx="1223963" cy="666750"/>
           </a:xfrm>
           <a:prstGeom prst="rect">
             <a:avLst/>
@@ -17649,8 +17414,8 @@
 </p:sld>
 </file>
 
-<file path=ppt/slides/slide5.xml><?xml version="1.0" encoding="utf-8"?>
-<p:sld xmlns:a="http://schemas.openxmlformats.org/drawingml/2006/main" xmlns:r="http://schemas.openxmlformats.org/officeDocument/2006/relationships" xmlns:p="http://schemas.openxmlformats.org/presentationml/2006/main">
+<file path=ppt/slides/slide4.xml><?xml version="1.0" encoding="utf-8"?>
+<p:sld xmlns:a="http://schemas.openxmlformats.org/drawingml/2006/main" xmlns:r="http://schemas.openxmlformats.org/officeDocument/2006/relationships" xmlns:p="http://schemas.openxmlformats.org/presentationml/2006/main" showMasterPhAnim="0">
   <p:cSld>
     <p:spTree>
       <p:nvGrpSpPr>
@@ -17679,7 +17444,7 @@
         <p:spPr>
           <a:xfrm>
             <a:off x="468313" y="476250"/>
-            <a:ext cx="8229600" cy="1252538"/>
+            <a:ext cx="8229600" cy="1250950"/>
           </a:xfrm>
         </p:spPr>
         <p:txBody>
@@ -17720,8 +17485,8 @@
         </p:blipFill>
         <p:spPr bwMode="auto">
           <a:xfrm>
-            <a:off x="107950" y="6092825"/>
-            <a:ext cx="1223963" cy="665163"/>
+            <a:off x="107950" y="6096000"/>
+            <a:ext cx="1223963" cy="666750"/>
           </a:xfrm>
           <a:prstGeom prst="rect">
             <a:avLst/>
@@ -17746,7 +17511,7 @@
         <p:spPr bwMode="auto">
           <a:xfrm>
             <a:off x="7164388" y="5203825"/>
-            <a:ext cx="1728787" cy="457200"/>
+            <a:ext cx="1730375" cy="452438"/>
           </a:xfrm>
           <a:prstGeom prst="rect">
             <a:avLst/>
@@ -17760,7 +17525,7 @@
           </a:ln>
         </p:spPr>
         <p:txBody>
-          <a:bodyPr>
+          <a:bodyPr lIns="91422" tIns="45711" rIns="91422" bIns="45711">
             <a:spAutoFit/>
           </a:bodyPr>
           <a:lstStyle/>
@@ -17771,7 +17536,7 @@
               </a:spcBef>
             </a:pPr>
             <a:r>
-              <a:rPr lang="es-ES" sz="2400" b="1">
+              <a:rPr lang="es-ES" sz="2300" b="1">
                 <a:solidFill>
                   <a:srgbClr val="8C2902"/>
                 </a:solidFill>
@@ -17791,8 +17556,8 @@
         </p:nvSpPr>
         <p:spPr bwMode="auto">
           <a:xfrm>
-            <a:off x="3276600" y="4581525"/>
-            <a:ext cx="3240088" cy="822325"/>
+            <a:off x="3276600" y="4584700"/>
+            <a:ext cx="3240088" cy="820738"/>
           </a:xfrm>
           <a:prstGeom prst="rect">
             <a:avLst/>
@@ -17806,7 +17571,7 @@
           </a:ln>
         </p:spPr>
         <p:txBody>
-          <a:bodyPr>
+          <a:bodyPr lIns="91422" tIns="45711" rIns="91422" bIns="45711">
             <a:spAutoFit/>
           </a:bodyPr>
           <a:lstStyle/>
@@ -17817,7 +17582,7 @@
               </a:spcBef>
             </a:pPr>
             <a:r>
-              <a:rPr lang="es-ES" sz="2400" b="1">
+              <a:rPr lang="es-ES" sz="2300" b="1">
                 <a:solidFill>
                   <a:srgbClr val="8C2902"/>
                 </a:solidFill>
@@ -17837,8 +17602,8 @@
         </p:nvSpPr>
         <p:spPr bwMode="auto">
           <a:xfrm>
-            <a:off x="4140200" y="5559425"/>
-            <a:ext cx="2808288" cy="822325"/>
+            <a:off x="4140200" y="5561013"/>
+            <a:ext cx="2809875" cy="820737"/>
           </a:xfrm>
           <a:prstGeom prst="rect">
             <a:avLst/>
@@ -17852,7 +17617,7 @@
           </a:ln>
         </p:spPr>
         <p:txBody>
-          <a:bodyPr>
+          <a:bodyPr lIns="91422" tIns="45711" rIns="91422" bIns="45711">
             <a:spAutoFit/>
           </a:bodyPr>
           <a:lstStyle/>
@@ -17863,7 +17628,7 @@
               </a:spcBef>
             </a:pPr>
             <a:r>
-              <a:rPr lang="es-ES" sz="2400" b="1">
+              <a:rPr lang="es-ES" sz="2300" b="1">
                 <a:solidFill>
                   <a:srgbClr val="8C2902"/>
                 </a:solidFill>
@@ -17883,8 +17648,8 @@
         </p:nvSpPr>
         <p:spPr bwMode="auto">
           <a:xfrm>
-            <a:off x="-36513" y="4652963"/>
-            <a:ext cx="2951163" cy="822325"/>
+            <a:off x="-36513" y="4656138"/>
+            <a:ext cx="2951163" cy="820737"/>
           </a:xfrm>
           <a:prstGeom prst="rect">
             <a:avLst/>
@@ -17898,7 +17663,7 @@
           </a:ln>
         </p:spPr>
         <p:txBody>
-          <a:bodyPr>
+          <a:bodyPr lIns="91422" tIns="45711" rIns="91422" bIns="45711">
             <a:spAutoFit/>
           </a:bodyPr>
           <a:lstStyle/>
@@ -17909,7 +17674,7 @@
               </a:spcBef>
             </a:pPr>
             <a:r>
-              <a:rPr lang="es-ES" sz="2400" b="1">
+              <a:rPr lang="es-ES" sz="2300" b="1">
                 <a:solidFill>
                   <a:srgbClr val="8C2902"/>
                 </a:solidFill>
@@ -17929,8 +17694,8 @@
         </p:nvSpPr>
         <p:spPr bwMode="auto">
           <a:xfrm>
-            <a:off x="755650" y="5851525"/>
-            <a:ext cx="2232025" cy="457200"/>
+            <a:off x="755650" y="5846763"/>
+            <a:ext cx="2233613" cy="463550"/>
           </a:xfrm>
           <a:prstGeom prst="rect">
             <a:avLst/>
@@ -17944,7 +17709,7 @@
           </a:ln>
         </p:spPr>
         <p:txBody>
-          <a:bodyPr>
+          <a:bodyPr lIns="91422" tIns="45711" rIns="91422" bIns="45711">
             <a:spAutoFit/>
           </a:bodyPr>
           <a:lstStyle/>
@@ -17955,7 +17720,7 @@
               </a:spcBef>
             </a:pPr>
             <a:r>
-              <a:rPr lang="es-ES" sz="2400" b="1">
+              <a:rPr lang="es-ES" sz="2300" b="1">
                 <a:solidFill>
                   <a:srgbClr val="8C2902"/>
                 </a:solidFill>
@@ -17975,8 +17740,8 @@
         </p:nvSpPr>
         <p:spPr bwMode="auto">
           <a:xfrm>
-            <a:off x="611188" y="2636838"/>
-            <a:ext cx="8064500" cy="1584325"/>
+            <a:off x="611188" y="2632075"/>
+            <a:ext cx="8064500" cy="1595438"/>
           </a:xfrm>
           <a:prstGeom prst="rect">
             <a:avLst/>
@@ -17990,12 +17755,12 @@
           </a:ln>
         </p:spPr>
         <p:txBody>
-          <a:bodyPr anchor="b"/>
+          <a:bodyPr lIns="91422" tIns="45711" rIns="91422" bIns="45711" anchor="b"/>
           <a:lstStyle/>
           <a:p>
             <a:pPr algn="ctr"/>
             <a:r>
-              <a:rPr lang="es-PE" sz="3800">
+              <a:rPr lang="es-PE" sz="3900">
                 <a:latin typeface="Candara" pitchFamily="34" charset="0"/>
               </a:rPr>
               <a:t>Sistema de Captura móvil y monitoreo de procesos de campo para una Entidad encuestadora</a:t>
@@ -18005,7 +17770,7 @@
       </p:sp>
       <p:sp>
         <p:nvSpPr>
-          <p:cNvPr id="19467" name="Line 11"/>
+          <p:cNvPr id="19465" name="Line 11"/>
           <p:cNvSpPr>
             <a:spLocks noChangeShapeType="1"/>
           </p:cNvSpPr>
@@ -18013,8 +17778,8 @@
         </p:nvSpPr>
         <p:spPr bwMode="auto">
           <a:xfrm flipH="1">
-            <a:off x="1908175" y="4221163"/>
-            <a:ext cx="503238" cy="431800"/>
+            <a:off x="1909763" y="4227513"/>
+            <a:ext cx="501650" cy="428625"/>
           </a:xfrm>
           <a:prstGeom prst="line">
             <a:avLst/>
@@ -18028,7 +17793,6 @@
             <a:headEnd/>
             <a:tailEnd type="triangle" w="med" len="med"/>
           </a:ln>
-          <a:effectLst/>
         </p:spPr>
         <p:txBody>
           <a:bodyPr/>
@@ -18040,7 +17804,7 @@
       </p:sp>
       <p:sp>
         <p:nvSpPr>
-          <p:cNvPr id="19468" name="Line 12"/>
+          <p:cNvPr id="19466" name="Line 12"/>
           <p:cNvSpPr>
             <a:spLocks noChangeShapeType="1"/>
           </p:cNvSpPr>
@@ -18048,8 +17812,8 @@
         </p:nvSpPr>
         <p:spPr bwMode="auto">
           <a:xfrm>
-            <a:off x="4643438" y="4221163"/>
-            <a:ext cx="0" cy="360362"/>
+            <a:off x="4643438" y="4227513"/>
+            <a:ext cx="0" cy="357187"/>
           </a:xfrm>
           <a:prstGeom prst="line">
             <a:avLst/>
@@ -18063,7 +17827,6 @@
             <a:headEnd/>
             <a:tailEnd type="triangle" w="med" len="med"/>
           </a:ln>
-          <a:effectLst/>
         </p:spPr>
         <p:txBody>
           <a:bodyPr/>
@@ -18075,7 +17838,7 @@
       </p:sp>
       <p:sp>
         <p:nvSpPr>
-          <p:cNvPr id="19469" name="Line 13"/>
+          <p:cNvPr id="19467" name="Line 13"/>
           <p:cNvSpPr>
             <a:spLocks noChangeShapeType="1"/>
           </p:cNvSpPr>
@@ -18083,8 +17846,8 @@
         </p:nvSpPr>
         <p:spPr bwMode="auto">
           <a:xfrm>
-            <a:off x="6732588" y="4221163"/>
-            <a:ext cx="1223962" cy="936625"/>
+            <a:off x="6732588" y="4227513"/>
+            <a:ext cx="1225550" cy="928687"/>
           </a:xfrm>
           <a:prstGeom prst="line">
             <a:avLst/>
@@ -18098,7 +17861,6 @@
             <a:headEnd/>
             <a:tailEnd type="triangle" w="med" len="med"/>
           </a:ln>
-          <a:effectLst/>
         </p:spPr>
         <p:txBody>
           <a:bodyPr/>
@@ -18110,7 +17872,7 @@
       </p:sp>
       <p:sp>
         <p:nvSpPr>
-          <p:cNvPr id="19470" name="Line 14"/>
+          <p:cNvPr id="19468" name="Line 14"/>
           <p:cNvSpPr>
             <a:spLocks noChangeShapeType="1"/>
           </p:cNvSpPr>
@@ -18118,8 +17880,8 @@
         </p:nvSpPr>
         <p:spPr bwMode="auto">
           <a:xfrm flipH="1">
-            <a:off x="2555875" y="4149725"/>
-            <a:ext cx="1223963" cy="1727200"/>
+            <a:off x="2555875" y="4156075"/>
+            <a:ext cx="1223963" cy="1725613"/>
           </a:xfrm>
           <a:prstGeom prst="line">
             <a:avLst/>
@@ -18133,7 +17895,6 @@
             <a:headEnd/>
             <a:tailEnd type="triangle" w="med" len="med"/>
           </a:ln>
-          <a:effectLst/>
         </p:spPr>
         <p:txBody>
           <a:bodyPr/>
@@ -18145,7 +17906,7 @@
       </p:sp>
       <p:sp>
         <p:nvSpPr>
-          <p:cNvPr id="19471" name="Line 15"/>
+          <p:cNvPr id="19469" name="Line 15"/>
           <p:cNvSpPr>
             <a:spLocks noChangeShapeType="1"/>
           </p:cNvSpPr>
@@ -18153,8 +17914,8 @@
         </p:nvSpPr>
         <p:spPr bwMode="auto">
           <a:xfrm flipH="1">
-            <a:off x="6084888" y="4149725"/>
-            <a:ext cx="287337" cy="1439863"/>
+            <a:off x="6084888" y="4156075"/>
+            <a:ext cx="287337" cy="1428750"/>
           </a:xfrm>
           <a:prstGeom prst="line">
             <a:avLst/>
@@ -18168,7 +17929,6 @@
             <a:headEnd/>
             <a:tailEnd type="triangle" w="med" len="med"/>
           </a:ln>
-          <a:effectLst/>
         </p:spPr>
         <p:txBody>
           <a:bodyPr/>
@@ -18180,7 +17940,7 @@
       </p:sp>
       <p:sp>
         <p:nvSpPr>
-          <p:cNvPr id="19472" name="Line 16"/>
+          <p:cNvPr id="19470" name="Line 16"/>
           <p:cNvSpPr>
             <a:spLocks noChangeShapeType="1"/>
           </p:cNvSpPr>
@@ -18188,7 +17948,7 @@
         </p:nvSpPr>
         <p:spPr bwMode="auto">
           <a:xfrm>
-            <a:off x="684213" y="4076700"/>
+            <a:off x="684213" y="4071938"/>
             <a:ext cx="8064500" cy="0"/>
           </a:xfrm>
           <a:prstGeom prst="line">
@@ -18203,7 +17963,6 @@
             <a:headEnd/>
             <a:tailEnd/>
           </a:ln>
-          <a:effectLst/>
         </p:spPr>
         <p:txBody>
           <a:bodyPr/>
@@ -18221,14 +17980,978 @@
   <p:timing>
     <p:tnLst>
       <p:par>
-        <p:cTn id="1" dur="indefinite" restart="never" nodeType="tmRoot"/>
+        <p:cTn id="1" dur="indefinite" restart="never" nodeType="tmRoot">
+          <p:childTnLst>
+            <p:seq concurrent="1" nextAc="seek">
+              <p:cTn id="2" dur="indefinite" nodeType="mainSeq">
+                <p:childTnLst>
+                  <p:par>
+                    <p:cTn id="3" fill="hold">
+                      <p:stCondLst>
+                        <p:cond delay="indefinite"/>
+                      </p:stCondLst>
+                      <p:childTnLst>
+                        <p:par>
+                          <p:cTn id="4" fill="hold">
+                            <p:stCondLst>
+                              <p:cond delay="0"/>
+                            </p:stCondLst>
+                            <p:childTnLst>
+                              <p:par>
+                                <p:cTn id="5" presetID="5" presetClass="entr" presetSubtype="10" fill="hold" grpId="0" nodeType="clickEffect">
+                                  <p:stCondLst>
+                                    <p:cond delay="0"/>
+                                  </p:stCondLst>
+                                  <p:childTnLst>
+                                    <p:set>
+                                      <p:cBhvr>
+                                        <p:cTn id="6" dur="1" fill="hold">
+                                          <p:stCondLst>
+                                            <p:cond delay="0"/>
+                                          </p:stCondLst>
+                                        </p:cTn>
+                                        <p:tgtEl>
+                                          <p:spTgt spid="19470"/>
+                                        </p:tgtEl>
+                                        <p:attrNameLst>
+                                          <p:attrName>style.visibility</p:attrName>
+                                        </p:attrNameLst>
+                                      </p:cBhvr>
+                                      <p:to>
+                                        <p:strVal val="visible"/>
+                                      </p:to>
+                                    </p:set>
+                                    <p:animEffect transition="in" filter="checkerboard(across)">
+                                      <p:cBhvr>
+                                        <p:cTn id="7" dur="500"/>
+                                        <p:tgtEl>
+                                          <p:spTgt spid="19470"/>
+                                        </p:tgtEl>
+                                      </p:cBhvr>
+                                    </p:animEffect>
+                                  </p:childTnLst>
+                                </p:cTn>
+                              </p:par>
+                            </p:childTnLst>
+                          </p:cTn>
+                        </p:par>
+                      </p:childTnLst>
+                    </p:cTn>
+                  </p:par>
+                  <p:par>
+                    <p:cTn id="8" fill="hold">
+                      <p:stCondLst>
+                        <p:cond delay="indefinite"/>
+                      </p:stCondLst>
+                      <p:childTnLst>
+                        <p:par>
+                          <p:cTn id="9" fill="hold">
+                            <p:stCondLst>
+                              <p:cond delay="0"/>
+                            </p:stCondLst>
+                            <p:childTnLst>
+                              <p:par>
+                                <p:cTn id="10" presetID="5" presetClass="entr" presetSubtype="10" fill="hold" grpId="0" nodeType="clickEffect">
+                                  <p:stCondLst>
+                                    <p:cond delay="0"/>
+                                  </p:stCondLst>
+                                  <p:childTnLst>
+                                    <p:set>
+                                      <p:cBhvr>
+                                        <p:cTn id="11" dur="1" fill="hold">
+                                          <p:stCondLst>
+                                            <p:cond delay="0"/>
+                                          </p:stCondLst>
+                                        </p:cTn>
+                                        <p:tgtEl>
+                                          <p:spTgt spid="19465"/>
+                                        </p:tgtEl>
+                                        <p:attrNameLst>
+                                          <p:attrName>style.visibility</p:attrName>
+                                        </p:attrNameLst>
+                                      </p:cBhvr>
+                                      <p:to>
+                                        <p:strVal val="visible"/>
+                                      </p:to>
+                                    </p:set>
+                                    <p:animEffect transition="in" filter="checkerboard(across)">
+                                      <p:cBhvr>
+                                        <p:cTn id="12" dur="500"/>
+                                        <p:tgtEl>
+                                          <p:spTgt spid="19465"/>
+                                        </p:tgtEl>
+                                      </p:cBhvr>
+                                    </p:animEffect>
+                                  </p:childTnLst>
+                                </p:cTn>
+                              </p:par>
+                            </p:childTnLst>
+                          </p:cTn>
+                        </p:par>
+                      </p:childTnLst>
+                    </p:cTn>
+                  </p:par>
+                  <p:par>
+                    <p:cTn id="13" fill="hold">
+                      <p:stCondLst>
+                        <p:cond delay="indefinite"/>
+                      </p:stCondLst>
+                      <p:childTnLst>
+                        <p:par>
+                          <p:cTn id="14" fill="hold">
+                            <p:stCondLst>
+                              <p:cond delay="0"/>
+                            </p:stCondLst>
+                            <p:childTnLst>
+                              <p:par>
+                                <p:cTn id="15" presetID="35" presetClass="entr" presetSubtype="0" fill="hold" grpId="0" nodeType="clickEffect">
+                                  <p:stCondLst>
+                                    <p:cond delay="0"/>
+                                  </p:stCondLst>
+                                  <p:childTnLst>
+                                    <p:set>
+                                      <p:cBhvr>
+                                        <p:cTn id="16" dur="1" fill="hold">
+                                          <p:stCondLst>
+                                            <p:cond delay="0"/>
+                                          </p:stCondLst>
+                                        </p:cTn>
+                                        <p:tgtEl>
+                                          <p:spTgt spid="19462"/>
+                                        </p:tgtEl>
+                                        <p:attrNameLst>
+                                          <p:attrName>style.visibility</p:attrName>
+                                        </p:attrNameLst>
+                                      </p:cBhvr>
+                                      <p:to>
+                                        <p:strVal val="visible"/>
+                                      </p:to>
+                                    </p:set>
+                                    <p:animEffect transition="in" filter="fade">
+                                      <p:cBhvr>
+                                        <p:cTn id="17" dur="2000"/>
+                                        <p:tgtEl>
+                                          <p:spTgt spid="19462"/>
+                                        </p:tgtEl>
+                                      </p:cBhvr>
+                                    </p:animEffect>
+                                    <p:anim calcmode="lin" valueType="num">
+                                      <p:cBhvr>
+                                        <p:cTn id="18" dur="2000" fill="hold"/>
+                                        <p:tgtEl>
+                                          <p:spTgt spid="19462"/>
+                                        </p:tgtEl>
+                                        <p:attrNameLst>
+                                          <p:attrName>style.rotation</p:attrName>
+                                        </p:attrNameLst>
+                                      </p:cBhvr>
+                                      <p:tavLst>
+                                        <p:tav tm="0">
+                                          <p:val>
+                                            <p:fltVal val="720"/>
+                                          </p:val>
+                                        </p:tav>
+                                        <p:tav tm="100000">
+                                          <p:val>
+                                            <p:fltVal val="0"/>
+                                          </p:val>
+                                        </p:tav>
+                                      </p:tavLst>
+                                    </p:anim>
+                                    <p:anim calcmode="lin" valueType="num">
+                                      <p:cBhvr>
+                                        <p:cTn id="19" dur="2000" fill="hold"/>
+                                        <p:tgtEl>
+                                          <p:spTgt spid="19462"/>
+                                        </p:tgtEl>
+                                        <p:attrNameLst>
+                                          <p:attrName>ppt_h</p:attrName>
+                                        </p:attrNameLst>
+                                      </p:cBhvr>
+                                      <p:tavLst>
+                                        <p:tav tm="0">
+                                          <p:val>
+                                            <p:fltVal val="0"/>
+                                          </p:val>
+                                        </p:tav>
+                                        <p:tav tm="100000">
+                                          <p:val>
+                                            <p:strVal val="#ppt_h"/>
+                                          </p:val>
+                                        </p:tav>
+                                      </p:tavLst>
+                                    </p:anim>
+                                    <p:anim calcmode="lin" valueType="num">
+                                      <p:cBhvr>
+                                        <p:cTn id="20" dur="2000" fill="hold"/>
+                                        <p:tgtEl>
+                                          <p:spTgt spid="19462"/>
+                                        </p:tgtEl>
+                                        <p:attrNameLst>
+                                          <p:attrName>ppt_w</p:attrName>
+                                        </p:attrNameLst>
+                                      </p:cBhvr>
+                                      <p:tavLst>
+                                        <p:tav tm="0">
+                                          <p:val>
+                                            <p:fltVal val="0"/>
+                                          </p:val>
+                                        </p:tav>
+                                        <p:tav tm="100000">
+                                          <p:val>
+                                            <p:strVal val="#ppt_w"/>
+                                          </p:val>
+                                        </p:tav>
+                                      </p:tavLst>
+                                    </p:anim>
+                                  </p:childTnLst>
+                                </p:cTn>
+                              </p:par>
+                            </p:childTnLst>
+                          </p:cTn>
+                        </p:par>
+                      </p:childTnLst>
+                    </p:cTn>
+                  </p:par>
+                  <p:par>
+                    <p:cTn id="21" fill="hold">
+                      <p:stCondLst>
+                        <p:cond delay="indefinite"/>
+                      </p:stCondLst>
+                      <p:childTnLst>
+                        <p:par>
+                          <p:cTn id="22" fill="hold">
+                            <p:stCondLst>
+                              <p:cond delay="0"/>
+                            </p:stCondLst>
+                            <p:childTnLst>
+                              <p:par>
+                                <p:cTn id="23" presetID="5" presetClass="entr" presetSubtype="10" fill="hold" grpId="0" nodeType="clickEffect">
+                                  <p:stCondLst>
+                                    <p:cond delay="0"/>
+                                  </p:stCondLst>
+                                  <p:childTnLst>
+                                    <p:set>
+                                      <p:cBhvr>
+                                        <p:cTn id="24" dur="1" fill="hold">
+                                          <p:stCondLst>
+                                            <p:cond delay="0"/>
+                                          </p:stCondLst>
+                                        </p:cTn>
+                                        <p:tgtEl>
+                                          <p:spTgt spid="19468"/>
+                                        </p:tgtEl>
+                                        <p:attrNameLst>
+                                          <p:attrName>style.visibility</p:attrName>
+                                        </p:attrNameLst>
+                                      </p:cBhvr>
+                                      <p:to>
+                                        <p:strVal val="visible"/>
+                                      </p:to>
+                                    </p:set>
+                                    <p:animEffect transition="in" filter="checkerboard(across)">
+                                      <p:cBhvr>
+                                        <p:cTn id="25" dur="500"/>
+                                        <p:tgtEl>
+                                          <p:spTgt spid="19468"/>
+                                        </p:tgtEl>
+                                      </p:cBhvr>
+                                    </p:animEffect>
+                                  </p:childTnLst>
+                                </p:cTn>
+                              </p:par>
+                            </p:childTnLst>
+                          </p:cTn>
+                        </p:par>
+                      </p:childTnLst>
+                    </p:cTn>
+                  </p:par>
+                  <p:par>
+                    <p:cTn id="26" fill="hold">
+                      <p:stCondLst>
+                        <p:cond delay="indefinite"/>
+                      </p:stCondLst>
+                      <p:childTnLst>
+                        <p:par>
+                          <p:cTn id="27" fill="hold">
+                            <p:stCondLst>
+                              <p:cond delay="0"/>
+                            </p:stCondLst>
+                            <p:childTnLst>
+                              <p:par>
+                                <p:cTn id="28" presetID="35" presetClass="entr" presetSubtype="0" fill="hold" grpId="0" nodeType="clickEffect">
+                                  <p:stCondLst>
+                                    <p:cond delay="0"/>
+                                  </p:stCondLst>
+                                  <p:childTnLst>
+                                    <p:set>
+                                      <p:cBhvr>
+                                        <p:cTn id="29" dur="1" fill="hold">
+                                          <p:stCondLst>
+                                            <p:cond delay="0"/>
+                                          </p:stCondLst>
+                                        </p:cTn>
+                                        <p:tgtEl>
+                                          <p:spTgt spid="19463"/>
+                                        </p:tgtEl>
+                                        <p:attrNameLst>
+                                          <p:attrName>style.visibility</p:attrName>
+                                        </p:attrNameLst>
+                                      </p:cBhvr>
+                                      <p:to>
+                                        <p:strVal val="visible"/>
+                                      </p:to>
+                                    </p:set>
+                                    <p:animEffect transition="in" filter="fade">
+                                      <p:cBhvr>
+                                        <p:cTn id="30" dur="2000"/>
+                                        <p:tgtEl>
+                                          <p:spTgt spid="19463"/>
+                                        </p:tgtEl>
+                                      </p:cBhvr>
+                                    </p:animEffect>
+                                    <p:anim calcmode="lin" valueType="num">
+                                      <p:cBhvr>
+                                        <p:cTn id="31" dur="2000" fill="hold"/>
+                                        <p:tgtEl>
+                                          <p:spTgt spid="19463"/>
+                                        </p:tgtEl>
+                                        <p:attrNameLst>
+                                          <p:attrName>style.rotation</p:attrName>
+                                        </p:attrNameLst>
+                                      </p:cBhvr>
+                                      <p:tavLst>
+                                        <p:tav tm="0">
+                                          <p:val>
+                                            <p:fltVal val="720"/>
+                                          </p:val>
+                                        </p:tav>
+                                        <p:tav tm="100000">
+                                          <p:val>
+                                            <p:fltVal val="0"/>
+                                          </p:val>
+                                        </p:tav>
+                                      </p:tavLst>
+                                    </p:anim>
+                                    <p:anim calcmode="lin" valueType="num">
+                                      <p:cBhvr>
+                                        <p:cTn id="32" dur="2000" fill="hold"/>
+                                        <p:tgtEl>
+                                          <p:spTgt spid="19463"/>
+                                        </p:tgtEl>
+                                        <p:attrNameLst>
+                                          <p:attrName>ppt_h</p:attrName>
+                                        </p:attrNameLst>
+                                      </p:cBhvr>
+                                      <p:tavLst>
+                                        <p:tav tm="0">
+                                          <p:val>
+                                            <p:fltVal val="0"/>
+                                          </p:val>
+                                        </p:tav>
+                                        <p:tav tm="100000">
+                                          <p:val>
+                                            <p:strVal val="#ppt_h"/>
+                                          </p:val>
+                                        </p:tav>
+                                      </p:tavLst>
+                                    </p:anim>
+                                    <p:anim calcmode="lin" valueType="num">
+                                      <p:cBhvr>
+                                        <p:cTn id="33" dur="2000" fill="hold"/>
+                                        <p:tgtEl>
+                                          <p:spTgt spid="19463"/>
+                                        </p:tgtEl>
+                                        <p:attrNameLst>
+                                          <p:attrName>ppt_w</p:attrName>
+                                        </p:attrNameLst>
+                                      </p:cBhvr>
+                                      <p:tavLst>
+                                        <p:tav tm="0">
+                                          <p:val>
+                                            <p:fltVal val="0"/>
+                                          </p:val>
+                                        </p:tav>
+                                        <p:tav tm="100000">
+                                          <p:val>
+                                            <p:strVal val="#ppt_w"/>
+                                          </p:val>
+                                        </p:tav>
+                                      </p:tavLst>
+                                    </p:anim>
+                                  </p:childTnLst>
+                                </p:cTn>
+                              </p:par>
+                            </p:childTnLst>
+                          </p:cTn>
+                        </p:par>
+                      </p:childTnLst>
+                    </p:cTn>
+                  </p:par>
+                  <p:par>
+                    <p:cTn id="34" fill="hold">
+                      <p:stCondLst>
+                        <p:cond delay="indefinite"/>
+                      </p:stCondLst>
+                      <p:childTnLst>
+                        <p:par>
+                          <p:cTn id="35" fill="hold">
+                            <p:stCondLst>
+                              <p:cond delay="0"/>
+                            </p:stCondLst>
+                            <p:childTnLst>
+                              <p:par>
+                                <p:cTn id="36" presetID="5" presetClass="entr" presetSubtype="10" fill="hold" grpId="0" nodeType="clickEffect">
+                                  <p:stCondLst>
+                                    <p:cond delay="0"/>
+                                  </p:stCondLst>
+                                  <p:childTnLst>
+                                    <p:set>
+                                      <p:cBhvr>
+                                        <p:cTn id="37" dur="1" fill="hold">
+                                          <p:stCondLst>
+                                            <p:cond delay="0"/>
+                                          </p:stCondLst>
+                                        </p:cTn>
+                                        <p:tgtEl>
+                                          <p:spTgt spid="19466"/>
+                                        </p:tgtEl>
+                                        <p:attrNameLst>
+                                          <p:attrName>style.visibility</p:attrName>
+                                        </p:attrNameLst>
+                                      </p:cBhvr>
+                                      <p:to>
+                                        <p:strVal val="visible"/>
+                                      </p:to>
+                                    </p:set>
+                                    <p:animEffect transition="in" filter="checkerboard(across)">
+                                      <p:cBhvr>
+                                        <p:cTn id="38" dur="500"/>
+                                        <p:tgtEl>
+                                          <p:spTgt spid="19466"/>
+                                        </p:tgtEl>
+                                      </p:cBhvr>
+                                    </p:animEffect>
+                                  </p:childTnLst>
+                                </p:cTn>
+                              </p:par>
+                            </p:childTnLst>
+                          </p:cTn>
+                        </p:par>
+                      </p:childTnLst>
+                    </p:cTn>
+                  </p:par>
+                  <p:par>
+                    <p:cTn id="39" fill="hold">
+                      <p:stCondLst>
+                        <p:cond delay="indefinite"/>
+                      </p:stCondLst>
+                      <p:childTnLst>
+                        <p:par>
+                          <p:cTn id="40" fill="hold">
+                            <p:stCondLst>
+                              <p:cond delay="0"/>
+                            </p:stCondLst>
+                            <p:childTnLst>
+                              <p:par>
+                                <p:cTn id="41" presetID="35" presetClass="entr" presetSubtype="0" fill="hold" grpId="0" nodeType="clickEffect">
+                                  <p:stCondLst>
+                                    <p:cond delay="0"/>
+                                  </p:stCondLst>
+                                  <p:childTnLst>
+                                    <p:set>
+                                      <p:cBhvr>
+                                        <p:cTn id="42" dur="1" fill="hold">
+                                          <p:stCondLst>
+                                            <p:cond delay="0"/>
+                                          </p:stCondLst>
+                                        </p:cTn>
+                                        <p:tgtEl>
+                                          <p:spTgt spid="19460"/>
+                                        </p:tgtEl>
+                                        <p:attrNameLst>
+                                          <p:attrName>style.visibility</p:attrName>
+                                        </p:attrNameLst>
+                                      </p:cBhvr>
+                                      <p:to>
+                                        <p:strVal val="visible"/>
+                                      </p:to>
+                                    </p:set>
+                                    <p:animEffect transition="in" filter="fade">
+                                      <p:cBhvr>
+                                        <p:cTn id="43" dur="2000"/>
+                                        <p:tgtEl>
+                                          <p:spTgt spid="19460"/>
+                                        </p:tgtEl>
+                                      </p:cBhvr>
+                                    </p:animEffect>
+                                    <p:anim calcmode="lin" valueType="num">
+                                      <p:cBhvr>
+                                        <p:cTn id="44" dur="2000" fill="hold"/>
+                                        <p:tgtEl>
+                                          <p:spTgt spid="19460"/>
+                                        </p:tgtEl>
+                                        <p:attrNameLst>
+                                          <p:attrName>style.rotation</p:attrName>
+                                        </p:attrNameLst>
+                                      </p:cBhvr>
+                                      <p:tavLst>
+                                        <p:tav tm="0">
+                                          <p:val>
+                                            <p:fltVal val="720"/>
+                                          </p:val>
+                                        </p:tav>
+                                        <p:tav tm="100000">
+                                          <p:val>
+                                            <p:fltVal val="0"/>
+                                          </p:val>
+                                        </p:tav>
+                                      </p:tavLst>
+                                    </p:anim>
+                                    <p:anim calcmode="lin" valueType="num">
+                                      <p:cBhvr>
+                                        <p:cTn id="45" dur="2000" fill="hold"/>
+                                        <p:tgtEl>
+                                          <p:spTgt spid="19460"/>
+                                        </p:tgtEl>
+                                        <p:attrNameLst>
+                                          <p:attrName>ppt_h</p:attrName>
+                                        </p:attrNameLst>
+                                      </p:cBhvr>
+                                      <p:tavLst>
+                                        <p:tav tm="0">
+                                          <p:val>
+                                            <p:fltVal val="0"/>
+                                          </p:val>
+                                        </p:tav>
+                                        <p:tav tm="100000">
+                                          <p:val>
+                                            <p:strVal val="#ppt_h"/>
+                                          </p:val>
+                                        </p:tav>
+                                      </p:tavLst>
+                                    </p:anim>
+                                    <p:anim calcmode="lin" valueType="num">
+                                      <p:cBhvr>
+                                        <p:cTn id="46" dur="2000" fill="hold"/>
+                                        <p:tgtEl>
+                                          <p:spTgt spid="19460"/>
+                                        </p:tgtEl>
+                                        <p:attrNameLst>
+                                          <p:attrName>ppt_w</p:attrName>
+                                        </p:attrNameLst>
+                                      </p:cBhvr>
+                                      <p:tavLst>
+                                        <p:tav tm="0">
+                                          <p:val>
+                                            <p:fltVal val="0"/>
+                                          </p:val>
+                                        </p:tav>
+                                        <p:tav tm="100000">
+                                          <p:val>
+                                            <p:strVal val="#ppt_w"/>
+                                          </p:val>
+                                        </p:tav>
+                                      </p:tavLst>
+                                    </p:anim>
+                                  </p:childTnLst>
+                                </p:cTn>
+                              </p:par>
+                            </p:childTnLst>
+                          </p:cTn>
+                        </p:par>
+                      </p:childTnLst>
+                    </p:cTn>
+                  </p:par>
+                  <p:par>
+                    <p:cTn id="47" fill="hold">
+                      <p:stCondLst>
+                        <p:cond delay="indefinite"/>
+                      </p:stCondLst>
+                      <p:childTnLst>
+                        <p:par>
+                          <p:cTn id="48" fill="hold">
+                            <p:stCondLst>
+                              <p:cond delay="0"/>
+                            </p:stCondLst>
+                            <p:childTnLst>
+                              <p:par>
+                                <p:cTn id="49" presetID="5" presetClass="entr" presetSubtype="10" fill="hold" grpId="0" nodeType="clickEffect">
+                                  <p:stCondLst>
+                                    <p:cond delay="0"/>
+                                  </p:stCondLst>
+                                  <p:childTnLst>
+                                    <p:set>
+                                      <p:cBhvr>
+                                        <p:cTn id="50" dur="1" fill="hold">
+                                          <p:stCondLst>
+                                            <p:cond delay="0"/>
+                                          </p:stCondLst>
+                                        </p:cTn>
+                                        <p:tgtEl>
+                                          <p:spTgt spid="19469"/>
+                                        </p:tgtEl>
+                                        <p:attrNameLst>
+                                          <p:attrName>style.visibility</p:attrName>
+                                        </p:attrNameLst>
+                                      </p:cBhvr>
+                                      <p:to>
+                                        <p:strVal val="visible"/>
+                                      </p:to>
+                                    </p:set>
+                                    <p:animEffect transition="in" filter="checkerboard(across)">
+                                      <p:cBhvr>
+                                        <p:cTn id="51" dur="500"/>
+                                        <p:tgtEl>
+                                          <p:spTgt spid="19469"/>
+                                        </p:tgtEl>
+                                      </p:cBhvr>
+                                    </p:animEffect>
+                                  </p:childTnLst>
+                                </p:cTn>
+                              </p:par>
+                            </p:childTnLst>
+                          </p:cTn>
+                        </p:par>
+                      </p:childTnLst>
+                    </p:cTn>
+                  </p:par>
+                  <p:par>
+                    <p:cTn id="52" fill="hold">
+                      <p:stCondLst>
+                        <p:cond delay="indefinite"/>
+                      </p:stCondLst>
+                      <p:childTnLst>
+                        <p:par>
+                          <p:cTn id="53" fill="hold">
+                            <p:stCondLst>
+                              <p:cond delay="0"/>
+                            </p:stCondLst>
+                            <p:childTnLst>
+                              <p:par>
+                                <p:cTn id="54" presetID="35" presetClass="entr" presetSubtype="0" fill="hold" grpId="0" nodeType="clickEffect">
+                                  <p:stCondLst>
+                                    <p:cond delay="0"/>
+                                  </p:stCondLst>
+                                  <p:childTnLst>
+                                    <p:set>
+                                      <p:cBhvr>
+                                        <p:cTn id="55" dur="1" fill="hold">
+                                          <p:stCondLst>
+                                            <p:cond delay="0"/>
+                                          </p:stCondLst>
+                                        </p:cTn>
+                                        <p:tgtEl>
+                                          <p:spTgt spid="19461"/>
+                                        </p:tgtEl>
+                                        <p:attrNameLst>
+                                          <p:attrName>style.visibility</p:attrName>
+                                        </p:attrNameLst>
+                                      </p:cBhvr>
+                                      <p:to>
+                                        <p:strVal val="visible"/>
+                                      </p:to>
+                                    </p:set>
+                                    <p:animEffect transition="in" filter="fade">
+                                      <p:cBhvr>
+                                        <p:cTn id="56" dur="2000"/>
+                                        <p:tgtEl>
+                                          <p:spTgt spid="19461"/>
+                                        </p:tgtEl>
+                                      </p:cBhvr>
+                                    </p:animEffect>
+                                    <p:anim calcmode="lin" valueType="num">
+                                      <p:cBhvr>
+                                        <p:cTn id="57" dur="2000" fill="hold"/>
+                                        <p:tgtEl>
+                                          <p:spTgt spid="19461"/>
+                                        </p:tgtEl>
+                                        <p:attrNameLst>
+                                          <p:attrName>style.rotation</p:attrName>
+                                        </p:attrNameLst>
+                                      </p:cBhvr>
+                                      <p:tavLst>
+                                        <p:tav tm="0">
+                                          <p:val>
+                                            <p:fltVal val="720"/>
+                                          </p:val>
+                                        </p:tav>
+                                        <p:tav tm="100000">
+                                          <p:val>
+                                            <p:fltVal val="0"/>
+                                          </p:val>
+                                        </p:tav>
+                                      </p:tavLst>
+                                    </p:anim>
+                                    <p:anim calcmode="lin" valueType="num">
+                                      <p:cBhvr>
+                                        <p:cTn id="58" dur="2000" fill="hold"/>
+                                        <p:tgtEl>
+                                          <p:spTgt spid="19461"/>
+                                        </p:tgtEl>
+                                        <p:attrNameLst>
+                                          <p:attrName>ppt_h</p:attrName>
+                                        </p:attrNameLst>
+                                      </p:cBhvr>
+                                      <p:tavLst>
+                                        <p:tav tm="0">
+                                          <p:val>
+                                            <p:fltVal val="0"/>
+                                          </p:val>
+                                        </p:tav>
+                                        <p:tav tm="100000">
+                                          <p:val>
+                                            <p:strVal val="#ppt_h"/>
+                                          </p:val>
+                                        </p:tav>
+                                      </p:tavLst>
+                                    </p:anim>
+                                    <p:anim calcmode="lin" valueType="num">
+                                      <p:cBhvr>
+                                        <p:cTn id="59" dur="2000" fill="hold"/>
+                                        <p:tgtEl>
+                                          <p:spTgt spid="19461"/>
+                                        </p:tgtEl>
+                                        <p:attrNameLst>
+                                          <p:attrName>ppt_w</p:attrName>
+                                        </p:attrNameLst>
+                                      </p:cBhvr>
+                                      <p:tavLst>
+                                        <p:tav tm="0">
+                                          <p:val>
+                                            <p:fltVal val="0"/>
+                                          </p:val>
+                                        </p:tav>
+                                        <p:tav tm="100000">
+                                          <p:val>
+                                            <p:strVal val="#ppt_w"/>
+                                          </p:val>
+                                        </p:tav>
+                                      </p:tavLst>
+                                    </p:anim>
+                                  </p:childTnLst>
+                                </p:cTn>
+                              </p:par>
+                            </p:childTnLst>
+                          </p:cTn>
+                        </p:par>
+                      </p:childTnLst>
+                    </p:cTn>
+                  </p:par>
+                  <p:par>
+                    <p:cTn id="60" fill="hold">
+                      <p:stCondLst>
+                        <p:cond delay="indefinite"/>
+                      </p:stCondLst>
+                      <p:childTnLst>
+                        <p:par>
+                          <p:cTn id="61" fill="hold">
+                            <p:stCondLst>
+                              <p:cond delay="0"/>
+                            </p:stCondLst>
+                            <p:childTnLst>
+                              <p:par>
+                                <p:cTn id="62" presetID="5" presetClass="entr" presetSubtype="10" fill="hold" grpId="0" nodeType="clickEffect">
+                                  <p:stCondLst>
+                                    <p:cond delay="0"/>
+                                  </p:stCondLst>
+                                  <p:childTnLst>
+                                    <p:set>
+                                      <p:cBhvr>
+                                        <p:cTn id="63" dur="1" fill="hold">
+                                          <p:stCondLst>
+                                            <p:cond delay="0"/>
+                                          </p:stCondLst>
+                                        </p:cTn>
+                                        <p:tgtEl>
+                                          <p:spTgt spid="19467"/>
+                                        </p:tgtEl>
+                                        <p:attrNameLst>
+                                          <p:attrName>style.visibility</p:attrName>
+                                        </p:attrNameLst>
+                                      </p:cBhvr>
+                                      <p:to>
+                                        <p:strVal val="visible"/>
+                                      </p:to>
+                                    </p:set>
+                                    <p:animEffect transition="in" filter="checkerboard(across)">
+                                      <p:cBhvr>
+                                        <p:cTn id="64" dur="500"/>
+                                        <p:tgtEl>
+                                          <p:spTgt spid="19467"/>
+                                        </p:tgtEl>
+                                      </p:cBhvr>
+                                    </p:animEffect>
+                                  </p:childTnLst>
+                                </p:cTn>
+                              </p:par>
+                            </p:childTnLst>
+                          </p:cTn>
+                        </p:par>
+                      </p:childTnLst>
+                    </p:cTn>
+                  </p:par>
+                  <p:par>
+                    <p:cTn id="65" fill="hold">
+                      <p:stCondLst>
+                        <p:cond delay="indefinite"/>
+                      </p:stCondLst>
+                      <p:childTnLst>
+                        <p:par>
+                          <p:cTn id="66" fill="hold">
+                            <p:stCondLst>
+                              <p:cond delay="0"/>
+                            </p:stCondLst>
+                            <p:childTnLst>
+                              <p:par>
+                                <p:cTn id="67" presetID="35" presetClass="entr" presetSubtype="0" fill="hold" grpId="0" nodeType="clickEffect">
+                                  <p:stCondLst>
+                                    <p:cond delay="0"/>
+                                  </p:stCondLst>
+                                  <p:childTnLst>
+                                    <p:set>
+                                      <p:cBhvr>
+                                        <p:cTn id="68" dur="1" fill="hold">
+                                          <p:stCondLst>
+                                            <p:cond delay="0"/>
+                                          </p:stCondLst>
+                                        </p:cTn>
+                                        <p:tgtEl>
+                                          <p:spTgt spid="19459"/>
+                                        </p:tgtEl>
+                                        <p:attrNameLst>
+                                          <p:attrName>style.visibility</p:attrName>
+                                        </p:attrNameLst>
+                                      </p:cBhvr>
+                                      <p:to>
+                                        <p:strVal val="visible"/>
+                                      </p:to>
+                                    </p:set>
+                                    <p:animEffect transition="in" filter="fade">
+                                      <p:cBhvr>
+                                        <p:cTn id="69" dur="2000"/>
+                                        <p:tgtEl>
+                                          <p:spTgt spid="19459"/>
+                                        </p:tgtEl>
+                                      </p:cBhvr>
+                                    </p:animEffect>
+                                    <p:anim calcmode="lin" valueType="num">
+                                      <p:cBhvr>
+                                        <p:cTn id="70" dur="2000" fill="hold"/>
+                                        <p:tgtEl>
+                                          <p:spTgt spid="19459"/>
+                                        </p:tgtEl>
+                                        <p:attrNameLst>
+                                          <p:attrName>style.rotation</p:attrName>
+                                        </p:attrNameLst>
+                                      </p:cBhvr>
+                                      <p:tavLst>
+                                        <p:tav tm="0">
+                                          <p:val>
+                                            <p:fltVal val="720"/>
+                                          </p:val>
+                                        </p:tav>
+                                        <p:tav tm="100000">
+                                          <p:val>
+                                            <p:fltVal val="0"/>
+                                          </p:val>
+                                        </p:tav>
+                                      </p:tavLst>
+                                    </p:anim>
+                                    <p:anim calcmode="lin" valueType="num">
+                                      <p:cBhvr>
+                                        <p:cTn id="71" dur="2000" fill="hold"/>
+                                        <p:tgtEl>
+                                          <p:spTgt spid="19459"/>
+                                        </p:tgtEl>
+                                        <p:attrNameLst>
+                                          <p:attrName>ppt_h</p:attrName>
+                                        </p:attrNameLst>
+                                      </p:cBhvr>
+                                      <p:tavLst>
+                                        <p:tav tm="0">
+                                          <p:val>
+                                            <p:fltVal val="0"/>
+                                          </p:val>
+                                        </p:tav>
+                                        <p:tav tm="100000">
+                                          <p:val>
+                                            <p:strVal val="#ppt_h"/>
+                                          </p:val>
+                                        </p:tav>
+                                      </p:tavLst>
+                                    </p:anim>
+                                    <p:anim calcmode="lin" valueType="num">
+                                      <p:cBhvr>
+                                        <p:cTn id="72" dur="2000" fill="hold"/>
+                                        <p:tgtEl>
+                                          <p:spTgt spid="19459"/>
+                                        </p:tgtEl>
+                                        <p:attrNameLst>
+                                          <p:attrName>ppt_w</p:attrName>
+                                        </p:attrNameLst>
+                                      </p:cBhvr>
+                                      <p:tavLst>
+                                        <p:tav tm="0">
+                                          <p:val>
+                                            <p:fltVal val="0"/>
+                                          </p:val>
+                                        </p:tav>
+                                        <p:tav tm="100000">
+                                          <p:val>
+                                            <p:strVal val="#ppt_w"/>
+                                          </p:val>
+                                        </p:tav>
+                                      </p:tavLst>
+                                    </p:anim>
+                                  </p:childTnLst>
+                                </p:cTn>
+                              </p:par>
+                            </p:childTnLst>
+                          </p:cTn>
+                        </p:par>
+                      </p:childTnLst>
+                    </p:cTn>
+                  </p:par>
+                </p:childTnLst>
+              </p:cTn>
+              <p:prevCondLst>
+                <p:cond evt="onPrev" delay="0">
+                  <p:tgtEl>
+                    <p:sldTgt/>
+                  </p:tgtEl>
+                </p:cond>
+              </p:prevCondLst>
+              <p:nextCondLst>
+                <p:cond evt="onNext" delay="0">
+                  <p:tgtEl>
+                    <p:sldTgt/>
+                  </p:tgtEl>
+                </p:cond>
+              </p:nextCondLst>
+            </p:seq>
+          </p:childTnLst>
+        </p:cTn>
       </p:par>
     </p:tnLst>
+    <p:bldLst>
+      <p:bldP spid="19459" grpId="0"/>
+      <p:bldP spid="19460" grpId="0"/>
+      <p:bldP spid="19461" grpId="0"/>
+      <p:bldP spid="19462" grpId="0"/>
+      <p:bldP spid="19463" grpId="0"/>
+      <p:bldP spid="19465" grpId="0" animBg="1"/>
+      <p:bldP spid="19466" grpId="0" animBg="1"/>
+      <p:bldP spid="19467" grpId="0" animBg="1"/>
+      <p:bldP spid="19468" grpId="0" animBg="1"/>
+      <p:bldP spid="19469" grpId="0" animBg="1"/>
+      <p:bldP spid="19470" grpId="0" animBg="1"/>
+    </p:bldLst>
   </p:timing>
 </p:sld>
 </file>
 
-<file path=ppt/slides/slide6.xml><?xml version="1.0" encoding="utf-8"?>
+<file path=ppt/slides/slide5.xml><?xml version="1.0" encoding="utf-8"?>
 <p:sld xmlns:a="http://schemas.openxmlformats.org/drawingml/2006/main" xmlns:r="http://schemas.openxmlformats.org/officeDocument/2006/relationships" xmlns:p="http://schemas.openxmlformats.org/presentationml/2006/main">
   <p:cSld>
     <p:spTree>
@@ -18258,7 +18981,7 @@
         <p:spPr>
           <a:xfrm>
             <a:off x="468313" y="476250"/>
-            <a:ext cx="8229600" cy="1252538"/>
+            <a:ext cx="8229600" cy="1250950"/>
           </a:xfrm>
         </p:spPr>
         <p:txBody>
@@ -18299,8 +19022,8 @@
         </p:blipFill>
         <p:spPr bwMode="auto">
           <a:xfrm>
-            <a:off x="107950" y="6092825"/>
-            <a:ext cx="1223963" cy="665163"/>
+            <a:off x="107950" y="6096000"/>
+            <a:ext cx="1223963" cy="666750"/>
           </a:xfrm>
           <a:prstGeom prst="rect">
             <a:avLst/>
@@ -18331,8 +19054,8 @@
         </p:blipFill>
         <p:spPr bwMode="auto">
           <a:xfrm>
-            <a:off x="4787900" y="4365625"/>
-            <a:ext cx="4010025" cy="2247900"/>
+            <a:off x="4787900" y="4370388"/>
+            <a:ext cx="4011613" cy="2238375"/>
           </a:xfrm>
           <a:prstGeom prst="rect">
             <a:avLst/>
@@ -18363,8 +19086,8 @@
         </p:blipFill>
         <p:spPr bwMode="auto">
           <a:xfrm>
-            <a:off x="323850" y="2349500"/>
-            <a:ext cx="4679950" cy="2759075"/>
+            <a:off x="323850" y="2346325"/>
+            <a:ext cx="4681538" cy="2762250"/>
           </a:xfrm>
           <a:prstGeom prst="rect">
             <a:avLst/>
@@ -18395,8 +19118,8 @@
         </p:blipFill>
         <p:spPr bwMode="auto">
           <a:xfrm>
-            <a:off x="5651500" y="2565400"/>
-            <a:ext cx="1150938" cy="1150938"/>
+            <a:off x="5651500" y="2560638"/>
+            <a:ext cx="1150938" cy="1154112"/>
           </a:xfrm>
           <a:prstGeom prst="rect">
             <a:avLst/>
@@ -18427,8 +19150,8 @@
         </p:blipFill>
         <p:spPr bwMode="auto">
           <a:xfrm>
-            <a:off x="7092950" y="2852738"/>
-            <a:ext cx="1276350" cy="1296987"/>
+            <a:off x="7092950" y="2857500"/>
+            <a:ext cx="1277938" cy="1298575"/>
           </a:xfrm>
           <a:prstGeom prst="rect">
             <a:avLst/>
@@ -18459,8 +19182,8 @@
         </p:blipFill>
         <p:spPr bwMode="auto">
           <a:xfrm>
-            <a:off x="2195513" y="5229225"/>
-            <a:ext cx="1323975" cy="1109663"/>
+            <a:off x="2195513" y="5227638"/>
+            <a:ext cx="1325562" cy="1106487"/>
           </a:xfrm>
           <a:prstGeom prst="rect">
             <a:avLst/>
@@ -18468,6 +19191,463 @@
           <a:noFill/>
           <a:ln w="9525">
             <a:noFill/>
+            <a:miter lim="800000"/>
+            <a:headEnd/>
+            <a:tailEnd/>
+          </a:ln>
+        </p:spPr>
+      </p:pic>
+    </p:spTree>
+  </p:cSld>
+  <p:clrMapOvr>
+    <a:masterClrMapping/>
+  </p:clrMapOvr>
+  <p:timing>
+    <p:tnLst>
+      <p:par>
+        <p:cTn id="1" dur="indefinite" restart="never" nodeType="tmRoot">
+          <p:childTnLst>
+            <p:seq concurrent="1" nextAc="seek">
+              <p:cTn id="2" dur="indefinite" nodeType="mainSeq">
+                <p:childTnLst>
+                  <p:par>
+                    <p:cTn id="3" fill="hold">
+                      <p:stCondLst>
+                        <p:cond delay="indefinite"/>
+                      </p:stCondLst>
+                      <p:childTnLst>
+                        <p:par>
+                          <p:cTn id="4" fill="hold">
+                            <p:stCondLst>
+                              <p:cond delay="0"/>
+                            </p:stCondLst>
+                            <p:childTnLst>
+                              <p:par>
+                                <p:cTn id="5" presetID="21" presetClass="entr" presetSubtype="4" fill="hold" nodeType="clickEffect">
+                                  <p:stCondLst>
+                                    <p:cond delay="0"/>
+                                  </p:stCondLst>
+                                  <p:childTnLst>
+                                    <p:set>
+                                      <p:cBhvr>
+                                        <p:cTn id="6" dur="1" fill="hold">
+                                          <p:stCondLst>
+                                            <p:cond delay="0"/>
+                                          </p:stCondLst>
+                                        </p:cTn>
+                                        <p:tgtEl>
+                                          <p:spTgt spid="20486"/>
+                                        </p:tgtEl>
+                                        <p:attrNameLst>
+                                          <p:attrName>style.visibility</p:attrName>
+                                        </p:attrNameLst>
+                                      </p:cBhvr>
+                                      <p:to>
+                                        <p:strVal val="visible"/>
+                                      </p:to>
+                                    </p:set>
+                                    <p:animEffect transition="in" filter="wheel(4)">
+                                      <p:cBhvr>
+                                        <p:cTn id="7" dur="2000"/>
+                                        <p:tgtEl>
+                                          <p:spTgt spid="20486"/>
+                                        </p:tgtEl>
+                                      </p:cBhvr>
+                                    </p:animEffect>
+                                  </p:childTnLst>
+                                </p:cTn>
+                              </p:par>
+                            </p:childTnLst>
+                          </p:cTn>
+                        </p:par>
+                      </p:childTnLst>
+                    </p:cTn>
+                  </p:par>
+                  <p:par>
+                    <p:cTn id="8" fill="hold">
+                      <p:stCondLst>
+                        <p:cond delay="indefinite"/>
+                      </p:stCondLst>
+                      <p:childTnLst>
+                        <p:par>
+                          <p:cTn id="9" fill="hold">
+                            <p:stCondLst>
+                              <p:cond delay="0"/>
+                            </p:stCondLst>
+                            <p:childTnLst>
+                              <p:par>
+                                <p:cTn id="10" presetID="21" presetClass="entr" presetSubtype="4" fill="hold" nodeType="clickEffect">
+                                  <p:stCondLst>
+                                    <p:cond delay="0"/>
+                                  </p:stCondLst>
+                                  <p:childTnLst>
+                                    <p:set>
+                                      <p:cBhvr>
+                                        <p:cTn id="11" dur="1" fill="hold">
+                                          <p:stCondLst>
+                                            <p:cond delay="0"/>
+                                          </p:stCondLst>
+                                        </p:cTn>
+                                        <p:tgtEl>
+                                          <p:spTgt spid="20485"/>
+                                        </p:tgtEl>
+                                        <p:attrNameLst>
+                                          <p:attrName>style.visibility</p:attrName>
+                                        </p:attrNameLst>
+                                      </p:cBhvr>
+                                      <p:to>
+                                        <p:strVal val="visible"/>
+                                      </p:to>
+                                    </p:set>
+                                    <p:animEffect transition="in" filter="wheel(4)">
+                                      <p:cBhvr>
+                                        <p:cTn id="12" dur="2000"/>
+                                        <p:tgtEl>
+                                          <p:spTgt spid="20485"/>
+                                        </p:tgtEl>
+                                      </p:cBhvr>
+                                    </p:animEffect>
+                                  </p:childTnLst>
+                                </p:cTn>
+                              </p:par>
+                            </p:childTnLst>
+                          </p:cTn>
+                        </p:par>
+                      </p:childTnLst>
+                    </p:cTn>
+                  </p:par>
+                  <p:par>
+                    <p:cTn id="13" fill="hold">
+                      <p:stCondLst>
+                        <p:cond delay="indefinite"/>
+                      </p:stCondLst>
+                      <p:childTnLst>
+                        <p:par>
+                          <p:cTn id="14" fill="hold">
+                            <p:stCondLst>
+                              <p:cond delay="0"/>
+                            </p:stCondLst>
+                            <p:childTnLst>
+                              <p:par>
+                                <p:cTn id="15" presetID="21" presetClass="entr" presetSubtype="4" fill="hold" nodeType="clickEffect">
+                                  <p:stCondLst>
+                                    <p:cond delay="0"/>
+                                  </p:stCondLst>
+                                  <p:childTnLst>
+                                    <p:set>
+                                      <p:cBhvr>
+                                        <p:cTn id="16" dur="1" fill="hold">
+                                          <p:stCondLst>
+                                            <p:cond delay="0"/>
+                                          </p:stCondLst>
+                                        </p:cTn>
+                                        <p:tgtEl>
+                                          <p:spTgt spid="20484"/>
+                                        </p:tgtEl>
+                                        <p:attrNameLst>
+                                          <p:attrName>style.visibility</p:attrName>
+                                        </p:attrNameLst>
+                                      </p:cBhvr>
+                                      <p:to>
+                                        <p:strVal val="visible"/>
+                                      </p:to>
+                                    </p:set>
+                                    <p:animEffect transition="in" filter="wheel(4)">
+                                      <p:cBhvr>
+                                        <p:cTn id="17" dur="2000"/>
+                                        <p:tgtEl>
+                                          <p:spTgt spid="20484"/>
+                                        </p:tgtEl>
+                                      </p:cBhvr>
+                                    </p:animEffect>
+                                  </p:childTnLst>
+                                </p:cTn>
+                              </p:par>
+                            </p:childTnLst>
+                          </p:cTn>
+                        </p:par>
+                      </p:childTnLst>
+                    </p:cTn>
+                  </p:par>
+                  <p:par>
+                    <p:cTn id="18" fill="hold">
+                      <p:stCondLst>
+                        <p:cond delay="indefinite"/>
+                      </p:stCondLst>
+                      <p:childTnLst>
+                        <p:par>
+                          <p:cTn id="19" fill="hold">
+                            <p:stCondLst>
+                              <p:cond delay="0"/>
+                            </p:stCondLst>
+                            <p:childTnLst>
+                              <p:par>
+                                <p:cTn id="20" presetID="21" presetClass="entr" presetSubtype="4" fill="hold" nodeType="clickEffect">
+                                  <p:stCondLst>
+                                    <p:cond delay="0"/>
+                                  </p:stCondLst>
+                                  <p:childTnLst>
+                                    <p:set>
+                                      <p:cBhvr>
+                                        <p:cTn id="21" dur="1" fill="hold">
+                                          <p:stCondLst>
+                                            <p:cond delay="0"/>
+                                          </p:stCondLst>
+                                        </p:cTn>
+                                        <p:tgtEl>
+                                          <p:spTgt spid="20483"/>
+                                        </p:tgtEl>
+                                        <p:attrNameLst>
+                                          <p:attrName>style.visibility</p:attrName>
+                                        </p:attrNameLst>
+                                      </p:cBhvr>
+                                      <p:to>
+                                        <p:strVal val="visible"/>
+                                      </p:to>
+                                    </p:set>
+                                    <p:animEffect transition="in" filter="wheel(4)">
+                                      <p:cBhvr>
+                                        <p:cTn id="22" dur="2000"/>
+                                        <p:tgtEl>
+                                          <p:spTgt spid="20483"/>
+                                        </p:tgtEl>
+                                      </p:cBhvr>
+                                    </p:animEffect>
+                                  </p:childTnLst>
+                                </p:cTn>
+                              </p:par>
+                            </p:childTnLst>
+                          </p:cTn>
+                        </p:par>
+                      </p:childTnLst>
+                    </p:cTn>
+                  </p:par>
+                  <p:par>
+                    <p:cTn id="23" fill="hold">
+                      <p:stCondLst>
+                        <p:cond delay="indefinite"/>
+                      </p:stCondLst>
+                      <p:childTnLst>
+                        <p:par>
+                          <p:cTn id="24" fill="hold">
+                            <p:stCondLst>
+                              <p:cond delay="0"/>
+                            </p:stCondLst>
+                            <p:childTnLst>
+                              <p:par>
+                                <p:cTn id="25" presetID="21" presetClass="entr" presetSubtype="4" fill="hold" nodeType="clickEffect">
+                                  <p:stCondLst>
+                                    <p:cond delay="0"/>
+                                  </p:stCondLst>
+                                  <p:childTnLst>
+                                    <p:set>
+                                      <p:cBhvr>
+                                        <p:cTn id="26" dur="1" fill="hold">
+                                          <p:stCondLst>
+                                            <p:cond delay="0"/>
+                                          </p:stCondLst>
+                                        </p:cTn>
+                                        <p:tgtEl>
+                                          <p:spTgt spid="20487"/>
+                                        </p:tgtEl>
+                                        <p:attrNameLst>
+                                          <p:attrName>style.visibility</p:attrName>
+                                        </p:attrNameLst>
+                                      </p:cBhvr>
+                                      <p:to>
+                                        <p:strVal val="visible"/>
+                                      </p:to>
+                                    </p:set>
+                                    <p:animEffect transition="in" filter="wheel(4)">
+                                      <p:cBhvr>
+                                        <p:cTn id="27" dur="2000"/>
+                                        <p:tgtEl>
+                                          <p:spTgt spid="20487"/>
+                                        </p:tgtEl>
+                                      </p:cBhvr>
+                                    </p:animEffect>
+                                  </p:childTnLst>
+                                </p:cTn>
+                              </p:par>
+                            </p:childTnLst>
+                          </p:cTn>
+                        </p:par>
+                      </p:childTnLst>
+                    </p:cTn>
+                  </p:par>
+                </p:childTnLst>
+              </p:cTn>
+              <p:prevCondLst>
+                <p:cond evt="onPrev" delay="0">
+                  <p:tgtEl>
+                    <p:sldTgt/>
+                  </p:tgtEl>
+                </p:cond>
+              </p:prevCondLst>
+              <p:nextCondLst>
+                <p:cond evt="onNext" delay="0">
+                  <p:tgtEl>
+                    <p:sldTgt/>
+                  </p:tgtEl>
+                </p:cond>
+              </p:nextCondLst>
+            </p:seq>
+          </p:childTnLst>
+        </p:cTn>
+      </p:par>
+    </p:tnLst>
+  </p:timing>
+</p:sld>
+</file>
+
+<file path=ppt/slides/slide6.xml><?xml version="1.0" encoding="utf-8"?>
+<p:sld xmlns:a="http://schemas.openxmlformats.org/drawingml/2006/main" xmlns:r="http://schemas.openxmlformats.org/officeDocument/2006/relationships" xmlns:p="http://schemas.openxmlformats.org/presentationml/2006/main">
+  <p:cSld>
+    <p:spTree>
+      <p:nvGrpSpPr>
+        <p:cNvPr id="1" name=""/>
+        <p:cNvGrpSpPr/>
+        <p:nvPr/>
+      </p:nvGrpSpPr>
+      <p:grpSpPr>
+        <a:xfrm>
+          <a:off x="0" y="0"/>
+          <a:ext cx="0" cy="0"/>
+          <a:chOff x="0" y="0"/>
+          <a:chExt cx="0" cy="0"/>
+        </a:xfrm>
+      </p:grpSpPr>
+      <p:sp>
+        <p:nvSpPr>
+          <p:cNvPr id="21505" name="2 Título"/>
+          <p:cNvSpPr>
+            <a:spLocks noGrp="1"/>
+          </p:cNvSpPr>
+          <p:nvPr>
+            <p:ph type="title" idx="4294967295"/>
+          </p:nvPr>
+        </p:nvSpPr>
+        <p:spPr>
+          <a:xfrm>
+            <a:off x="468313" y="476250"/>
+            <a:ext cx="8229600" cy="1250950"/>
+          </a:xfrm>
+        </p:spPr>
+        <p:txBody>
+          <a:bodyPr/>
+          <a:lstStyle/>
+          <a:p>
+            <a:pPr eaLnBrk="1" hangingPunct="1"/>
+            <a:r>
+              <a:rPr lang="en-US" b="1" smtClean="0">
+                <a:solidFill>
+                  <a:schemeClr val="tx2"/>
+                </a:solidFill>
+              </a:rPr>
+              <a:t>Objeto de estudio</a:t>
+            </a:r>
+            <a:endParaRPr lang="es-PE" b="1" smtClean="0">
+              <a:solidFill>
+                <a:schemeClr val="tx2"/>
+              </a:solidFill>
+            </a:endParaRPr>
+          </a:p>
+        </p:txBody>
+      </p:sp>
+      <p:pic>
+        <p:nvPicPr>
+          <p:cNvPr id="21506" name="Picture 2"/>
+          <p:cNvPicPr>
+            <a:picLocks noChangeAspect="1" noChangeArrowheads="1"/>
+          </p:cNvPicPr>
+          <p:nvPr/>
+        </p:nvPicPr>
+        <p:blipFill>
+          <a:blip r:embed="rId2"/>
+          <a:srcRect/>
+          <a:stretch>
+            <a:fillRect/>
+          </a:stretch>
+        </p:blipFill>
+        <p:spPr bwMode="auto">
+          <a:xfrm>
+            <a:off x="107950" y="6096000"/>
+            <a:ext cx="1223963" cy="666750"/>
+          </a:xfrm>
+          <a:prstGeom prst="rect">
+            <a:avLst/>
+          </a:prstGeom>
+          <a:noFill/>
+          <a:ln w="9525">
+            <a:noFill/>
+            <a:miter lim="800000"/>
+            <a:headEnd/>
+            <a:tailEnd/>
+          </a:ln>
+        </p:spPr>
+      </p:pic>
+      <p:sp>
+        <p:nvSpPr>
+          <p:cNvPr id="21507" name="Rectangle 5"/>
+          <p:cNvSpPr>
+            <a:spLocks noChangeArrowheads="1"/>
+          </p:cNvSpPr>
+          <p:nvPr/>
+        </p:nvSpPr>
+        <p:spPr bwMode="auto">
+          <a:xfrm>
+            <a:off x="5724525" y="2703513"/>
+            <a:ext cx="142875" cy="225425"/>
+          </a:xfrm>
+          <a:prstGeom prst="rect">
+            <a:avLst/>
+          </a:prstGeom>
+          <a:solidFill>
+            <a:schemeClr val="bg1"/>
+          </a:solidFill>
+          <a:ln w="9525">
+            <a:noFill/>
+            <a:miter lim="800000"/>
+            <a:headEnd/>
+            <a:tailEnd/>
+          </a:ln>
+        </p:spPr>
+        <p:txBody>
+          <a:bodyPr wrap="none" lIns="91422" tIns="45711" rIns="91422" bIns="45711" anchor="ctr"/>
+          <a:lstStyle/>
+          <a:p>
+            <a:endParaRPr lang="es-ES"/>
+          </a:p>
+        </p:txBody>
+      </p:sp>
+      <p:pic>
+        <p:nvPicPr>
+          <p:cNvPr id="21508" name="Picture 6"/>
+          <p:cNvPicPr>
+            <a:picLocks noChangeAspect="1" noChangeArrowheads="1"/>
+          </p:cNvPicPr>
+          <p:nvPr/>
+        </p:nvPicPr>
+        <p:blipFill>
+          <a:blip r:embed="rId3"/>
+          <a:srcRect/>
+          <a:stretch>
+            <a:fillRect/>
+          </a:stretch>
+        </p:blipFill>
+        <p:spPr bwMode="auto">
+          <a:xfrm>
+            <a:off x="3060700" y="2703513"/>
+            <a:ext cx="3598863" cy="2143125"/>
+          </a:xfrm>
+          <a:prstGeom prst="rect">
+            <a:avLst/>
+          </a:prstGeom>
+          <a:noFill/>
+          <a:ln w="9525">
+            <a:solidFill>
+              <a:srgbClr val="0000FF"/>
+            </a:solidFill>
             <a:miter lim="800000"/>
             <a:headEnd/>
             <a:tailEnd/>
@@ -18508,7 +19688,7 @@
       </p:grpSpPr>
       <p:sp>
         <p:nvSpPr>
-          <p:cNvPr id="21505" name="2 Título"/>
+          <p:cNvPr id="22529" name="2 Título"/>
           <p:cNvSpPr>
             <a:spLocks noGrp="1"/>
           </p:cNvSpPr>
@@ -18519,7 +19699,7 @@
         <p:spPr>
           <a:xfrm>
             <a:off x="468313" y="476250"/>
-            <a:ext cx="8229600" cy="1252538"/>
+            <a:ext cx="8229600" cy="1250950"/>
           </a:xfrm>
         </p:spPr>
         <p:txBody>
@@ -18533,7 +19713,7 @@
                   <a:schemeClr val="tx2"/>
                 </a:solidFill>
               </a:rPr>
-              <a:t>Objeto de estudio</a:t>
+              <a:t>Campo de acción</a:t>
             </a:r>
             <a:endParaRPr lang="es-PE" b="1" smtClean="0">
               <a:solidFill>
@@ -18545,7 +19725,7 @@
       </p:sp>
       <p:pic>
         <p:nvPicPr>
-          <p:cNvPr id="21506" name="Picture 2"/>
+          <p:cNvPr id="22530" name="Picture 2"/>
           <p:cNvPicPr>
             <a:picLocks noChangeAspect="1" noChangeArrowheads="1"/>
           </p:cNvPicPr>
@@ -18560,8 +19740,8 @@
         </p:blipFill>
         <p:spPr bwMode="auto">
           <a:xfrm>
-            <a:off x="107950" y="6092825"/>
-            <a:ext cx="1223963" cy="665163"/>
+            <a:off x="107950" y="6096000"/>
+            <a:ext cx="1223963" cy="666750"/>
           </a:xfrm>
           <a:prstGeom prst="rect">
             <a:avLst/>
@@ -18575,43 +19755,9 @@
           </a:ln>
         </p:spPr>
       </p:pic>
-      <p:sp>
-        <p:nvSpPr>
-          <p:cNvPr id="21507" name="Rectangle 5"/>
-          <p:cNvSpPr>
-            <a:spLocks noChangeArrowheads="1"/>
-          </p:cNvSpPr>
-          <p:nvPr/>
-        </p:nvSpPr>
-        <p:spPr bwMode="auto">
-          <a:xfrm>
-            <a:off x="5724525" y="2708275"/>
-            <a:ext cx="142875" cy="215900"/>
-          </a:xfrm>
-          <a:prstGeom prst="rect">
-            <a:avLst/>
-          </a:prstGeom>
-          <a:solidFill>
-            <a:schemeClr val="bg1"/>
-          </a:solidFill>
-          <a:ln w="9525">
-            <a:noFill/>
-            <a:miter lim="800000"/>
-            <a:headEnd/>
-            <a:tailEnd/>
-          </a:ln>
-        </p:spPr>
-        <p:txBody>
-          <a:bodyPr wrap="none" anchor="ctr"/>
-          <a:lstStyle/>
-          <a:p>
-            <a:endParaRPr lang="es-ES"/>
-          </a:p>
-        </p:txBody>
-      </p:sp>
       <p:pic>
         <p:nvPicPr>
-          <p:cNvPr id="21508" name="Picture 6"/>
+          <p:cNvPr id="22531" name="Picture 4"/>
           <p:cNvPicPr>
             <a:picLocks noChangeAspect="1" noChangeArrowheads="1"/>
           </p:cNvPicPr>
@@ -18626,17 +19772,15 @@
         </p:blipFill>
         <p:spPr bwMode="auto">
           <a:xfrm>
-            <a:off x="3059113" y="2708275"/>
-            <a:ext cx="3600450" cy="2133600"/>
+            <a:off x="3851275" y="2857500"/>
+            <a:ext cx="2016125" cy="2595563"/>
           </a:xfrm>
           <a:prstGeom prst="rect">
             <a:avLst/>
           </a:prstGeom>
           <a:noFill/>
           <a:ln w="9525">
-            <a:solidFill>
-              <a:srgbClr val="0000FF"/>
-            </a:solidFill>
+            <a:noFill/>
             <a:miter lim="800000"/>
             <a:headEnd/>
             <a:tailEnd/>
@@ -18677,7 +19821,7 @@
       </p:grpSpPr>
       <p:sp>
         <p:nvSpPr>
-          <p:cNvPr id="22529" name="2 Título"/>
+          <p:cNvPr id="23553" name="2 Título"/>
           <p:cNvSpPr>
             <a:spLocks noGrp="1"/>
           </p:cNvSpPr>
@@ -18688,7 +19832,7 @@
         <p:spPr>
           <a:xfrm>
             <a:off x="468313" y="476250"/>
-            <a:ext cx="8229600" cy="1252538"/>
+            <a:ext cx="8229600" cy="1250950"/>
           </a:xfrm>
         </p:spPr>
         <p:txBody>
@@ -18697,14 +19841,14 @@
           <a:p>
             <a:pPr eaLnBrk="1" hangingPunct="1"/>
             <a:r>
-              <a:rPr lang="en-US" b="1" smtClean="0">
+              <a:rPr lang="en-US" sz="4100" b="1" smtClean="0">
                 <a:solidFill>
                   <a:schemeClr val="tx2"/>
                 </a:solidFill>
               </a:rPr>
-              <a:t>Campo de acción</a:t>
+              <a:t>Situación problemática y problemas a resolver</a:t>
             </a:r>
-            <a:endParaRPr lang="es-PE" b="1" smtClean="0">
+            <a:endParaRPr lang="es-PE" sz="4100" b="1" smtClean="0">
               <a:solidFill>
                 <a:schemeClr val="tx2"/>
               </a:solidFill>
@@ -18714,7 +19858,7 @@
       </p:sp>
       <p:pic>
         <p:nvPicPr>
-          <p:cNvPr id="22530" name="Picture 2"/>
+          <p:cNvPr id="23554" name="Picture 2"/>
           <p:cNvPicPr>
             <a:picLocks noChangeAspect="1" noChangeArrowheads="1"/>
           </p:cNvPicPr>
@@ -18729,8 +19873,8 @@
         </p:blipFill>
         <p:spPr bwMode="auto">
           <a:xfrm>
-            <a:off x="107950" y="6092825"/>
-            <a:ext cx="1223963" cy="665163"/>
+            <a:off x="107950" y="6096000"/>
+            <a:ext cx="1223963" cy="666750"/>
           </a:xfrm>
           <a:prstGeom prst="rect">
             <a:avLst/>
@@ -18746,7 +19890,7 @@
       </p:pic>
       <p:pic>
         <p:nvPicPr>
-          <p:cNvPr id="22531" name="Picture 4"/>
+          <p:cNvPr id="23555" name="Picture 5"/>
           <p:cNvPicPr>
             <a:picLocks noChangeAspect="1" noChangeArrowheads="1"/>
           </p:cNvPicPr>
@@ -18761,15 +19905,51 @@
         </p:blipFill>
         <p:spPr bwMode="auto">
           <a:xfrm>
-            <a:off x="3851275" y="2852738"/>
-            <a:ext cx="2016125" cy="2600325"/>
+            <a:off x="107950" y="3143250"/>
+            <a:ext cx="5076825" cy="2012950"/>
           </a:xfrm>
           <a:prstGeom prst="rect">
             <a:avLst/>
           </a:prstGeom>
           <a:noFill/>
           <a:ln w="9525">
-            <a:noFill/>
+            <a:solidFill>
+              <a:schemeClr val="tx1"/>
+            </a:solidFill>
+            <a:miter lim="800000"/>
+            <a:headEnd/>
+            <a:tailEnd/>
+          </a:ln>
+        </p:spPr>
+      </p:pic>
+      <p:pic>
+        <p:nvPicPr>
+          <p:cNvPr id="23556" name="Picture 4"/>
+          <p:cNvPicPr>
+            <a:picLocks noChangeAspect="1" noChangeArrowheads="1"/>
+          </p:cNvPicPr>
+          <p:nvPr/>
+        </p:nvPicPr>
+        <p:blipFill>
+          <a:blip r:embed="rId4"/>
+          <a:srcRect/>
+          <a:stretch>
+            <a:fillRect/>
+          </a:stretch>
+        </p:blipFill>
+        <p:spPr bwMode="auto">
+          <a:xfrm>
+            <a:off x="5338763" y="2928938"/>
+            <a:ext cx="3556000" cy="2476500"/>
+          </a:xfrm>
+          <a:prstGeom prst="rect">
+            <a:avLst/>
+          </a:prstGeom>
+          <a:noFill/>
+          <a:ln w="9525">
+            <a:solidFill>
+              <a:srgbClr val="0000FF"/>
+            </a:solidFill>
             <a:miter lim="800000"/>
             <a:headEnd/>
             <a:tailEnd/>
@@ -18810,7 +19990,7 @@
       </p:grpSpPr>
       <p:sp>
         <p:nvSpPr>
-          <p:cNvPr id="23553" name="2 Título"/>
+          <p:cNvPr id="24577" name="2 Título"/>
           <p:cNvSpPr>
             <a:spLocks noGrp="1"/>
           </p:cNvSpPr>
@@ -18821,7 +20001,7 @@
         <p:spPr>
           <a:xfrm>
             <a:off x="468313" y="476250"/>
-            <a:ext cx="8229600" cy="1252538"/>
+            <a:ext cx="8229600" cy="1250950"/>
           </a:xfrm>
         </p:spPr>
         <p:txBody>
@@ -18830,14 +20010,14 @@
           <a:p>
             <a:pPr eaLnBrk="1" hangingPunct="1"/>
             <a:r>
-              <a:rPr lang="en-US" sz="4000" b="1" smtClean="0">
+              <a:rPr lang="en-US" b="1" smtClean="0">
                 <a:solidFill>
                   <a:schemeClr val="tx2"/>
                 </a:solidFill>
               </a:rPr>
-              <a:t>Situación problemática y problemas a resolver</a:t>
+              <a:t>Objetivo general</a:t>
             </a:r>
-            <a:endParaRPr lang="es-PE" sz="4000" b="1" smtClean="0">
+            <a:endParaRPr lang="es-PE" b="1" smtClean="0">
               <a:solidFill>
                 <a:schemeClr val="tx2"/>
               </a:solidFill>
@@ -18847,7 +20027,7 @@
       </p:sp>
       <p:pic>
         <p:nvPicPr>
-          <p:cNvPr id="23554" name="Picture 2"/>
+          <p:cNvPr id="24578" name="Picture 2"/>
           <p:cNvPicPr>
             <a:picLocks noChangeAspect="1" noChangeArrowheads="1"/>
           </p:cNvPicPr>
@@ -18862,8 +20042,8 @@
         </p:blipFill>
         <p:spPr bwMode="auto">
           <a:xfrm>
-            <a:off x="107950" y="6092825"/>
-            <a:ext cx="1223963" cy="665163"/>
+            <a:off x="107950" y="6096000"/>
+            <a:ext cx="1223963" cy="666750"/>
           </a:xfrm>
           <a:prstGeom prst="rect">
             <a:avLst/>
@@ -18877,16 +20057,100 @@
           </a:ln>
         </p:spPr>
       </p:pic>
+      <p:sp>
+        <p:nvSpPr>
+          <p:cNvPr id="24579" name="Text Box 4"/>
+          <p:cNvSpPr txBox="1">
+            <a:spLocks noChangeArrowheads="1"/>
+          </p:cNvSpPr>
+          <p:nvPr/>
+        </p:nvSpPr>
+        <p:spPr bwMode="auto">
+          <a:xfrm>
+            <a:off x="395288" y="2132013"/>
+            <a:ext cx="8353425" cy="3511550"/>
+          </a:xfrm>
+          <a:prstGeom prst="rect">
+            <a:avLst/>
+          </a:prstGeom>
+          <a:noFill/>
+          <a:ln w="9525">
+            <a:noFill/>
+            <a:miter lim="800000"/>
+            <a:headEnd/>
+            <a:tailEnd/>
+          </a:ln>
+        </p:spPr>
+        <p:txBody>
+          <a:bodyPr lIns="91422" tIns="45711" rIns="91422" bIns="45711">
+            <a:spAutoFit/>
+          </a:bodyPr>
+          <a:lstStyle/>
+          <a:p>
+            <a:pPr>
+              <a:spcBef>
+                <a:spcPct val="50000"/>
+              </a:spcBef>
+            </a:pPr>
+            <a:r>
+              <a:rPr lang="es-ES_tradnl" altLang="zh-CN" sz="2700">
+                <a:solidFill>
+                  <a:schemeClr val="tx2"/>
+                </a:solidFill>
+                <a:ea typeface="宋体"/>
+                <a:cs typeface="宋体"/>
+              </a:rPr>
+              <a:t>El objetivo general </a:t>
+            </a:r>
+            <a:r>
+              <a:rPr lang="es-ES" altLang="zh-CN" sz="2700">
+                <a:solidFill>
+                  <a:schemeClr val="tx2"/>
+                </a:solidFill>
+                <a:ea typeface="宋体"/>
+                <a:cs typeface="宋体"/>
+              </a:rPr>
+              <a:t>del proyecto es desarrollar una solución tecnológica que reduzca el margen de error en la captura</a:t>
+            </a:r>
+            <a:r>
+              <a:rPr lang="es-ES_tradnl" altLang="zh-CN" sz="2700">
+                <a:solidFill>
+                  <a:schemeClr val="tx2"/>
+                </a:solidFill>
+                <a:ea typeface="宋体"/>
+                <a:cs typeface="宋体"/>
+              </a:rPr>
+              <a:t> de datos y que permita reducir el tiempo general de la captura y  procesamiento de datos de las encuestas con la aplicación de controles que permitan el monitoreo del proceso de encuesta en tiempo real, así como también medir el desempeño de los encuestadores.</a:t>
+            </a:r>
+            <a:endParaRPr lang="es-ES" sz="2700">
+              <a:solidFill>
+                <a:schemeClr val="tx2"/>
+              </a:solidFill>
+            </a:endParaRPr>
+          </a:p>
+        </p:txBody>
+      </p:sp>
       <p:pic>
         <p:nvPicPr>
-          <p:cNvPr id="23555" name="Picture 5"/>
+          <p:cNvPr id="24580" name="Picture 7"/>
           <p:cNvPicPr>
             <a:picLocks noChangeAspect="1" noChangeArrowheads="1"/>
           </p:cNvPicPr>
           <p:nvPr/>
         </p:nvPicPr>
         <p:blipFill>
-          <a:blip r:embed="rId3"/>
+          <a:blip r:embed="rId3">
+            <a:clrChange>
+              <a:clrFrom>
+                <a:srgbClr val="FFFFFF"/>
+              </a:clrFrom>
+              <a:clrTo>
+                <a:srgbClr val="FFFFFF">
+                  <a:alpha val="0"/>
+                </a:srgbClr>
+              </a:clrTo>
+            </a:clrChange>
+          </a:blip>
           <a:srcRect/>
           <a:stretch>
             <a:fillRect/>
@@ -18894,51 +20158,15 @@
         </p:blipFill>
         <p:spPr bwMode="auto">
           <a:xfrm>
-            <a:off x="107950" y="3140075"/>
-            <a:ext cx="5076825" cy="2017713"/>
+            <a:off x="7524750" y="5156200"/>
+            <a:ext cx="1435100" cy="1439863"/>
           </a:xfrm>
           <a:prstGeom prst="rect">
             <a:avLst/>
           </a:prstGeom>
           <a:noFill/>
           <a:ln w="9525">
-            <a:solidFill>
-              <a:schemeClr val="tx1"/>
-            </a:solidFill>
-            <a:miter lim="800000"/>
-            <a:headEnd/>
-            <a:tailEnd/>
-          </a:ln>
-        </p:spPr>
-      </p:pic>
-      <p:pic>
-        <p:nvPicPr>
-          <p:cNvPr id="23556" name="Picture 4"/>
-          <p:cNvPicPr>
-            <a:picLocks noChangeAspect="1" noChangeArrowheads="1"/>
-          </p:cNvPicPr>
-          <p:nvPr/>
-        </p:nvPicPr>
-        <p:blipFill>
-          <a:blip r:embed="rId4"/>
-          <a:srcRect/>
-          <a:stretch>
-            <a:fillRect/>
-          </a:stretch>
-        </p:blipFill>
-        <p:spPr bwMode="auto">
-          <a:xfrm>
-            <a:off x="5337175" y="2924175"/>
-            <a:ext cx="3556000" cy="2484438"/>
-          </a:xfrm>
-          <a:prstGeom prst="rect">
-            <a:avLst/>
-          </a:prstGeom>
-          <a:noFill/>
-          <a:ln w="9525">
-            <a:solidFill>
-              <a:srgbClr val="0000FF"/>
-            </a:solidFill>
+            <a:noFill/>
             <a:miter lim="800000"/>
             <a:headEnd/>
             <a:tailEnd/>

--- a/PRESENTACION02/TRABAJO FINAL/PPT PI1 EFINAL.pptx
+++ b/PRESENTACION02/TRABAJO FINAL/PPT PI1 EFINAL.pptx
@@ -263,7 +263,7 @@
               <a:pPr>
                 <a:defRPr/>
               </a:pPr>
-              <a:t>10/04/2013</a:t>
+              <a:t>12/04/2013</a:t>
             </a:fld>
             <a:endParaRPr lang="es-PE"/>
           </a:p>
@@ -2430,7 +2430,7 @@
               <a:pPr>
                 <a:defRPr/>
               </a:pPr>
-              <a:t>10/04/2013</a:t>
+              <a:t>12/04/2013</a:t>
             </a:fld>
             <a:endParaRPr lang="es-PE"/>
           </a:p>
@@ -2640,7 +2640,7 @@
               <a:pPr>
                 <a:defRPr/>
               </a:pPr>
-              <a:t>10/04/2013</a:t>
+              <a:t>12/04/2013</a:t>
             </a:fld>
             <a:endParaRPr lang="es-PE"/>
           </a:p>
@@ -4533,7 +4533,7 @@
               <a:pPr>
                 <a:defRPr/>
               </a:pPr>
-              <a:t>10/04/2013</a:t>
+              <a:t>12/04/2013</a:t>
             </a:fld>
             <a:endParaRPr lang="es-PE"/>
           </a:p>
@@ -4652,7 +4652,7 @@
               <a:pPr>
                 <a:defRPr/>
               </a:pPr>
-              <a:t>10/04/2013</a:t>
+              <a:t>12/04/2013</a:t>
             </a:fld>
             <a:endParaRPr lang="es-PE"/>
           </a:p>
@@ -4850,7 +4850,7 @@
               <a:pPr>
                 <a:defRPr/>
               </a:pPr>
-              <a:t>10/04/2013</a:t>
+              <a:t>12/04/2013</a:t>
             </a:fld>
             <a:endParaRPr lang="es-PE"/>
           </a:p>
@@ -6752,7 +6752,7 @@
               <a:pPr>
                 <a:defRPr/>
               </a:pPr>
-              <a:t>10/04/2013</a:t>
+              <a:t>12/04/2013</a:t>
             </a:fld>
             <a:endParaRPr lang="es-PE"/>
           </a:p>
@@ -7008,7 +7008,7 @@
               <a:pPr>
                 <a:defRPr/>
               </a:pPr>
-              <a:t>10/04/2013</a:t>
+              <a:t>12/04/2013</a:t>
             </a:fld>
             <a:endParaRPr lang="es-PE"/>
           </a:p>
@@ -7468,7 +7468,7 @@
               <a:pPr>
                 <a:defRPr/>
               </a:pPr>
-              <a:t>10/04/2013</a:t>
+              <a:t>12/04/2013</a:t>
             </a:fld>
             <a:endParaRPr lang="es-PE"/>
           </a:p>
@@ -7614,7 +7614,7 @@
               <a:pPr>
                 <a:defRPr/>
               </a:pPr>
-              <a:t>10/04/2013</a:t>
+              <a:t>12/04/2013</a:t>
             </a:fld>
             <a:endParaRPr lang="es-PE"/>
           </a:p>
@@ -9383,7 +9383,7 @@
               <a:pPr>
                 <a:defRPr/>
               </a:pPr>
-              <a:t>10/04/2013</a:t>
+              <a:t>12/04/2013</a:t>
             </a:fld>
             <a:endParaRPr lang="es-PE"/>
           </a:p>
@@ -11383,7 +11383,7 @@
               <a:pPr>
                 <a:defRPr/>
               </a:pPr>
-              <a:t>10/04/2013</a:t>
+              <a:t>12/04/2013</a:t>
             </a:fld>
             <a:endParaRPr lang="es-PE"/>
           </a:p>
@@ -13351,7 +13351,7 @@
               <a:pPr>
                 <a:defRPr/>
               </a:pPr>
-              <a:t>10/04/2013</a:t>
+              <a:t>12/04/2013</a:t>
             </a:fld>
             <a:endParaRPr lang="es-PE"/>
           </a:p>
@@ -15194,7 +15194,7 @@
               <a:pPr>
                 <a:defRPr/>
               </a:pPr>
-              <a:t>10/04/2013</a:t>
+              <a:t>12/04/2013</a:t>
             </a:fld>
             <a:endParaRPr lang="es-PE"/>
           </a:p>
@@ -15827,7 +15827,9 @@
           </a:xfrm>
         </p:spPr>
         <p:txBody>
-          <a:bodyPr/>
+          <a:bodyPr>
+            <a:normAutofit fontScale="90000"/>
+          </a:bodyPr>
           <a:lstStyle/>
           <a:p>
             <a:pPr eaLnBrk="1" hangingPunct="1"/>
@@ -15912,7 +15914,7 @@
           <p:nvPr/>
         </p:nvPicPr>
         <p:blipFill>
-          <a:blip r:embed="rId2"/>
+          <a:blip r:embed="rId2" cstate="print"/>
           <a:srcRect/>
           <a:stretch>
             <a:fillRect/>
@@ -15944,7 +15946,7 @@
           <p:nvPr/>
         </p:nvPicPr>
         <p:blipFill>
-          <a:blip r:embed="rId3"/>
+          <a:blip r:embed="rId3" cstate="print"/>
           <a:srcRect/>
           <a:stretch>
             <a:fillRect/>
@@ -15976,7 +15978,7 @@
           <p:nvPr/>
         </p:nvPicPr>
         <p:blipFill>
-          <a:blip r:embed="rId4"/>
+          <a:blip r:embed="rId4" cstate="print"/>
           <a:srcRect/>
           <a:stretch>
             <a:fillRect/>
@@ -16008,7 +16010,7 @@
           <p:nvPr/>
         </p:nvPicPr>
         <p:blipFill>
-          <a:blip r:embed="rId5"/>
+          <a:blip r:embed="rId5" cstate="print"/>
           <a:srcRect/>
           <a:stretch>
             <a:fillRect/>
@@ -16104,7 +16106,7 @@
           <p:nvPr/>
         </p:nvPicPr>
         <p:blipFill>
-          <a:blip r:embed="rId2"/>
+          <a:blip r:embed="rId2" cstate="print"/>
           <a:srcRect/>
           <a:stretch>
             <a:fillRect/>
@@ -16136,7 +16138,7 @@
           <p:nvPr/>
         </p:nvPicPr>
         <p:blipFill>
-          <a:blip r:embed="rId3"/>
+          <a:blip r:embed="rId3" cstate="print"/>
           <a:srcRect/>
           <a:stretch>
             <a:fillRect/>
@@ -16237,7 +16239,7 @@
           <p:nvPr/>
         </p:nvPicPr>
         <p:blipFill>
-          <a:blip r:embed="rId2"/>
+          <a:blip r:embed="rId2" cstate="print"/>
           <a:srcRect/>
           <a:stretch>
             <a:fillRect/>
@@ -16269,7 +16271,7 @@
           <p:nvPr/>
         </p:nvPicPr>
         <p:blipFill>
-          <a:blip r:embed="rId3"/>
+          <a:blip r:embed="rId3" cstate="print"/>
           <a:srcRect/>
           <a:stretch>
             <a:fillRect/>
@@ -16370,7 +16372,7 @@
           <p:nvPr/>
         </p:nvPicPr>
         <p:blipFill>
-          <a:blip r:embed="rId2"/>
+          <a:blip r:embed="rId2" cstate="print"/>
           <a:srcRect/>
           <a:stretch>
             <a:fillRect/>
@@ -16402,7 +16404,7 @@
           <p:nvPr/>
         </p:nvPicPr>
         <p:blipFill>
-          <a:blip r:embed="rId3"/>
+          <a:blip r:embed="rId3" cstate="print"/>
           <a:srcRect t="3569" b="4778"/>
           <a:stretch>
             <a:fillRect/>
@@ -16513,7 +16515,7 @@
           <p:nvPr/>
         </p:nvPicPr>
         <p:blipFill>
-          <a:blip r:embed="rId2"/>
+          <a:blip r:embed="rId2" cstate="print"/>
           <a:srcRect/>
           <a:stretch>
             <a:fillRect/>
@@ -16614,7 +16616,7 @@
           <p:nvPr/>
         </p:nvPicPr>
         <p:blipFill>
-          <a:blip r:embed="rId2"/>
+          <a:blip r:embed="rId2" cstate="print"/>
           <a:srcRect/>
           <a:stretch>
             <a:fillRect/>
@@ -16646,7 +16648,7 @@
           <p:nvPr/>
         </p:nvPicPr>
         <p:blipFill>
-          <a:blip r:embed="rId3"/>
+          <a:blip r:embed="rId3" cstate="print"/>
           <a:srcRect l="8398" r="9779" b="1852"/>
           <a:stretch>
             <a:fillRect/>
@@ -16748,7 +16750,7 @@
           <p:nvPr/>
         </p:nvPicPr>
         <p:blipFill>
-          <a:blip r:embed="rId2"/>
+          <a:blip r:embed="rId2" cstate="print"/>
           <a:srcRect/>
           <a:stretch>
             <a:fillRect/>
@@ -16780,7 +16782,7 @@
           <p:nvPr/>
         </p:nvPicPr>
         <p:blipFill>
-          <a:blip r:embed="rId3"/>
+          <a:blip r:embed="rId3" cstate="print"/>
           <a:srcRect l="12485" r="8926"/>
           <a:stretch>
             <a:fillRect/>
@@ -16882,7 +16884,7 @@
           <p:nvPr/>
         </p:nvPicPr>
         <p:blipFill>
-          <a:blip r:embed="rId2"/>
+          <a:blip r:embed="rId2" cstate="print"/>
           <a:srcRect/>
           <a:stretch>
             <a:fillRect/>
@@ -16914,7 +16916,7 @@
           <p:nvPr/>
         </p:nvPicPr>
         <p:blipFill>
-          <a:blip r:embed="rId3"/>
+          <a:blip r:embed="rId3" cstate="print"/>
           <a:srcRect l="23572" r="28847" b="13516"/>
           <a:stretch>
             <a:fillRect/>
@@ -16946,7 +16948,7 @@
           <p:nvPr/>
         </p:nvPicPr>
         <p:blipFill>
-          <a:blip r:embed="rId4"/>
+          <a:blip r:embed="rId4" cstate="print"/>
           <a:srcRect/>
           <a:stretch>
             <a:fillRect/>
@@ -16978,7 +16980,7 @@
           <p:nvPr/>
         </p:nvPicPr>
         <p:blipFill>
-          <a:blip r:embed="rId5"/>
+          <a:blip r:embed="rId5" cstate="print"/>
           <a:srcRect/>
           <a:stretch>
             <a:fillRect/>
@@ -17248,7 +17250,7 @@
           <p:nvPr/>
         </p:nvPicPr>
         <p:blipFill>
-          <a:blip r:embed="rId2"/>
+          <a:blip r:embed="rId2" cstate="print"/>
           <a:srcRect/>
           <a:stretch>
             <a:fillRect/>
@@ -17280,7 +17282,7 @@
           <p:nvPr/>
         </p:nvPicPr>
         <p:blipFill>
-          <a:blip r:embed="rId3"/>
+          <a:blip r:embed="rId3" cstate="print"/>
           <a:srcRect/>
           <a:stretch>
             <a:fillRect/>
@@ -17376,7 +17378,7 @@
           <p:nvPr/>
         </p:nvPicPr>
         <p:blipFill>
-          <a:blip r:embed="rId2"/>
+          <a:blip r:embed="rId2" cstate="print"/>
           <a:srcRect/>
           <a:stretch>
             <a:fillRect/>
@@ -17477,7 +17479,7 @@
           <p:nvPr/>
         </p:nvPicPr>
         <p:blipFill>
-          <a:blip r:embed="rId2"/>
+          <a:blip r:embed="rId2" cstate="print"/>
           <a:srcRect/>
           <a:stretch>
             <a:fillRect/>
@@ -19014,7 +19016,7 @@
           <p:nvPr/>
         </p:nvPicPr>
         <p:blipFill>
-          <a:blip r:embed="rId2"/>
+          <a:blip r:embed="rId2" cstate="print"/>
           <a:srcRect/>
           <a:stretch>
             <a:fillRect/>
@@ -19046,7 +19048,7 @@
           <p:nvPr/>
         </p:nvPicPr>
         <p:blipFill>
-          <a:blip r:embed="rId3"/>
+          <a:blip r:embed="rId3" cstate="print"/>
           <a:srcRect l="42122" t="10315" r="29820" b="61604"/>
           <a:stretch>
             <a:fillRect/>
@@ -19078,7 +19080,7 @@
           <p:nvPr/>
         </p:nvPicPr>
         <p:blipFill>
-          <a:blip r:embed="rId4"/>
+          <a:blip r:embed="rId4" cstate="print"/>
           <a:srcRect l="44373" t="28526" r="28940" b="43266"/>
           <a:stretch>
             <a:fillRect/>
@@ -19110,7 +19112,7 @@
           <p:nvPr/>
         </p:nvPicPr>
         <p:blipFill>
-          <a:blip r:embed="rId5"/>
+          <a:blip r:embed="rId5" cstate="print"/>
           <a:srcRect/>
           <a:stretch>
             <a:fillRect/>
@@ -19142,7 +19144,7 @@
           <p:nvPr/>
         </p:nvPicPr>
         <p:blipFill>
-          <a:blip r:embed="rId6"/>
+          <a:blip r:embed="rId6" cstate="print"/>
           <a:srcRect/>
           <a:stretch>
             <a:fillRect/>
@@ -19174,7 +19176,7 @@
           <p:nvPr/>
         </p:nvPicPr>
         <p:blipFill>
-          <a:blip r:embed="rId7"/>
+          <a:blip r:embed="rId7" cstate="print"/>
           <a:srcRect/>
           <a:stretch>
             <a:fillRect/>
@@ -19563,7 +19565,7 @@
           <p:nvPr/>
         </p:nvPicPr>
         <p:blipFill>
-          <a:blip r:embed="rId2"/>
+          <a:blip r:embed="rId2" cstate="print"/>
           <a:srcRect/>
           <a:stretch>
             <a:fillRect/>
@@ -19629,7 +19631,7 @@
           <p:nvPr/>
         </p:nvPicPr>
         <p:blipFill>
-          <a:blip r:embed="rId3"/>
+          <a:blip r:embed="rId3" cstate="print"/>
           <a:srcRect/>
           <a:stretch>
             <a:fillRect/>
@@ -19732,7 +19734,7 @@
           <p:nvPr/>
         </p:nvPicPr>
         <p:blipFill>
-          <a:blip r:embed="rId2"/>
+          <a:blip r:embed="rId2" cstate="print"/>
           <a:srcRect/>
           <a:stretch>
             <a:fillRect/>
@@ -19764,7 +19766,7 @@
           <p:nvPr/>
         </p:nvPicPr>
         <p:blipFill>
-          <a:blip r:embed="rId3"/>
+          <a:blip r:embed="rId3" cstate="print"/>
           <a:srcRect/>
           <a:stretch>
             <a:fillRect/>
@@ -19772,8 +19774,8 @@
         </p:blipFill>
         <p:spPr bwMode="auto">
           <a:xfrm>
-            <a:off x="3851275" y="2857500"/>
-            <a:ext cx="2016125" cy="2595563"/>
+            <a:off x="3707904" y="2996952"/>
+            <a:ext cx="2349178" cy="3024336"/>
           </a:xfrm>
           <a:prstGeom prst="rect">
             <a:avLst/>
@@ -19865,7 +19867,7 @@
           <p:nvPr/>
         </p:nvPicPr>
         <p:blipFill>
-          <a:blip r:embed="rId2"/>
+          <a:blip r:embed="rId2" cstate="print"/>
           <a:srcRect/>
           <a:stretch>
             <a:fillRect/>
@@ -19897,7 +19899,7 @@
           <p:nvPr/>
         </p:nvPicPr>
         <p:blipFill>
-          <a:blip r:embed="rId3"/>
+          <a:blip r:embed="rId3" cstate="print"/>
           <a:srcRect/>
           <a:stretch>
             <a:fillRect/>
@@ -19931,7 +19933,7 @@
           <p:nvPr/>
         </p:nvPicPr>
         <p:blipFill>
-          <a:blip r:embed="rId4"/>
+          <a:blip r:embed="rId4" cstate="print"/>
           <a:srcRect/>
           <a:stretch>
             <a:fillRect/>
@@ -20034,7 +20036,7 @@
           <p:nvPr/>
         </p:nvPicPr>
         <p:blipFill>
-          <a:blip r:embed="rId2"/>
+          <a:blip r:embed="rId2" cstate="print"/>
           <a:srcRect/>
           <a:stretch>
             <a:fillRect/>
@@ -20139,7 +20141,7 @@
           <p:nvPr/>
         </p:nvPicPr>
         <p:blipFill>
-          <a:blip r:embed="rId3">
+          <a:blip r:embed="rId3" cstate="print">
             <a:clrChange>
               <a:clrFrom>
                 <a:srgbClr val="FFFFFF"/>

--- a/PRESENTACION02/TRABAJO FINAL/PPT PI1 EFINAL.pptx
+++ b/PRESENTACION02/TRABAJO FINAL/PPT PI1 EFINAL.pptx
@@ -16582,8 +16582,8 @@
         </p:nvSpPr>
         <p:spPr>
           <a:xfrm>
-            <a:off x="468313" y="476250"/>
-            <a:ext cx="8229600" cy="1250950"/>
+            <a:off x="467544" y="260648"/>
+            <a:ext cx="8208912" cy="1250950"/>
           </a:xfrm>
         </p:spPr>
         <p:txBody>
@@ -16592,14 +16592,30 @@
           <a:p>
             <a:pPr eaLnBrk="1" hangingPunct="1"/>
             <a:r>
-              <a:rPr lang="en-US" b="1" smtClean="0">
+              <a:rPr lang="en-US" b="1" dirty="0" err="1" smtClean="0">
                 <a:solidFill>
                   <a:schemeClr val="tx2"/>
                 </a:solidFill>
               </a:rPr>
-              <a:t>Diagrama de actividades</a:t>
+              <a:t>Diagrama</a:t>
             </a:r>
-            <a:endParaRPr lang="es-PE" b="1" smtClean="0">
+            <a:r>
+              <a:rPr lang="en-US" b="1" dirty="0" smtClean="0">
+                <a:solidFill>
+                  <a:schemeClr val="tx2"/>
+                </a:solidFill>
+              </a:rPr>
+              <a:t> de </a:t>
+            </a:r>
+            <a:r>
+              <a:rPr lang="en-US" b="1" dirty="0" err="1" smtClean="0">
+                <a:solidFill>
+                  <a:schemeClr val="tx2"/>
+                </a:solidFill>
+              </a:rPr>
+              <a:t>actividades</a:t>
+            </a:r>
+            <a:endParaRPr lang="es-PE" b="1" dirty="0" smtClean="0">
               <a:solidFill>
                 <a:schemeClr val="tx2"/>
               </a:solidFill>
@@ -16609,7 +16625,7 @@
       </p:sp>
       <p:pic>
         <p:nvPicPr>
-          <p:cNvPr id="29698" name="Picture 2"/>
+          <p:cNvPr id="6" name="Picture 2"/>
           <p:cNvPicPr>
             <a:picLocks noChangeAspect="1" noChangeArrowheads="1"/>
           </p:cNvPicPr>
@@ -16641,7 +16657,7 @@
       </p:pic>
       <p:pic>
         <p:nvPicPr>
-          <p:cNvPr id="29701" name="Picture 5"/>
+          <p:cNvPr id="7" name="Picture 2" descr="C:\Users\asuarez\Desktop\DA_CUN002_Realizar_Procesamiento_datos.jpg"/>
           <p:cNvPicPr>
             <a:picLocks noChangeAspect="1" noChangeArrowheads="1"/>
           </p:cNvPicPr>
@@ -16649,27 +16665,20 @@
         </p:nvPicPr>
         <p:blipFill>
           <a:blip r:embed="rId3" cstate="print"/>
-          <a:srcRect l="8398" r="9779" b="1852"/>
+          <a:srcRect/>
           <a:stretch>
             <a:fillRect/>
           </a:stretch>
         </p:blipFill>
         <p:spPr bwMode="auto">
           <a:xfrm>
-            <a:off x="0" y="1700213"/>
-            <a:ext cx="8964613" cy="4111625"/>
+            <a:off x="179512" y="1556792"/>
+            <a:ext cx="8781694" cy="4896544"/>
           </a:xfrm>
           <a:prstGeom prst="rect">
             <a:avLst/>
           </a:prstGeom>
           <a:noFill/>
-          <a:ln w="9525">
-            <a:noFill/>
-            <a:miter lim="800000"/>
-            <a:headEnd/>
-            <a:tailEnd/>
-          </a:ln>
-          <a:effectLst/>
         </p:spPr>
       </p:pic>
     </p:spTree>
@@ -17046,7 +17055,9 @@
           </a:xfrm>
         </p:spPr>
         <p:txBody>
-          <a:bodyPr/>
+          <a:bodyPr>
+            <a:normAutofit fontScale="90000"/>
+          </a:bodyPr>
           <a:lstStyle/>
           <a:p>
             <a:pPr eaLnBrk="1" hangingPunct="1"/>
@@ -19759,6 +19770,38 @@
       </p:pic>
       <p:pic>
         <p:nvPicPr>
+          <p:cNvPr id="1026" name="Picture 2"/>
+          <p:cNvPicPr>
+            <a:picLocks noChangeAspect="1" noChangeArrowheads="1"/>
+          </p:cNvPicPr>
+          <p:nvPr/>
+        </p:nvPicPr>
+        <p:blipFill>
+          <a:blip r:embed="rId3" cstate="print"/>
+          <a:srcRect t="3689" b="20885"/>
+          <a:stretch>
+            <a:fillRect/>
+          </a:stretch>
+        </p:blipFill>
+        <p:spPr bwMode="auto">
+          <a:xfrm>
+            <a:off x="1835696" y="1614313"/>
+            <a:ext cx="5780534" cy="5199063"/>
+          </a:xfrm>
+          <a:prstGeom prst="rect">
+            <a:avLst/>
+          </a:prstGeom>
+          <a:noFill/>
+          <a:ln w="9525">
+            <a:noFill/>
+            <a:miter lim="800000"/>
+            <a:headEnd/>
+            <a:tailEnd/>
+          </a:ln>
+        </p:spPr>
+      </p:pic>
+      <p:pic>
+        <p:nvPicPr>
           <p:cNvPr id="22531" name="Picture 4"/>
           <p:cNvPicPr>
             <a:picLocks noChangeAspect="1" noChangeArrowheads="1"/>
@@ -19766,7 +19809,7 @@
           <p:nvPr/>
         </p:nvPicPr>
         <p:blipFill>
-          <a:blip r:embed="rId3" cstate="print"/>
+          <a:blip r:embed="rId4" cstate="print"/>
           <a:srcRect/>
           <a:stretch>
             <a:fillRect/>
@@ -19774,8 +19817,8 @@
         </p:blipFill>
         <p:spPr bwMode="auto">
           <a:xfrm>
-            <a:off x="3707904" y="2996952"/>
-            <a:ext cx="2349178" cy="3024336"/>
+            <a:off x="6300192" y="5301208"/>
+            <a:ext cx="1171044" cy="1507604"/>
           </a:xfrm>
           <a:prstGeom prst="rect">
             <a:avLst/>
